--- a/pptx/chap08.pptx
+++ b/pptx/chap08.pptx
@@ -2,10 +2,10 @@
 <file path=ppt/presentation.xml><?xml version="1.0" encoding="utf-8"?>
 <p:presentation xmlns:a="http://schemas.openxmlformats.org/drawingml/2006/main" xmlns:r="http://schemas.openxmlformats.org/officeDocument/2006/relationships" xmlns:p="http://schemas.openxmlformats.org/presentationml/2006/main" saveSubsetFonts="1">
   <p:sldMasterIdLst>
-    <p:sldMasterId id="2147483648" r:id="rId1"/>
+    <p:sldMasterId id="2147483660" r:id="rId1"/>
   </p:sldMasterIdLst>
   <p:sldIdLst>
-    <p:sldId id="273" r:id="rId2"/>
+    <p:sldId id="287" r:id="rId2"/>
     <p:sldId id="274" r:id="rId3"/>
     <p:sldId id="277" r:id="rId4"/>
     <p:sldId id="275" r:id="rId5"/>
@@ -15,14 +15,14 @@
     <p:sldId id="281" r:id="rId9"/>
     <p:sldId id="282" r:id="rId10"/>
   </p:sldIdLst>
-  <p:sldSz cx="9144000" cy="6858000" type="screen4x3"/>
+  <p:sldSz cx="12192000" cy="6858000"/>
   <p:notesSz cx="6858000" cy="9144000"/>
   <p:defaultTextStyle>
     <a:defPPr>
-      <a:defRPr lang="ja-JP"/>
+      <a:defRPr lang="en-US"/>
     </a:defPPr>
-    <a:lvl1pPr marL="0" algn="l" defTabSz="914400" rtl="0" eaLnBrk="1" latinLnBrk="0" hangingPunct="1">
-      <a:defRPr kumimoji="1" sz="1800" kern="1200">
+    <a:lvl1pPr marL="0" algn="l" defTabSz="457200" rtl="0" eaLnBrk="1" latinLnBrk="0" hangingPunct="1">
+      <a:defRPr sz="1800" kern="1200">
         <a:solidFill>
           <a:schemeClr val="tx1"/>
         </a:solidFill>
@@ -31,8 +31,8 @@
         <a:cs typeface="+mn-cs"/>
       </a:defRPr>
     </a:lvl1pPr>
-    <a:lvl2pPr marL="457200" algn="l" defTabSz="914400" rtl="0" eaLnBrk="1" latinLnBrk="0" hangingPunct="1">
-      <a:defRPr kumimoji="1" sz="1800" kern="1200">
+    <a:lvl2pPr marL="457200" algn="l" defTabSz="457200" rtl="0" eaLnBrk="1" latinLnBrk="0" hangingPunct="1">
+      <a:defRPr sz="1800" kern="1200">
         <a:solidFill>
           <a:schemeClr val="tx1"/>
         </a:solidFill>
@@ -41,8 +41,8 @@
         <a:cs typeface="+mn-cs"/>
       </a:defRPr>
     </a:lvl2pPr>
-    <a:lvl3pPr marL="914400" algn="l" defTabSz="914400" rtl="0" eaLnBrk="1" latinLnBrk="0" hangingPunct="1">
-      <a:defRPr kumimoji="1" sz="1800" kern="1200">
+    <a:lvl3pPr marL="914400" algn="l" defTabSz="457200" rtl="0" eaLnBrk="1" latinLnBrk="0" hangingPunct="1">
+      <a:defRPr sz="1800" kern="1200">
         <a:solidFill>
           <a:schemeClr val="tx1"/>
         </a:solidFill>
@@ -51,8 +51,8 @@
         <a:cs typeface="+mn-cs"/>
       </a:defRPr>
     </a:lvl3pPr>
-    <a:lvl4pPr marL="1371600" algn="l" defTabSz="914400" rtl="0" eaLnBrk="1" latinLnBrk="0" hangingPunct="1">
-      <a:defRPr kumimoji="1" sz="1800" kern="1200">
+    <a:lvl4pPr marL="1371600" algn="l" defTabSz="457200" rtl="0" eaLnBrk="1" latinLnBrk="0" hangingPunct="1">
+      <a:defRPr sz="1800" kern="1200">
         <a:solidFill>
           <a:schemeClr val="tx1"/>
         </a:solidFill>
@@ -61,8 +61,8 @@
         <a:cs typeface="+mn-cs"/>
       </a:defRPr>
     </a:lvl4pPr>
-    <a:lvl5pPr marL="1828800" algn="l" defTabSz="914400" rtl="0" eaLnBrk="1" latinLnBrk="0" hangingPunct="1">
-      <a:defRPr kumimoji="1" sz="1800" kern="1200">
+    <a:lvl5pPr marL="1828800" algn="l" defTabSz="457200" rtl="0" eaLnBrk="1" latinLnBrk="0" hangingPunct="1">
+      <a:defRPr sz="1800" kern="1200">
         <a:solidFill>
           <a:schemeClr val="tx1"/>
         </a:solidFill>
@@ -71,8 +71,8 @@
         <a:cs typeface="+mn-cs"/>
       </a:defRPr>
     </a:lvl5pPr>
-    <a:lvl6pPr marL="2286000" algn="l" defTabSz="914400" rtl="0" eaLnBrk="1" latinLnBrk="0" hangingPunct="1">
-      <a:defRPr kumimoji="1" sz="1800" kern="1200">
+    <a:lvl6pPr marL="2286000" algn="l" defTabSz="457200" rtl="0" eaLnBrk="1" latinLnBrk="0" hangingPunct="1">
+      <a:defRPr sz="1800" kern="1200">
         <a:solidFill>
           <a:schemeClr val="tx1"/>
         </a:solidFill>
@@ -81,8 +81,8 @@
         <a:cs typeface="+mn-cs"/>
       </a:defRPr>
     </a:lvl6pPr>
-    <a:lvl7pPr marL="2743200" algn="l" defTabSz="914400" rtl="0" eaLnBrk="1" latinLnBrk="0" hangingPunct="1">
-      <a:defRPr kumimoji="1" sz="1800" kern="1200">
+    <a:lvl7pPr marL="2743200" algn="l" defTabSz="457200" rtl="0" eaLnBrk="1" latinLnBrk="0" hangingPunct="1">
+      <a:defRPr sz="1800" kern="1200">
         <a:solidFill>
           <a:schemeClr val="tx1"/>
         </a:solidFill>
@@ -91,8 +91,8 @@
         <a:cs typeface="+mn-cs"/>
       </a:defRPr>
     </a:lvl7pPr>
-    <a:lvl8pPr marL="3200400" algn="l" defTabSz="914400" rtl="0" eaLnBrk="1" latinLnBrk="0" hangingPunct="1">
-      <a:defRPr kumimoji="1" sz="1800" kern="1200">
+    <a:lvl8pPr marL="3200400" algn="l" defTabSz="457200" rtl="0" eaLnBrk="1" latinLnBrk="0" hangingPunct="1">
+      <a:defRPr sz="1800" kern="1200">
         <a:solidFill>
           <a:schemeClr val="tx1"/>
         </a:solidFill>
@@ -101,8 +101,8 @@
         <a:cs typeface="+mn-cs"/>
       </a:defRPr>
     </a:lvl8pPr>
-    <a:lvl9pPr marL="3657600" algn="l" defTabSz="914400" rtl="0" eaLnBrk="1" latinLnBrk="0" hangingPunct="1">
-      <a:defRPr kumimoji="1" sz="1800" kern="1200">
+    <a:lvl9pPr marL="3657600" algn="l" defTabSz="457200" rtl="0" eaLnBrk="1" latinLnBrk="0" hangingPunct="1">
+      <a:defRPr sz="1800" kern="1200">
         <a:solidFill>
           <a:schemeClr val="tx1"/>
         </a:solidFill>
@@ -118,10 +118,6 @@
     </p:ext>
   </p:extLst>
 </p:presentation>
-</file>
-
-<file path=ppt/revisionInfo.xml><?xml version="1.0" encoding="utf-8"?>
-<p1510:revInfo xmlns:a="http://schemas.openxmlformats.org/drawingml/2006/main" xmlns:r="http://schemas.openxmlformats.org/officeDocument/2006/relationships" xmlns:p1510="http://schemas.microsoft.com/office/powerpoint/2015/10/main"/>
 </file>
 
 <file path=ppt/slideLayouts/slideLayout1.xml><?xml version="1.0" encoding="utf-8"?>
@@ -143,13 +139,7 @@
       </p:grpSpPr>
       <p:sp>
         <p:nvSpPr>
-          <p:cNvPr id="2" name="タイトル 1">
-            <a:extLst>
-              <a:ext uri="{FF2B5EF4-FFF2-40B4-BE49-F238E27FC236}">
-                <a16:creationId xmlns:a16="http://schemas.microsoft.com/office/drawing/2014/main" id="{490F5702-5D73-444E-8951-B738CBD0E5BE}"/>
-              </a:ext>
-            </a:extLst>
-          </p:cNvPr>
+          <p:cNvPr id="2" name="Title 1"/>
           <p:cNvSpPr>
             <a:spLocks noGrp="1"/>
           </p:cNvSpPr>
@@ -159,8 +149,8 @@
         </p:nvSpPr>
         <p:spPr>
           <a:xfrm>
-            <a:off x="1143000" y="1122363"/>
-            <a:ext cx="6858000" cy="2387600"/>
+            <a:off x="1524000" y="1122363"/>
+            <a:ext cx="9144000" cy="2387600"/>
           </a:xfrm>
         </p:spPr>
         <p:txBody>
@@ -172,21 +162,16 @@
           </a:lstStyle>
           <a:p>
             <a:r>
-              <a:rPr kumimoji="1" lang="ja-JP" altLang="en-US"/>
+              <a:rPr lang="ja-JP" altLang="en-US"/>
               <a:t>マスター タイトルの書式設定</a:t>
             </a:r>
-          </a:p>
-        </p:txBody>
-      </p:sp>
-      <p:sp>
-        <p:nvSpPr>
-          <p:cNvPr id="3" name="サブタイトル 2">
-            <a:extLst>
-              <a:ext uri="{FF2B5EF4-FFF2-40B4-BE49-F238E27FC236}">
-                <a16:creationId xmlns:a16="http://schemas.microsoft.com/office/drawing/2014/main" id="{92151FC2-914A-40A1-AFA3-889561BB0D24}"/>
-              </a:ext>
-            </a:extLst>
-          </p:cNvPr>
+            <a:endParaRPr lang="en-US" dirty="0"/>
+          </a:p>
+        </p:txBody>
+      </p:sp>
+      <p:sp>
+        <p:nvSpPr>
+          <p:cNvPr id="3" name="Subtitle 2"/>
           <p:cNvSpPr>
             <a:spLocks noGrp="1"/>
           </p:cNvSpPr>
@@ -196,8 +181,8 @@
         </p:nvSpPr>
         <p:spPr>
           <a:xfrm>
-            <a:off x="1143000" y="3602038"/>
-            <a:ext cx="6858000" cy="1655762"/>
+            <a:off x="1524000" y="3602038"/>
+            <a:ext cx="9144000" cy="1655762"/>
           </a:xfrm>
         </p:spPr>
         <p:txBody>
@@ -242,21 +227,16 @@
           </a:lstStyle>
           <a:p>
             <a:r>
-              <a:rPr kumimoji="1" lang="ja-JP" altLang="en-US"/>
+              <a:rPr lang="ja-JP" altLang="en-US"/>
               <a:t>マスター サブタイトルの書式設定</a:t>
             </a:r>
-          </a:p>
-        </p:txBody>
-      </p:sp>
-      <p:sp>
-        <p:nvSpPr>
-          <p:cNvPr id="4" name="日付プレースホルダー 3">
-            <a:extLst>
-              <a:ext uri="{FF2B5EF4-FFF2-40B4-BE49-F238E27FC236}">
-                <a16:creationId xmlns:a16="http://schemas.microsoft.com/office/drawing/2014/main" id="{A5871356-BBC6-4101-A899-68ED57221D85}"/>
-              </a:ext>
-            </a:extLst>
-          </p:cNvPr>
+            <a:endParaRPr lang="en-US" dirty="0"/>
+          </a:p>
+        </p:txBody>
+      </p:sp>
+      <p:sp>
+        <p:nvSpPr>
+          <p:cNvPr id="4" name="Date Placeholder 3"/>
           <p:cNvSpPr>
             <a:spLocks noGrp="1"/>
           </p:cNvSpPr>
@@ -271,7 +251,7 @@
           <a:p>
             <a:fld id="{BCC3470B-979D-4AC3-9CEF-E2615858CE2E}" type="datetimeFigureOut">
               <a:rPr kumimoji="1" lang="ja-JP" altLang="en-US" smtClean="0"/>
-              <a:t>2017/9/11</a:t>
+              <a:t>2023/8/25</a:t>
             </a:fld>
             <a:endParaRPr kumimoji="1" lang="ja-JP" altLang="en-US"/>
           </a:p>
@@ -279,13 +259,7 @@
       </p:sp>
       <p:sp>
         <p:nvSpPr>
-          <p:cNvPr id="5" name="フッター プレースホルダー 4">
-            <a:extLst>
-              <a:ext uri="{FF2B5EF4-FFF2-40B4-BE49-F238E27FC236}">
-                <a16:creationId xmlns:a16="http://schemas.microsoft.com/office/drawing/2014/main" id="{1A645758-572A-4888-B100-B96321DE5302}"/>
-              </a:ext>
-            </a:extLst>
-          </p:cNvPr>
+          <p:cNvPr id="5" name="Footer Placeholder 4"/>
           <p:cNvSpPr>
             <a:spLocks noGrp="1"/>
           </p:cNvSpPr>
@@ -304,13 +278,7 @@
       </p:sp>
       <p:sp>
         <p:nvSpPr>
-          <p:cNvPr id="6" name="スライド番号プレースホルダー 5">
-            <a:extLst>
-              <a:ext uri="{FF2B5EF4-FFF2-40B4-BE49-F238E27FC236}">
-                <a16:creationId xmlns:a16="http://schemas.microsoft.com/office/drawing/2014/main" id="{EDAF273E-F96B-4748-B86E-108E6C4C6FD0}"/>
-              </a:ext>
-            </a:extLst>
-          </p:cNvPr>
+          <p:cNvPr id="6" name="Slide Number Placeholder 5"/>
           <p:cNvSpPr>
             <a:spLocks noGrp="1"/>
           </p:cNvSpPr>
@@ -334,7 +302,7 @@
     </p:spTree>
     <p:extLst>
       <p:ext uri="{BB962C8B-B14F-4D97-AF65-F5344CB8AC3E}">
-        <p14:creationId xmlns:p14="http://schemas.microsoft.com/office/powerpoint/2010/main" val="816187851"/>
+        <p14:creationId xmlns:p14="http://schemas.microsoft.com/office/powerpoint/2010/main" val="4181883334"/>
       </p:ext>
     </p:extLst>
   </p:cSld>
@@ -363,13 +331,7 @@
       </p:grpSpPr>
       <p:sp>
         <p:nvSpPr>
-          <p:cNvPr id="2" name="タイトル 1">
-            <a:extLst>
-              <a:ext uri="{FF2B5EF4-FFF2-40B4-BE49-F238E27FC236}">
-                <a16:creationId xmlns:a16="http://schemas.microsoft.com/office/drawing/2014/main" id="{19326C56-05B2-4045-A427-F214C2579896}"/>
-              </a:ext>
-            </a:extLst>
-          </p:cNvPr>
+          <p:cNvPr id="2" name="Title 1"/>
           <p:cNvSpPr>
             <a:spLocks noGrp="1"/>
           </p:cNvSpPr>
@@ -383,21 +345,16 @@
           <a:lstStyle/>
           <a:p>
             <a:r>
-              <a:rPr kumimoji="1" lang="ja-JP" altLang="en-US"/>
+              <a:rPr lang="ja-JP" altLang="en-US"/>
               <a:t>マスター タイトルの書式設定</a:t>
             </a:r>
-          </a:p>
-        </p:txBody>
-      </p:sp>
-      <p:sp>
-        <p:nvSpPr>
-          <p:cNvPr id="3" name="縦書きテキスト プレースホルダー 2">
-            <a:extLst>
-              <a:ext uri="{FF2B5EF4-FFF2-40B4-BE49-F238E27FC236}">
-                <a16:creationId xmlns:a16="http://schemas.microsoft.com/office/drawing/2014/main" id="{CF53802B-347E-4462-8C96-469EB0800092}"/>
-              </a:ext>
-            </a:extLst>
-          </p:cNvPr>
+            <a:endParaRPr lang="en-US" dirty="0"/>
+          </a:p>
+        </p:txBody>
+      </p:sp>
+      <p:sp>
+        <p:nvSpPr>
+          <p:cNvPr id="3" name="Vertical Text Placeholder 2"/>
           <p:cNvSpPr>
             <a:spLocks noGrp="1"/>
           </p:cNvSpPr>
@@ -412,81 +369,76 @@
           <a:p>
             <a:pPr lvl="0"/>
             <a:r>
-              <a:rPr kumimoji="1" lang="ja-JP" altLang="en-US"/>
+              <a:rPr lang="ja-JP" altLang="en-US"/>
               <a:t>マスター テキストの書式設定</a:t>
             </a:r>
           </a:p>
           <a:p>
             <a:pPr lvl="1"/>
             <a:r>
-              <a:rPr kumimoji="1" lang="ja-JP" altLang="en-US"/>
+              <a:rPr lang="ja-JP" altLang="en-US"/>
               <a:t>第 </a:t>
             </a:r>
             <a:r>
-              <a:rPr kumimoji="1" lang="en-US" altLang="ja-JP"/>
+              <a:rPr lang="en-US" altLang="ja-JP"/>
               <a:t>2 </a:t>
             </a:r>
             <a:r>
-              <a:rPr kumimoji="1" lang="ja-JP" altLang="en-US"/>
+              <a:rPr lang="ja-JP" altLang="en-US"/>
               <a:t>レベル</a:t>
             </a:r>
           </a:p>
           <a:p>
             <a:pPr lvl="2"/>
             <a:r>
-              <a:rPr kumimoji="1" lang="ja-JP" altLang="en-US"/>
+              <a:rPr lang="ja-JP" altLang="en-US"/>
               <a:t>第 </a:t>
             </a:r>
             <a:r>
-              <a:rPr kumimoji="1" lang="en-US" altLang="ja-JP"/>
+              <a:rPr lang="en-US" altLang="ja-JP"/>
               <a:t>3 </a:t>
             </a:r>
             <a:r>
-              <a:rPr kumimoji="1" lang="ja-JP" altLang="en-US"/>
+              <a:rPr lang="ja-JP" altLang="en-US"/>
               <a:t>レベル</a:t>
             </a:r>
           </a:p>
           <a:p>
             <a:pPr lvl="3"/>
             <a:r>
-              <a:rPr kumimoji="1" lang="ja-JP" altLang="en-US"/>
+              <a:rPr lang="ja-JP" altLang="en-US"/>
               <a:t>第 </a:t>
             </a:r>
             <a:r>
-              <a:rPr kumimoji="1" lang="en-US" altLang="ja-JP"/>
+              <a:rPr lang="en-US" altLang="ja-JP"/>
               <a:t>4 </a:t>
             </a:r>
             <a:r>
-              <a:rPr kumimoji="1" lang="ja-JP" altLang="en-US"/>
+              <a:rPr lang="ja-JP" altLang="en-US"/>
               <a:t>レベル</a:t>
             </a:r>
           </a:p>
           <a:p>
             <a:pPr lvl="4"/>
             <a:r>
-              <a:rPr kumimoji="1" lang="ja-JP" altLang="en-US"/>
+              <a:rPr lang="ja-JP" altLang="en-US"/>
               <a:t>第 </a:t>
             </a:r>
             <a:r>
-              <a:rPr kumimoji="1" lang="en-US" altLang="ja-JP"/>
+              <a:rPr lang="en-US" altLang="ja-JP"/>
               <a:t>5 </a:t>
             </a:r>
             <a:r>
-              <a:rPr kumimoji="1" lang="ja-JP" altLang="en-US"/>
+              <a:rPr lang="ja-JP" altLang="en-US"/>
               <a:t>レベル</a:t>
             </a:r>
-          </a:p>
-        </p:txBody>
-      </p:sp>
-      <p:sp>
-        <p:nvSpPr>
-          <p:cNvPr id="4" name="日付プレースホルダー 3">
-            <a:extLst>
-              <a:ext uri="{FF2B5EF4-FFF2-40B4-BE49-F238E27FC236}">
-                <a16:creationId xmlns:a16="http://schemas.microsoft.com/office/drawing/2014/main" id="{8784DDE4-33A8-4813-93FC-E4AD3B1CE7AD}"/>
-              </a:ext>
-            </a:extLst>
-          </p:cNvPr>
+            <a:endParaRPr lang="en-US" dirty="0"/>
+          </a:p>
+        </p:txBody>
+      </p:sp>
+      <p:sp>
+        <p:nvSpPr>
+          <p:cNvPr id="4" name="Date Placeholder 3"/>
           <p:cNvSpPr>
             <a:spLocks noGrp="1"/>
           </p:cNvSpPr>
@@ -501,7 +453,7 @@
           <a:p>
             <a:fld id="{BCC3470B-979D-4AC3-9CEF-E2615858CE2E}" type="datetimeFigureOut">
               <a:rPr kumimoji="1" lang="ja-JP" altLang="en-US" smtClean="0"/>
-              <a:t>2017/9/11</a:t>
+              <a:t>2023/8/25</a:t>
             </a:fld>
             <a:endParaRPr kumimoji="1" lang="ja-JP" altLang="en-US"/>
           </a:p>
@@ -509,13 +461,7 @@
       </p:sp>
       <p:sp>
         <p:nvSpPr>
-          <p:cNvPr id="5" name="フッター プレースホルダー 4">
-            <a:extLst>
-              <a:ext uri="{FF2B5EF4-FFF2-40B4-BE49-F238E27FC236}">
-                <a16:creationId xmlns:a16="http://schemas.microsoft.com/office/drawing/2014/main" id="{E3502423-BA24-4C5A-B6C2-E8442A0053D1}"/>
-              </a:ext>
-            </a:extLst>
-          </p:cNvPr>
+          <p:cNvPr id="5" name="Footer Placeholder 4"/>
           <p:cNvSpPr>
             <a:spLocks noGrp="1"/>
           </p:cNvSpPr>
@@ -534,13 +480,7 @@
       </p:sp>
       <p:sp>
         <p:nvSpPr>
-          <p:cNvPr id="6" name="スライド番号プレースホルダー 5">
-            <a:extLst>
-              <a:ext uri="{FF2B5EF4-FFF2-40B4-BE49-F238E27FC236}">
-                <a16:creationId xmlns:a16="http://schemas.microsoft.com/office/drawing/2014/main" id="{F2781BD3-6ED3-44FD-8E72-04E946C69C01}"/>
-              </a:ext>
-            </a:extLst>
-          </p:cNvPr>
+          <p:cNvPr id="6" name="Slide Number Placeholder 5"/>
           <p:cNvSpPr>
             <a:spLocks noGrp="1"/>
           </p:cNvSpPr>
@@ -564,7 +504,7 @@
     </p:spTree>
     <p:extLst>
       <p:ext uri="{BB962C8B-B14F-4D97-AF65-F5344CB8AC3E}">
-        <p14:creationId xmlns:p14="http://schemas.microsoft.com/office/powerpoint/2010/main" val="397647011"/>
+        <p14:creationId xmlns:p14="http://schemas.microsoft.com/office/powerpoint/2010/main" val="2145934831"/>
       </p:ext>
     </p:extLst>
   </p:cSld>
@@ -593,13 +533,7 @@
       </p:grpSpPr>
       <p:sp>
         <p:nvSpPr>
-          <p:cNvPr id="2" name="縦書きタイトル 1">
-            <a:extLst>
-              <a:ext uri="{FF2B5EF4-FFF2-40B4-BE49-F238E27FC236}">
-                <a16:creationId xmlns:a16="http://schemas.microsoft.com/office/drawing/2014/main" id="{017A9D40-9D15-450D-82F8-D655384016D5}"/>
-              </a:ext>
-            </a:extLst>
-          </p:cNvPr>
+          <p:cNvPr id="2" name="Vertical Title 1"/>
           <p:cNvSpPr>
             <a:spLocks noGrp="1"/>
           </p:cNvSpPr>
@@ -609,8 +543,8 @@
         </p:nvSpPr>
         <p:spPr>
           <a:xfrm>
-            <a:off x="6543675" y="365125"/>
-            <a:ext cx="1971675" cy="5811838"/>
+            <a:off x="8724900" y="365125"/>
+            <a:ext cx="2628900" cy="5811838"/>
           </a:xfrm>
         </p:spPr>
         <p:txBody>
@@ -618,21 +552,16 @@
           <a:lstStyle/>
           <a:p>
             <a:r>
-              <a:rPr kumimoji="1" lang="ja-JP" altLang="en-US"/>
+              <a:rPr lang="ja-JP" altLang="en-US"/>
               <a:t>マスター タイトルの書式設定</a:t>
             </a:r>
-          </a:p>
-        </p:txBody>
-      </p:sp>
-      <p:sp>
-        <p:nvSpPr>
-          <p:cNvPr id="3" name="縦書きテキスト プレースホルダー 2">
-            <a:extLst>
-              <a:ext uri="{FF2B5EF4-FFF2-40B4-BE49-F238E27FC236}">
-                <a16:creationId xmlns:a16="http://schemas.microsoft.com/office/drawing/2014/main" id="{5DAC8398-BD6E-46E7-9AD6-7AFEC6690000}"/>
-              </a:ext>
-            </a:extLst>
-          </p:cNvPr>
+            <a:endParaRPr lang="en-US" dirty="0"/>
+          </a:p>
+        </p:txBody>
+      </p:sp>
+      <p:sp>
+        <p:nvSpPr>
+          <p:cNvPr id="3" name="Vertical Text Placeholder 2"/>
           <p:cNvSpPr>
             <a:spLocks noGrp="1"/>
           </p:cNvSpPr>
@@ -642,8 +571,8 @@
         </p:nvSpPr>
         <p:spPr>
           <a:xfrm>
-            <a:off x="628650" y="365125"/>
-            <a:ext cx="5800725" cy="5811838"/>
+            <a:off x="838200" y="365125"/>
+            <a:ext cx="7734300" cy="5811838"/>
           </a:xfrm>
         </p:spPr>
         <p:txBody>
@@ -652,81 +581,76 @@
           <a:p>
             <a:pPr lvl="0"/>
             <a:r>
-              <a:rPr kumimoji="1" lang="ja-JP" altLang="en-US"/>
+              <a:rPr lang="ja-JP" altLang="en-US"/>
               <a:t>マスター テキストの書式設定</a:t>
             </a:r>
           </a:p>
           <a:p>
             <a:pPr lvl="1"/>
             <a:r>
-              <a:rPr kumimoji="1" lang="ja-JP" altLang="en-US"/>
+              <a:rPr lang="ja-JP" altLang="en-US"/>
               <a:t>第 </a:t>
             </a:r>
             <a:r>
-              <a:rPr kumimoji="1" lang="en-US" altLang="ja-JP"/>
+              <a:rPr lang="en-US" altLang="ja-JP"/>
               <a:t>2 </a:t>
             </a:r>
             <a:r>
-              <a:rPr kumimoji="1" lang="ja-JP" altLang="en-US"/>
+              <a:rPr lang="ja-JP" altLang="en-US"/>
               <a:t>レベル</a:t>
             </a:r>
           </a:p>
           <a:p>
             <a:pPr lvl="2"/>
             <a:r>
-              <a:rPr kumimoji="1" lang="ja-JP" altLang="en-US"/>
+              <a:rPr lang="ja-JP" altLang="en-US"/>
               <a:t>第 </a:t>
             </a:r>
             <a:r>
-              <a:rPr kumimoji="1" lang="en-US" altLang="ja-JP"/>
+              <a:rPr lang="en-US" altLang="ja-JP"/>
               <a:t>3 </a:t>
             </a:r>
             <a:r>
-              <a:rPr kumimoji="1" lang="ja-JP" altLang="en-US"/>
+              <a:rPr lang="ja-JP" altLang="en-US"/>
               <a:t>レベル</a:t>
             </a:r>
           </a:p>
           <a:p>
             <a:pPr lvl="3"/>
             <a:r>
-              <a:rPr kumimoji="1" lang="ja-JP" altLang="en-US"/>
+              <a:rPr lang="ja-JP" altLang="en-US"/>
               <a:t>第 </a:t>
             </a:r>
             <a:r>
-              <a:rPr kumimoji="1" lang="en-US" altLang="ja-JP"/>
+              <a:rPr lang="en-US" altLang="ja-JP"/>
               <a:t>4 </a:t>
             </a:r>
             <a:r>
-              <a:rPr kumimoji="1" lang="ja-JP" altLang="en-US"/>
+              <a:rPr lang="ja-JP" altLang="en-US"/>
               <a:t>レベル</a:t>
             </a:r>
           </a:p>
           <a:p>
             <a:pPr lvl="4"/>
             <a:r>
-              <a:rPr kumimoji="1" lang="ja-JP" altLang="en-US"/>
+              <a:rPr lang="ja-JP" altLang="en-US"/>
               <a:t>第 </a:t>
             </a:r>
             <a:r>
-              <a:rPr kumimoji="1" lang="en-US" altLang="ja-JP"/>
+              <a:rPr lang="en-US" altLang="ja-JP"/>
               <a:t>5 </a:t>
             </a:r>
             <a:r>
-              <a:rPr kumimoji="1" lang="ja-JP" altLang="en-US"/>
+              <a:rPr lang="ja-JP" altLang="en-US"/>
               <a:t>レベル</a:t>
             </a:r>
-          </a:p>
-        </p:txBody>
-      </p:sp>
-      <p:sp>
-        <p:nvSpPr>
-          <p:cNvPr id="4" name="日付プレースホルダー 3">
-            <a:extLst>
-              <a:ext uri="{FF2B5EF4-FFF2-40B4-BE49-F238E27FC236}">
-                <a16:creationId xmlns:a16="http://schemas.microsoft.com/office/drawing/2014/main" id="{6FDBFB86-749B-427D-A94D-7E724F8A4B87}"/>
-              </a:ext>
-            </a:extLst>
-          </p:cNvPr>
+            <a:endParaRPr lang="en-US" dirty="0"/>
+          </a:p>
+        </p:txBody>
+      </p:sp>
+      <p:sp>
+        <p:nvSpPr>
+          <p:cNvPr id="4" name="Date Placeholder 3"/>
           <p:cNvSpPr>
             <a:spLocks noGrp="1"/>
           </p:cNvSpPr>
@@ -741,7 +665,7 @@
           <a:p>
             <a:fld id="{BCC3470B-979D-4AC3-9CEF-E2615858CE2E}" type="datetimeFigureOut">
               <a:rPr kumimoji="1" lang="ja-JP" altLang="en-US" smtClean="0"/>
-              <a:t>2017/9/11</a:t>
+              <a:t>2023/8/25</a:t>
             </a:fld>
             <a:endParaRPr kumimoji="1" lang="ja-JP" altLang="en-US"/>
           </a:p>
@@ -749,13 +673,7 @@
       </p:sp>
       <p:sp>
         <p:nvSpPr>
-          <p:cNvPr id="5" name="フッター プレースホルダー 4">
-            <a:extLst>
-              <a:ext uri="{FF2B5EF4-FFF2-40B4-BE49-F238E27FC236}">
-                <a16:creationId xmlns:a16="http://schemas.microsoft.com/office/drawing/2014/main" id="{46D97FC8-D55E-481F-831E-8B0923FAC4A8}"/>
-              </a:ext>
-            </a:extLst>
-          </p:cNvPr>
+          <p:cNvPr id="5" name="Footer Placeholder 4"/>
           <p:cNvSpPr>
             <a:spLocks noGrp="1"/>
           </p:cNvSpPr>
@@ -774,13 +692,7 @@
       </p:sp>
       <p:sp>
         <p:nvSpPr>
-          <p:cNvPr id="6" name="スライド番号プレースホルダー 5">
-            <a:extLst>
-              <a:ext uri="{FF2B5EF4-FFF2-40B4-BE49-F238E27FC236}">
-                <a16:creationId xmlns:a16="http://schemas.microsoft.com/office/drawing/2014/main" id="{00D79B48-AC5C-4428-AC16-9C5205B7981C}"/>
-              </a:ext>
-            </a:extLst>
-          </p:cNvPr>
+          <p:cNvPr id="6" name="Slide Number Placeholder 5"/>
           <p:cNvSpPr>
             <a:spLocks noGrp="1"/>
           </p:cNvSpPr>
@@ -804,7 +716,7 @@
     </p:spTree>
     <p:extLst>
       <p:ext uri="{BB962C8B-B14F-4D97-AF65-F5344CB8AC3E}">
-        <p14:creationId xmlns:p14="http://schemas.microsoft.com/office/powerpoint/2010/main" val="1659054291"/>
+        <p14:creationId xmlns:p14="http://schemas.microsoft.com/office/powerpoint/2010/main" val="41943600"/>
       </p:ext>
     </p:extLst>
   </p:cSld>
@@ -833,13 +745,7 @@
       </p:grpSpPr>
       <p:sp>
         <p:nvSpPr>
-          <p:cNvPr id="2" name="タイトル 1">
-            <a:extLst>
-              <a:ext uri="{FF2B5EF4-FFF2-40B4-BE49-F238E27FC236}">
-                <a16:creationId xmlns:a16="http://schemas.microsoft.com/office/drawing/2014/main" id="{758DFCA2-5DB0-4083-8B4C-8DE6F01C0D39}"/>
-              </a:ext>
-            </a:extLst>
-          </p:cNvPr>
+          <p:cNvPr id="2" name="Title 1"/>
           <p:cNvSpPr>
             <a:spLocks noGrp="1"/>
           </p:cNvSpPr>
@@ -853,21 +759,16 @@
           <a:lstStyle/>
           <a:p>
             <a:r>
-              <a:rPr kumimoji="1" lang="ja-JP" altLang="en-US"/>
+              <a:rPr lang="ja-JP" altLang="en-US"/>
               <a:t>マスター タイトルの書式設定</a:t>
             </a:r>
-          </a:p>
-        </p:txBody>
-      </p:sp>
-      <p:sp>
-        <p:nvSpPr>
-          <p:cNvPr id="3" name="コンテンツ プレースホルダー 2">
-            <a:extLst>
-              <a:ext uri="{FF2B5EF4-FFF2-40B4-BE49-F238E27FC236}">
-                <a16:creationId xmlns:a16="http://schemas.microsoft.com/office/drawing/2014/main" id="{FFBDDB16-CBD2-4229-9A15-50C8AE44729F}"/>
-              </a:ext>
-            </a:extLst>
-          </p:cNvPr>
+            <a:endParaRPr lang="en-US" dirty="0"/>
+          </a:p>
+        </p:txBody>
+      </p:sp>
+      <p:sp>
+        <p:nvSpPr>
+          <p:cNvPr id="3" name="Content Placeholder 2"/>
           <p:cNvSpPr>
             <a:spLocks noGrp="1"/>
           </p:cNvSpPr>
@@ -882,81 +783,76 @@
           <a:p>
             <a:pPr lvl="0"/>
             <a:r>
-              <a:rPr kumimoji="1" lang="ja-JP" altLang="en-US"/>
+              <a:rPr lang="ja-JP" altLang="en-US"/>
               <a:t>マスター テキストの書式設定</a:t>
             </a:r>
           </a:p>
           <a:p>
             <a:pPr lvl="1"/>
             <a:r>
-              <a:rPr kumimoji="1" lang="ja-JP" altLang="en-US"/>
+              <a:rPr lang="ja-JP" altLang="en-US"/>
               <a:t>第 </a:t>
             </a:r>
             <a:r>
-              <a:rPr kumimoji="1" lang="en-US" altLang="ja-JP"/>
+              <a:rPr lang="en-US" altLang="ja-JP"/>
               <a:t>2 </a:t>
             </a:r>
             <a:r>
-              <a:rPr kumimoji="1" lang="ja-JP" altLang="en-US"/>
+              <a:rPr lang="ja-JP" altLang="en-US"/>
               <a:t>レベル</a:t>
             </a:r>
           </a:p>
           <a:p>
             <a:pPr lvl="2"/>
             <a:r>
-              <a:rPr kumimoji="1" lang="ja-JP" altLang="en-US"/>
+              <a:rPr lang="ja-JP" altLang="en-US"/>
               <a:t>第 </a:t>
             </a:r>
             <a:r>
-              <a:rPr kumimoji="1" lang="en-US" altLang="ja-JP"/>
+              <a:rPr lang="en-US" altLang="ja-JP"/>
               <a:t>3 </a:t>
             </a:r>
             <a:r>
-              <a:rPr kumimoji="1" lang="ja-JP" altLang="en-US"/>
+              <a:rPr lang="ja-JP" altLang="en-US"/>
               <a:t>レベル</a:t>
             </a:r>
           </a:p>
           <a:p>
             <a:pPr lvl="3"/>
             <a:r>
-              <a:rPr kumimoji="1" lang="ja-JP" altLang="en-US"/>
+              <a:rPr lang="ja-JP" altLang="en-US"/>
               <a:t>第 </a:t>
             </a:r>
             <a:r>
-              <a:rPr kumimoji="1" lang="en-US" altLang="ja-JP"/>
+              <a:rPr lang="en-US" altLang="ja-JP"/>
               <a:t>4 </a:t>
             </a:r>
             <a:r>
-              <a:rPr kumimoji="1" lang="ja-JP" altLang="en-US"/>
+              <a:rPr lang="ja-JP" altLang="en-US"/>
               <a:t>レベル</a:t>
             </a:r>
           </a:p>
           <a:p>
             <a:pPr lvl="4"/>
             <a:r>
-              <a:rPr kumimoji="1" lang="ja-JP" altLang="en-US"/>
+              <a:rPr lang="ja-JP" altLang="en-US"/>
               <a:t>第 </a:t>
             </a:r>
             <a:r>
-              <a:rPr kumimoji="1" lang="en-US" altLang="ja-JP"/>
+              <a:rPr lang="en-US" altLang="ja-JP"/>
               <a:t>5 </a:t>
             </a:r>
             <a:r>
-              <a:rPr kumimoji="1" lang="ja-JP" altLang="en-US"/>
+              <a:rPr lang="ja-JP" altLang="en-US"/>
               <a:t>レベル</a:t>
             </a:r>
-          </a:p>
-        </p:txBody>
-      </p:sp>
-      <p:sp>
-        <p:nvSpPr>
-          <p:cNvPr id="4" name="日付プレースホルダー 3">
-            <a:extLst>
-              <a:ext uri="{FF2B5EF4-FFF2-40B4-BE49-F238E27FC236}">
-                <a16:creationId xmlns:a16="http://schemas.microsoft.com/office/drawing/2014/main" id="{66DBD40E-5A76-4B4A-929F-470B9C12BFEE}"/>
-              </a:ext>
-            </a:extLst>
-          </p:cNvPr>
+            <a:endParaRPr lang="en-US" dirty="0"/>
+          </a:p>
+        </p:txBody>
+      </p:sp>
+      <p:sp>
+        <p:nvSpPr>
+          <p:cNvPr id="4" name="Date Placeholder 3"/>
           <p:cNvSpPr>
             <a:spLocks noGrp="1"/>
           </p:cNvSpPr>
@@ -971,7 +867,7 @@
           <a:p>
             <a:fld id="{BCC3470B-979D-4AC3-9CEF-E2615858CE2E}" type="datetimeFigureOut">
               <a:rPr kumimoji="1" lang="ja-JP" altLang="en-US" smtClean="0"/>
-              <a:t>2017/9/11</a:t>
+              <a:t>2023/8/25</a:t>
             </a:fld>
             <a:endParaRPr kumimoji="1" lang="ja-JP" altLang="en-US"/>
           </a:p>
@@ -979,13 +875,7 @@
       </p:sp>
       <p:sp>
         <p:nvSpPr>
-          <p:cNvPr id="5" name="フッター プレースホルダー 4">
-            <a:extLst>
-              <a:ext uri="{FF2B5EF4-FFF2-40B4-BE49-F238E27FC236}">
-                <a16:creationId xmlns:a16="http://schemas.microsoft.com/office/drawing/2014/main" id="{C4CE8CE3-F56A-499A-9503-84B870215EF8}"/>
-              </a:ext>
-            </a:extLst>
-          </p:cNvPr>
+          <p:cNvPr id="5" name="Footer Placeholder 4"/>
           <p:cNvSpPr>
             <a:spLocks noGrp="1"/>
           </p:cNvSpPr>
@@ -1004,13 +894,7 @@
       </p:sp>
       <p:sp>
         <p:nvSpPr>
-          <p:cNvPr id="6" name="スライド番号プレースホルダー 5">
-            <a:extLst>
-              <a:ext uri="{FF2B5EF4-FFF2-40B4-BE49-F238E27FC236}">
-                <a16:creationId xmlns:a16="http://schemas.microsoft.com/office/drawing/2014/main" id="{D922B388-1193-4540-9148-7A8F8D10B037}"/>
-              </a:ext>
-            </a:extLst>
-          </p:cNvPr>
+          <p:cNvPr id="6" name="Slide Number Placeholder 5"/>
           <p:cNvSpPr>
             <a:spLocks noGrp="1"/>
           </p:cNvSpPr>
@@ -1034,7 +918,7 @@
     </p:spTree>
     <p:extLst>
       <p:ext uri="{BB962C8B-B14F-4D97-AF65-F5344CB8AC3E}">
-        <p14:creationId xmlns:p14="http://schemas.microsoft.com/office/powerpoint/2010/main" val="3885293980"/>
+        <p14:creationId xmlns:p14="http://schemas.microsoft.com/office/powerpoint/2010/main" val="3062958064"/>
       </p:ext>
     </p:extLst>
   </p:cSld>
@@ -1063,13 +947,7 @@
       </p:grpSpPr>
       <p:sp>
         <p:nvSpPr>
-          <p:cNvPr id="2" name="タイトル 1">
-            <a:extLst>
-              <a:ext uri="{FF2B5EF4-FFF2-40B4-BE49-F238E27FC236}">
-                <a16:creationId xmlns:a16="http://schemas.microsoft.com/office/drawing/2014/main" id="{08E6B0ED-6C85-42C7-A913-4B82433E7B70}"/>
-              </a:ext>
-            </a:extLst>
-          </p:cNvPr>
+          <p:cNvPr id="2" name="Title 1"/>
           <p:cNvSpPr>
             <a:spLocks noGrp="1"/>
           </p:cNvSpPr>
@@ -1079,8 +957,8 @@
         </p:nvSpPr>
         <p:spPr>
           <a:xfrm>
-            <a:off x="623888" y="1709739"/>
-            <a:ext cx="7886700" cy="2852737"/>
+            <a:off x="831850" y="1709738"/>
+            <a:ext cx="10515600" cy="2852737"/>
           </a:xfrm>
         </p:spPr>
         <p:txBody>
@@ -1092,21 +970,16 @@
           </a:lstStyle>
           <a:p>
             <a:r>
-              <a:rPr kumimoji="1" lang="ja-JP" altLang="en-US"/>
+              <a:rPr lang="ja-JP" altLang="en-US"/>
               <a:t>マスター タイトルの書式設定</a:t>
             </a:r>
-          </a:p>
-        </p:txBody>
-      </p:sp>
-      <p:sp>
-        <p:nvSpPr>
-          <p:cNvPr id="3" name="テキスト プレースホルダー 2">
-            <a:extLst>
-              <a:ext uri="{FF2B5EF4-FFF2-40B4-BE49-F238E27FC236}">
-                <a16:creationId xmlns:a16="http://schemas.microsoft.com/office/drawing/2014/main" id="{246121B5-1DE4-4D5A-91F2-C7E49C42F30B}"/>
-              </a:ext>
-            </a:extLst>
-          </p:cNvPr>
+            <a:endParaRPr lang="en-US" dirty="0"/>
+          </a:p>
+        </p:txBody>
+      </p:sp>
+      <p:sp>
+        <p:nvSpPr>
+          <p:cNvPr id="3" name="Text Placeholder 2"/>
           <p:cNvSpPr>
             <a:spLocks noGrp="1"/>
           </p:cNvSpPr>
@@ -1116,8 +989,8 @@
         </p:nvSpPr>
         <p:spPr>
           <a:xfrm>
-            <a:off x="623888" y="4589464"/>
-            <a:ext cx="7886700" cy="1500187"/>
+            <a:off x="831850" y="4589463"/>
+            <a:ext cx="10515600" cy="1500187"/>
           </a:xfrm>
         </p:spPr>
         <p:txBody>
@@ -1217,7 +1090,7 @@
           <a:p>
             <a:pPr lvl="0"/>
             <a:r>
-              <a:rPr kumimoji="1" lang="ja-JP" altLang="en-US"/>
+              <a:rPr lang="ja-JP" altLang="en-US"/>
               <a:t>マスター テキストの書式設定</a:t>
             </a:r>
           </a:p>
@@ -1225,13 +1098,7 @@
       </p:sp>
       <p:sp>
         <p:nvSpPr>
-          <p:cNvPr id="4" name="日付プレースホルダー 3">
-            <a:extLst>
-              <a:ext uri="{FF2B5EF4-FFF2-40B4-BE49-F238E27FC236}">
-                <a16:creationId xmlns:a16="http://schemas.microsoft.com/office/drawing/2014/main" id="{554E865C-62F8-48F9-B5FF-DA5BC3EF1A2F}"/>
-              </a:ext>
-            </a:extLst>
-          </p:cNvPr>
+          <p:cNvPr id="4" name="Date Placeholder 3"/>
           <p:cNvSpPr>
             <a:spLocks noGrp="1"/>
           </p:cNvSpPr>
@@ -1246,7 +1113,7 @@
           <a:p>
             <a:fld id="{BCC3470B-979D-4AC3-9CEF-E2615858CE2E}" type="datetimeFigureOut">
               <a:rPr kumimoji="1" lang="ja-JP" altLang="en-US" smtClean="0"/>
-              <a:t>2017/9/11</a:t>
+              <a:t>2023/8/25</a:t>
             </a:fld>
             <a:endParaRPr kumimoji="1" lang="ja-JP" altLang="en-US"/>
           </a:p>
@@ -1254,13 +1121,7 @@
       </p:sp>
       <p:sp>
         <p:nvSpPr>
-          <p:cNvPr id="5" name="フッター プレースホルダー 4">
-            <a:extLst>
-              <a:ext uri="{FF2B5EF4-FFF2-40B4-BE49-F238E27FC236}">
-                <a16:creationId xmlns:a16="http://schemas.microsoft.com/office/drawing/2014/main" id="{01BA77F4-B8A8-433C-946F-4ABCE1772AC8}"/>
-              </a:ext>
-            </a:extLst>
-          </p:cNvPr>
+          <p:cNvPr id="5" name="Footer Placeholder 4"/>
           <p:cNvSpPr>
             <a:spLocks noGrp="1"/>
           </p:cNvSpPr>
@@ -1279,13 +1140,7 @@
       </p:sp>
       <p:sp>
         <p:nvSpPr>
-          <p:cNvPr id="6" name="スライド番号プレースホルダー 5">
-            <a:extLst>
-              <a:ext uri="{FF2B5EF4-FFF2-40B4-BE49-F238E27FC236}">
-                <a16:creationId xmlns:a16="http://schemas.microsoft.com/office/drawing/2014/main" id="{9E6B1CEE-CC91-4610-81F7-D40D5BF90C69}"/>
-              </a:ext>
-            </a:extLst>
-          </p:cNvPr>
+          <p:cNvPr id="6" name="Slide Number Placeholder 5"/>
           <p:cNvSpPr>
             <a:spLocks noGrp="1"/>
           </p:cNvSpPr>
@@ -1309,7 +1164,7 @@
     </p:spTree>
     <p:extLst>
       <p:ext uri="{BB962C8B-B14F-4D97-AF65-F5344CB8AC3E}">
-        <p14:creationId xmlns:p14="http://schemas.microsoft.com/office/powerpoint/2010/main" val="3050166243"/>
+        <p14:creationId xmlns:p14="http://schemas.microsoft.com/office/powerpoint/2010/main" val="964491475"/>
       </p:ext>
     </p:extLst>
   </p:cSld>
@@ -1338,13 +1193,7 @@
       </p:grpSpPr>
       <p:sp>
         <p:nvSpPr>
-          <p:cNvPr id="2" name="タイトル 1">
-            <a:extLst>
-              <a:ext uri="{FF2B5EF4-FFF2-40B4-BE49-F238E27FC236}">
-                <a16:creationId xmlns:a16="http://schemas.microsoft.com/office/drawing/2014/main" id="{6DF9C5A6-3160-47E1-9F76-C0517AE74B65}"/>
-              </a:ext>
-            </a:extLst>
-          </p:cNvPr>
+          <p:cNvPr id="2" name="Title 1"/>
           <p:cNvSpPr>
             <a:spLocks noGrp="1"/>
           </p:cNvSpPr>
@@ -1358,21 +1207,16 @@
           <a:lstStyle/>
           <a:p>
             <a:r>
-              <a:rPr kumimoji="1" lang="ja-JP" altLang="en-US"/>
+              <a:rPr lang="ja-JP" altLang="en-US"/>
               <a:t>マスター タイトルの書式設定</a:t>
             </a:r>
-          </a:p>
-        </p:txBody>
-      </p:sp>
-      <p:sp>
-        <p:nvSpPr>
-          <p:cNvPr id="3" name="コンテンツ プレースホルダー 2">
-            <a:extLst>
-              <a:ext uri="{FF2B5EF4-FFF2-40B4-BE49-F238E27FC236}">
-                <a16:creationId xmlns:a16="http://schemas.microsoft.com/office/drawing/2014/main" id="{E1CFB188-D041-4220-AC8D-BC555D2B95A5}"/>
-              </a:ext>
-            </a:extLst>
-          </p:cNvPr>
+            <a:endParaRPr lang="en-US" dirty="0"/>
+          </a:p>
+        </p:txBody>
+      </p:sp>
+      <p:sp>
+        <p:nvSpPr>
+          <p:cNvPr id="3" name="Content Placeholder 2"/>
           <p:cNvSpPr>
             <a:spLocks noGrp="1"/>
           </p:cNvSpPr>
@@ -1382,8 +1226,8 @@
         </p:nvSpPr>
         <p:spPr>
           <a:xfrm>
-            <a:off x="628650" y="1825625"/>
-            <a:ext cx="3886200" cy="4351338"/>
+            <a:off x="838200" y="1825625"/>
+            <a:ext cx="5181600" cy="4351338"/>
           </a:xfrm>
         </p:spPr>
         <p:txBody>
@@ -1392,81 +1236,76 @@
           <a:p>
             <a:pPr lvl="0"/>
             <a:r>
-              <a:rPr kumimoji="1" lang="ja-JP" altLang="en-US"/>
+              <a:rPr lang="ja-JP" altLang="en-US"/>
               <a:t>マスター テキストの書式設定</a:t>
             </a:r>
           </a:p>
           <a:p>
             <a:pPr lvl="1"/>
             <a:r>
-              <a:rPr kumimoji="1" lang="ja-JP" altLang="en-US"/>
+              <a:rPr lang="ja-JP" altLang="en-US"/>
               <a:t>第 </a:t>
             </a:r>
             <a:r>
-              <a:rPr kumimoji="1" lang="en-US" altLang="ja-JP"/>
+              <a:rPr lang="en-US" altLang="ja-JP"/>
               <a:t>2 </a:t>
             </a:r>
             <a:r>
-              <a:rPr kumimoji="1" lang="ja-JP" altLang="en-US"/>
+              <a:rPr lang="ja-JP" altLang="en-US"/>
               <a:t>レベル</a:t>
             </a:r>
           </a:p>
           <a:p>
             <a:pPr lvl="2"/>
             <a:r>
-              <a:rPr kumimoji="1" lang="ja-JP" altLang="en-US"/>
+              <a:rPr lang="ja-JP" altLang="en-US"/>
               <a:t>第 </a:t>
             </a:r>
             <a:r>
-              <a:rPr kumimoji="1" lang="en-US" altLang="ja-JP"/>
+              <a:rPr lang="en-US" altLang="ja-JP"/>
               <a:t>3 </a:t>
             </a:r>
             <a:r>
-              <a:rPr kumimoji="1" lang="ja-JP" altLang="en-US"/>
+              <a:rPr lang="ja-JP" altLang="en-US"/>
               <a:t>レベル</a:t>
             </a:r>
           </a:p>
           <a:p>
             <a:pPr lvl="3"/>
             <a:r>
-              <a:rPr kumimoji="1" lang="ja-JP" altLang="en-US"/>
+              <a:rPr lang="ja-JP" altLang="en-US"/>
               <a:t>第 </a:t>
             </a:r>
             <a:r>
-              <a:rPr kumimoji="1" lang="en-US" altLang="ja-JP"/>
+              <a:rPr lang="en-US" altLang="ja-JP"/>
               <a:t>4 </a:t>
             </a:r>
             <a:r>
-              <a:rPr kumimoji="1" lang="ja-JP" altLang="en-US"/>
+              <a:rPr lang="ja-JP" altLang="en-US"/>
               <a:t>レベル</a:t>
             </a:r>
           </a:p>
           <a:p>
             <a:pPr lvl="4"/>
             <a:r>
-              <a:rPr kumimoji="1" lang="ja-JP" altLang="en-US"/>
+              <a:rPr lang="ja-JP" altLang="en-US"/>
               <a:t>第 </a:t>
             </a:r>
             <a:r>
-              <a:rPr kumimoji="1" lang="en-US" altLang="ja-JP"/>
+              <a:rPr lang="en-US" altLang="ja-JP"/>
               <a:t>5 </a:t>
             </a:r>
             <a:r>
-              <a:rPr kumimoji="1" lang="ja-JP" altLang="en-US"/>
+              <a:rPr lang="ja-JP" altLang="en-US"/>
               <a:t>レベル</a:t>
             </a:r>
-          </a:p>
-        </p:txBody>
-      </p:sp>
-      <p:sp>
-        <p:nvSpPr>
-          <p:cNvPr id="4" name="コンテンツ プレースホルダー 3">
-            <a:extLst>
-              <a:ext uri="{FF2B5EF4-FFF2-40B4-BE49-F238E27FC236}">
-                <a16:creationId xmlns:a16="http://schemas.microsoft.com/office/drawing/2014/main" id="{BB0DA848-D05A-4CC8-88F9-8978C8AEF3F2}"/>
-              </a:ext>
-            </a:extLst>
-          </p:cNvPr>
+            <a:endParaRPr lang="en-US" dirty="0"/>
+          </a:p>
+        </p:txBody>
+      </p:sp>
+      <p:sp>
+        <p:nvSpPr>
+          <p:cNvPr id="4" name="Content Placeholder 3"/>
           <p:cNvSpPr>
             <a:spLocks noGrp="1"/>
           </p:cNvSpPr>
@@ -1476,8 +1315,8 @@
         </p:nvSpPr>
         <p:spPr>
           <a:xfrm>
-            <a:off x="4629150" y="1825625"/>
-            <a:ext cx="3886200" cy="4351338"/>
+            <a:off x="6172200" y="1825625"/>
+            <a:ext cx="5181600" cy="4351338"/>
           </a:xfrm>
         </p:spPr>
         <p:txBody>
@@ -1486,81 +1325,76 @@
           <a:p>
             <a:pPr lvl="0"/>
             <a:r>
-              <a:rPr kumimoji="1" lang="ja-JP" altLang="en-US"/>
+              <a:rPr lang="ja-JP" altLang="en-US"/>
               <a:t>マスター テキストの書式設定</a:t>
             </a:r>
           </a:p>
           <a:p>
             <a:pPr lvl="1"/>
             <a:r>
-              <a:rPr kumimoji="1" lang="ja-JP" altLang="en-US"/>
+              <a:rPr lang="ja-JP" altLang="en-US"/>
               <a:t>第 </a:t>
             </a:r>
             <a:r>
-              <a:rPr kumimoji="1" lang="en-US" altLang="ja-JP"/>
+              <a:rPr lang="en-US" altLang="ja-JP"/>
               <a:t>2 </a:t>
             </a:r>
             <a:r>
-              <a:rPr kumimoji="1" lang="ja-JP" altLang="en-US"/>
+              <a:rPr lang="ja-JP" altLang="en-US"/>
               <a:t>レベル</a:t>
             </a:r>
           </a:p>
           <a:p>
             <a:pPr lvl="2"/>
             <a:r>
-              <a:rPr kumimoji="1" lang="ja-JP" altLang="en-US"/>
+              <a:rPr lang="ja-JP" altLang="en-US"/>
               <a:t>第 </a:t>
             </a:r>
             <a:r>
-              <a:rPr kumimoji="1" lang="en-US" altLang="ja-JP"/>
+              <a:rPr lang="en-US" altLang="ja-JP"/>
               <a:t>3 </a:t>
             </a:r>
             <a:r>
-              <a:rPr kumimoji="1" lang="ja-JP" altLang="en-US"/>
+              <a:rPr lang="ja-JP" altLang="en-US"/>
               <a:t>レベル</a:t>
             </a:r>
           </a:p>
           <a:p>
             <a:pPr lvl="3"/>
             <a:r>
-              <a:rPr kumimoji="1" lang="ja-JP" altLang="en-US"/>
+              <a:rPr lang="ja-JP" altLang="en-US"/>
               <a:t>第 </a:t>
             </a:r>
             <a:r>
-              <a:rPr kumimoji="1" lang="en-US" altLang="ja-JP"/>
+              <a:rPr lang="en-US" altLang="ja-JP"/>
               <a:t>4 </a:t>
             </a:r>
             <a:r>
-              <a:rPr kumimoji="1" lang="ja-JP" altLang="en-US"/>
+              <a:rPr lang="ja-JP" altLang="en-US"/>
               <a:t>レベル</a:t>
             </a:r>
           </a:p>
           <a:p>
             <a:pPr lvl="4"/>
             <a:r>
-              <a:rPr kumimoji="1" lang="ja-JP" altLang="en-US"/>
+              <a:rPr lang="ja-JP" altLang="en-US"/>
               <a:t>第 </a:t>
             </a:r>
             <a:r>
-              <a:rPr kumimoji="1" lang="en-US" altLang="ja-JP"/>
+              <a:rPr lang="en-US" altLang="ja-JP"/>
               <a:t>5 </a:t>
             </a:r>
             <a:r>
-              <a:rPr kumimoji="1" lang="ja-JP" altLang="en-US"/>
+              <a:rPr lang="ja-JP" altLang="en-US"/>
               <a:t>レベル</a:t>
             </a:r>
-          </a:p>
-        </p:txBody>
-      </p:sp>
-      <p:sp>
-        <p:nvSpPr>
-          <p:cNvPr id="5" name="日付プレースホルダー 4">
-            <a:extLst>
-              <a:ext uri="{FF2B5EF4-FFF2-40B4-BE49-F238E27FC236}">
-                <a16:creationId xmlns:a16="http://schemas.microsoft.com/office/drawing/2014/main" id="{840C054F-E256-4364-8C3B-BC6BBFAFEAC5}"/>
-              </a:ext>
-            </a:extLst>
-          </p:cNvPr>
+            <a:endParaRPr lang="en-US" dirty="0"/>
+          </a:p>
+        </p:txBody>
+      </p:sp>
+      <p:sp>
+        <p:nvSpPr>
+          <p:cNvPr id="5" name="Date Placeholder 4"/>
           <p:cNvSpPr>
             <a:spLocks noGrp="1"/>
           </p:cNvSpPr>
@@ -1575,7 +1409,7 @@
           <a:p>
             <a:fld id="{BCC3470B-979D-4AC3-9CEF-E2615858CE2E}" type="datetimeFigureOut">
               <a:rPr kumimoji="1" lang="ja-JP" altLang="en-US" smtClean="0"/>
-              <a:t>2017/9/11</a:t>
+              <a:t>2023/8/25</a:t>
             </a:fld>
             <a:endParaRPr kumimoji="1" lang="ja-JP" altLang="en-US"/>
           </a:p>
@@ -1583,13 +1417,7 @@
       </p:sp>
       <p:sp>
         <p:nvSpPr>
-          <p:cNvPr id="6" name="フッター プレースホルダー 5">
-            <a:extLst>
-              <a:ext uri="{FF2B5EF4-FFF2-40B4-BE49-F238E27FC236}">
-                <a16:creationId xmlns:a16="http://schemas.microsoft.com/office/drawing/2014/main" id="{F04279D4-EDFB-458F-8F75-2B792679193B}"/>
-              </a:ext>
-            </a:extLst>
-          </p:cNvPr>
+          <p:cNvPr id="6" name="Footer Placeholder 5"/>
           <p:cNvSpPr>
             <a:spLocks noGrp="1"/>
           </p:cNvSpPr>
@@ -1608,13 +1436,7 @@
       </p:sp>
       <p:sp>
         <p:nvSpPr>
-          <p:cNvPr id="7" name="スライド番号プレースホルダー 6">
-            <a:extLst>
-              <a:ext uri="{FF2B5EF4-FFF2-40B4-BE49-F238E27FC236}">
-                <a16:creationId xmlns:a16="http://schemas.microsoft.com/office/drawing/2014/main" id="{330EFC22-26C8-43E2-9D75-36E84925B9F2}"/>
-              </a:ext>
-            </a:extLst>
-          </p:cNvPr>
+          <p:cNvPr id="7" name="Slide Number Placeholder 6"/>
           <p:cNvSpPr>
             <a:spLocks noGrp="1"/>
           </p:cNvSpPr>
@@ -1638,7 +1460,7 @@
     </p:spTree>
     <p:extLst>
       <p:ext uri="{BB962C8B-B14F-4D97-AF65-F5344CB8AC3E}">
-        <p14:creationId xmlns:p14="http://schemas.microsoft.com/office/powerpoint/2010/main" val="3052735013"/>
+        <p14:creationId xmlns:p14="http://schemas.microsoft.com/office/powerpoint/2010/main" val="1725765194"/>
       </p:ext>
     </p:extLst>
   </p:cSld>
@@ -1667,13 +1489,7 @@
       </p:grpSpPr>
       <p:sp>
         <p:nvSpPr>
-          <p:cNvPr id="2" name="タイトル 1">
-            <a:extLst>
-              <a:ext uri="{FF2B5EF4-FFF2-40B4-BE49-F238E27FC236}">
-                <a16:creationId xmlns:a16="http://schemas.microsoft.com/office/drawing/2014/main" id="{1F5067ED-0838-4E65-BD26-8B88ADE57E81}"/>
-              </a:ext>
-            </a:extLst>
-          </p:cNvPr>
+          <p:cNvPr id="2" name="Title 1"/>
           <p:cNvSpPr>
             <a:spLocks noGrp="1"/>
           </p:cNvSpPr>
@@ -1683,8 +1499,8 @@
         </p:nvSpPr>
         <p:spPr>
           <a:xfrm>
-            <a:off x="629841" y="365126"/>
-            <a:ext cx="7886700" cy="1325563"/>
+            <a:off x="839788" y="365125"/>
+            <a:ext cx="10515600" cy="1325563"/>
           </a:xfrm>
         </p:spPr>
         <p:txBody>
@@ -1692,21 +1508,16 @@
           <a:lstStyle/>
           <a:p>
             <a:r>
-              <a:rPr kumimoji="1" lang="ja-JP" altLang="en-US"/>
+              <a:rPr lang="ja-JP" altLang="en-US"/>
               <a:t>マスター タイトルの書式設定</a:t>
             </a:r>
-          </a:p>
-        </p:txBody>
-      </p:sp>
-      <p:sp>
-        <p:nvSpPr>
-          <p:cNvPr id="3" name="テキスト プレースホルダー 2">
-            <a:extLst>
-              <a:ext uri="{FF2B5EF4-FFF2-40B4-BE49-F238E27FC236}">
-                <a16:creationId xmlns:a16="http://schemas.microsoft.com/office/drawing/2014/main" id="{9CE39B44-D81E-4092-8FCA-BD64DB707D9B}"/>
-              </a:ext>
-            </a:extLst>
-          </p:cNvPr>
+            <a:endParaRPr lang="en-US" dirty="0"/>
+          </a:p>
+        </p:txBody>
+      </p:sp>
+      <p:sp>
+        <p:nvSpPr>
+          <p:cNvPr id="3" name="Text Placeholder 2"/>
           <p:cNvSpPr>
             <a:spLocks noGrp="1"/>
           </p:cNvSpPr>
@@ -1716,8 +1527,8 @@
         </p:nvSpPr>
         <p:spPr>
           <a:xfrm>
-            <a:off x="629842" y="1681163"/>
-            <a:ext cx="3868340" cy="823912"/>
+            <a:off x="839788" y="1681163"/>
+            <a:ext cx="5157787" cy="823912"/>
           </a:xfrm>
         </p:spPr>
         <p:txBody>
@@ -1763,7 +1574,7 @@
           <a:p>
             <a:pPr lvl="0"/>
             <a:r>
-              <a:rPr kumimoji="1" lang="ja-JP" altLang="en-US"/>
+              <a:rPr lang="ja-JP" altLang="en-US"/>
               <a:t>マスター テキストの書式設定</a:t>
             </a:r>
           </a:p>
@@ -1771,13 +1582,7 @@
       </p:sp>
       <p:sp>
         <p:nvSpPr>
-          <p:cNvPr id="4" name="コンテンツ プレースホルダー 3">
-            <a:extLst>
-              <a:ext uri="{FF2B5EF4-FFF2-40B4-BE49-F238E27FC236}">
-                <a16:creationId xmlns:a16="http://schemas.microsoft.com/office/drawing/2014/main" id="{F964C5E1-E238-4DB8-831C-92C909C7BBD6}"/>
-              </a:ext>
-            </a:extLst>
-          </p:cNvPr>
+          <p:cNvPr id="4" name="Content Placeholder 3"/>
           <p:cNvSpPr>
             <a:spLocks noGrp="1"/>
           </p:cNvSpPr>
@@ -1787,8 +1592,8 @@
         </p:nvSpPr>
         <p:spPr>
           <a:xfrm>
-            <a:off x="629842" y="2505075"/>
-            <a:ext cx="3868340" cy="3684588"/>
+            <a:off x="839788" y="2505075"/>
+            <a:ext cx="5157787" cy="3684588"/>
           </a:xfrm>
         </p:spPr>
         <p:txBody>
@@ -1797,81 +1602,76 @@
           <a:p>
             <a:pPr lvl="0"/>
             <a:r>
-              <a:rPr kumimoji="1" lang="ja-JP" altLang="en-US"/>
+              <a:rPr lang="ja-JP" altLang="en-US"/>
               <a:t>マスター テキストの書式設定</a:t>
             </a:r>
           </a:p>
           <a:p>
             <a:pPr lvl="1"/>
             <a:r>
-              <a:rPr kumimoji="1" lang="ja-JP" altLang="en-US"/>
+              <a:rPr lang="ja-JP" altLang="en-US"/>
               <a:t>第 </a:t>
             </a:r>
             <a:r>
-              <a:rPr kumimoji="1" lang="en-US" altLang="ja-JP"/>
+              <a:rPr lang="en-US" altLang="ja-JP"/>
               <a:t>2 </a:t>
             </a:r>
             <a:r>
-              <a:rPr kumimoji="1" lang="ja-JP" altLang="en-US"/>
+              <a:rPr lang="ja-JP" altLang="en-US"/>
               <a:t>レベル</a:t>
             </a:r>
           </a:p>
           <a:p>
             <a:pPr lvl="2"/>
             <a:r>
-              <a:rPr kumimoji="1" lang="ja-JP" altLang="en-US"/>
+              <a:rPr lang="ja-JP" altLang="en-US"/>
               <a:t>第 </a:t>
             </a:r>
             <a:r>
-              <a:rPr kumimoji="1" lang="en-US" altLang="ja-JP"/>
+              <a:rPr lang="en-US" altLang="ja-JP"/>
               <a:t>3 </a:t>
             </a:r>
             <a:r>
-              <a:rPr kumimoji="1" lang="ja-JP" altLang="en-US"/>
+              <a:rPr lang="ja-JP" altLang="en-US"/>
               <a:t>レベル</a:t>
             </a:r>
           </a:p>
           <a:p>
             <a:pPr lvl="3"/>
             <a:r>
-              <a:rPr kumimoji="1" lang="ja-JP" altLang="en-US"/>
+              <a:rPr lang="ja-JP" altLang="en-US"/>
               <a:t>第 </a:t>
             </a:r>
             <a:r>
-              <a:rPr kumimoji="1" lang="en-US" altLang="ja-JP"/>
+              <a:rPr lang="en-US" altLang="ja-JP"/>
               <a:t>4 </a:t>
             </a:r>
             <a:r>
-              <a:rPr kumimoji="1" lang="ja-JP" altLang="en-US"/>
+              <a:rPr lang="ja-JP" altLang="en-US"/>
               <a:t>レベル</a:t>
             </a:r>
           </a:p>
           <a:p>
             <a:pPr lvl="4"/>
             <a:r>
-              <a:rPr kumimoji="1" lang="ja-JP" altLang="en-US"/>
+              <a:rPr lang="ja-JP" altLang="en-US"/>
               <a:t>第 </a:t>
             </a:r>
             <a:r>
-              <a:rPr kumimoji="1" lang="en-US" altLang="ja-JP"/>
+              <a:rPr lang="en-US" altLang="ja-JP"/>
               <a:t>5 </a:t>
             </a:r>
             <a:r>
-              <a:rPr kumimoji="1" lang="ja-JP" altLang="en-US"/>
+              <a:rPr lang="ja-JP" altLang="en-US"/>
               <a:t>レベル</a:t>
             </a:r>
-          </a:p>
-        </p:txBody>
-      </p:sp>
-      <p:sp>
-        <p:nvSpPr>
-          <p:cNvPr id="5" name="テキスト プレースホルダー 4">
-            <a:extLst>
-              <a:ext uri="{FF2B5EF4-FFF2-40B4-BE49-F238E27FC236}">
-                <a16:creationId xmlns:a16="http://schemas.microsoft.com/office/drawing/2014/main" id="{50A464FE-14E8-4CD3-A5FB-3E837627C2B7}"/>
-              </a:ext>
-            </a:extLst>
-          </p:cNvPr>
+            <a:endParaRPr lang="en-US" dirty="0"/>
+          </a:p>
+        </p:txBody>
+      </p:sp>
+      <p:sp>
+        <p:nvSpPr>
+          <p:cNvPr id="5" name="Text Placeholder 4"/>
           <p:cNvSpPr>
             <a:spLocks noGrp="1"/>
           </p:cNvSpPr>
@@ -1881,8 +1681,8 @@
         </p:nvSpPr>
         <p:spPr>
           <a:xfrm>
-            <a:off x="4629150" y="1681163"/>
-            <a:ext cx="3887391" cy="823912"/>
+            <a:off x="6172200" y="1681163"/>
+            <a:ext cx="5183188" cy="823912"/>
           </a:xfrm>
         </p:spPr>
         <p:txBody>
@@ -1928,7 +1728,7 @@
           <a:p>
             <a:pPr lvl="0"/>
             <a:r>
-              <a:rPr kumimoji="1" lang="ja-JP" altLang="en-US"/>
+              <a:rPr lang="ja-JP" altLang="en-US"/>
               <a:t>マスター テキストの書式設定</a:t>
             </a:r>
           </a:p>
@@ -1936,13 +1736,7 @@
       </p:sp>
       <p:sp>
         <p:nvSpPr>
-          <p:cNvPr id="6" name="コンテンツ プレースホルダー 5">
-            <a:extLst>
-              <a:ext uri="{FF2B5EF4-FFF2-40B4-BE49-F238E27FC236}">
-                <a16:creationId xmlns:a16="http://schemas.microsoft.com/office/drawing/2014/main" id="{FD529878-3AA1-495B-AF8C-2446DFB6BD0A}"/>
-              </a:ext>
-            </a:extLst>
-          </p:cNvPr>
+          <p:cNvPr id="6" name="Content Placeholder 5"/>
           <p:cNvSpPr>
             <a:spLocks noGrp="1"/>
           </p:cNvSpPr>
@@ -1952,8 +1746,8 @@
         </p:nvSpPr>
         <p:spPr>
           <a:xfrm>
-            <a:off x="4629150" y="2505075"/>
-            <a:ext cx="3887391" cy="3684588"/>
+            <a:off x="6172200" y="2505075"/>
+            <a:ext cx="5183188" cy="3684588"/>
           </a:xfrm>
         </p:spPr>
         <p:txBody>
@@ -1962,81 +1756,76 @@
           <a:p>
             <a:pPr lvl="0"/>
             <a:r>
-              <a:rPr kumimoji="1" lang="ja-JP" altLang="en-US"/>
+              <a:rPr lang="ja-JP" altLang="en-US"/>
               <a:t>マスター テキストの書式設定</a:t>
             </a:r>
           </a:p>
           <a:p>
             <a:pPr lvl="1"/>
             <a:r>
-              <a:rPr kumimoji="1" lang="ja-JP" altLang="en-US"/>
+              <a:rPr lang="ja-JP" altLang="en-US"/>
               <a:t>第 </a:t>
             </a:r>
             <a:r>
-              <a:rPr kumimoji="1" lang="en-US" altLang="ja-JP"/>
+              <a:rPr lang="en-US" altLang="ja-JP"/>
               <a:t>2 </a:t>
             </a:r>
             <a:r>
-              <a:rPr kumimoji="1" lang="ja-JP" altLang="en-US"/>
+              <a:rPr lang="ja-JP" altLang="en-US"/>
               <a:t>レベル</a:t>
             </a:r>
           </a:p>
           <a:p>
             <a:pPr lvl="2"/>
             <a:r>
-              <a:rPr kumimoji="1" lang="ja-JP" altLang="en-US"/>
+              <a:rPr lang="ja-JP" altLang="en-US"/>
               <a:t>第 </a:t>
             </a:r>
             <a:r>
-              <a:rPr kumimoji="1" lang="en-US" altLang="ja-JP"/>
+              <a:rPr lang="en-US" altLang="ja-JP"/>
               <a:t>3 </a:t>
             </a:r>
             <a:r>
-              <a:rPr kumimoji="1" lang="ja-JP" altLang="en-US"/>
+              <a:rPr lang="ja-JP" altLang="en-US"/>
               <a:t>レベル</a:t>
             </a:r>
           </a:p>
           <a:p>
             <a:pPr lvl="3"/>
             <a:r>
-              <a:rPr kumimoji="1" lang="ja-JP" altLang="en-US"/>
+              <a:rPr lang="ja-JP" altLang="en-US"/>
               <a:t>第 </a:t>
             </a:r>
             <a:r>
-              <a:rPr kumimoji="1" lang="en-US" altLang="ja-JP"/>
+              <a:rPr lang="en-US" altLang="ja-JP"/>
               <a:t>4 </a:t>
             </a:r>
             <a:r>
-              <a:rPr kumimoji="1" lang="ja-JP" altLang="en-US"/>
+              <a:rPr lang="ja-JP" altLang="en-US"/>
               <a:t>レベル</a:t>
             </a:r>
           </a:p>
           <a:p>
             <a:pPr lvl="4"/>
             <a:r>
-              <a:rPr kumimoji="1" lang="ja-JP" altLang="en-US"/>
+              <a:rPr lang="ja-JP" altLang="en-US"/>
               <a:t>第 </a:t>
             </a:r>
             <a:r>
-              <a:rPr kumimoji="1" lang="en-US" altLang="ja-JP"/>
+              <a:rPr lang="en-US" altLang="ja-JP"/>
               <a:t>5 </a:t>
             </a:r>
             <a:r>
-              <a:rPr kumimoji="1" lang="ja-JP" altLang="en-US"/>
+              <a:rPr lang="ja-JP" altLang="en-US"/>
               <a:t>レベル</a:t>
             </a:r>
-          </a:p>
-        </p:txBody>
-      </p:sp>
-      <p:sp>
-        <p:nvSpPr>
-          <p:cNvPr id="7" name="日付プレースホルダー 6">
-            <a:extLst>
-              <a:ext uri="{FF2B5EF4-FFF2-40B4-BE49-F238E27FC236}">
-                <a16:creationId xmlns:a16="http://schemas.microsoft.com/office/drawing/2014/main" id="{FA5144D1-CDBF-4195-AECA-AD06E108486E}"/>
-              </a:ext>
-            </a:extLst>
-          </p:cNvPr>
+            <a:endParaRPr lang="en-US" dirty="0"/>
+          </a:p>
+        </p:txBody>
+      </p:sp>
+      <p:sp>
+        <p:nvSpPr>
+          <p:cNvPr id="7" name="Date Placeholder 6"/>
           <p:cNvSpPr>
             <a:spLocks noGrp="1"/>
           </p:cNvSpPr>
@@ -2051,7 +1840,7 @@
           <a:p>
             <a:fld id="{BCC3470B-979D-4AC3-9CEF-E2615858CE2E}" type="datetimeFigureOut">
               <a:rPr kumimoji="1" lang="ja-JP" altLang="en-US" smtClean="0"/>
-              <a:t>2017/9/11</a:t>
+              <a:t>2023/8/25</a:t>
             </a:fld>
             <a:endParaRPr kumimoji="1" lang="ja-JP" altLang="en-US"/>
           </a:p>
@@ -2059,13 +1848,7 @@
       </p:sp>
       <p:sp>
         <p:nvSpPr>
-          <p:cNvPr id="8" name="フッター プレースホルダー 7">
-            <a:extLst>
-              <a:ext uri="{FF2B5EF4-FFF2-40B4-BE49-F238E27FC236}">
-                <a16:creationId xmlns:a16="http://schemas.microsoft.com/office/drawing/2014/main" id="{A4CC6E82-D470-49A1-B2E2-2F0CE2B1A445}"/>
-              </a:ext>
-            </a:extLst>
-          </p:cNvPr>
+          <p:cNvPr id="8" name="Footer Placeholder 7"/>
           <p:cNvSpPr>
             <a:spLocks noGrp="1"/>
           </p:cNvSpPr>
@@ -2084,13 +1867,7 @@
       </p:sp>
       <p:sp>
         <p:nvSpPr>
-          <p:cNvPr id="9" name="スライド番号プレースホルダー 8">
-            <a:extLst>
-              <a:ext uri="{FF2B5EF4-FFF2-40B4-BE49-F238E27FC236}">
-                <a16:creationId xmlns:a16="http://schemas.microsoft.com/office/drawing/2014/main" id="{62C52876-658A-42FB-9DD7-77BCB77F43CC}"/>
-              </a:ext>
-            </a:extLst>
-          </p:cNvPr>
+          <p:cNvPr id="9" name="Slide Number Placeholder 8"/>
           <p:cNvSpPr>
             <a:spLocks noGrp="1"/>
           </p:cNvSpPr>
@@ -2114,7 +1891,7 @@
     </p:spTree>
     <p:extLst>
       <p:ext uri="{BB962C8B-B14F-4D97-AF65-F5344CB8AC3E}">
-        <p14:creationId xmlns:p14="http://schemas.microsoft.com/office/powerpoint/2010/main" val="2498931311"/>
+        <p14:creationId xmlns:p14="http://schemas.microsoft.com/office/powerpoint/2010/main" val="1758286449"/>
       </p:ext>
     </p:extLst>
   </p:cSld>
@@ -2143,13 +1920,7 @@
       </p:grpSpPr>
       <p:sp>
         <p:nvSpPr>
-          <p:cNvPr id="2" name="タイトル 1">
-            <a:extLst>
-              <a:ext uri="{FF2B5EF4-FFF2-40B4-BE49-F238E27FC236}">
-                <a16:creationId xmlns:a16="http://schemas.microsoft.com/office/drawing/2014/main" id="{79FF38F5-536E-47BE-9249-EE31E17A586F}"/>
-              </a:ext>
-            </a:extLst>
-          </p:cNvPr>
+          <p:cNvPr id="2" name="Title 1"/>
           <p:cNvSpPr>
             <a:spLocks noGrp="1"/>
           </p:cNvSpPr>
@@ -2163,21 +1934,16 @@
           <a:lstStyle/>
           <a:p>
             <a:r>
-              <a:rPr kumimoji="1" lang="ja-JP" altLang="en-US"/>
+              <a:rPr lang="ja-JP" altLang="en-US"/>
               <a:t>マスター タイトルの書式設定</a:t>
             </a:r>
-          </a:p>
-        </p:txBody>
-      </p:sp>
-      <p:sp>
-        <p:nvSpPr>
-          <p:cNvPr id="3" name="日付プレースホルダー 2">
-            <a:extLst>
-              <a:ext uri="{FF2B5EF4-FFF2-40B4-BE49-F238E27FC236}">
-                <a16:creationId xmlns:a16="http://schemas.microsoft.com/office/drawing/2014/main" id="{07CB3045-FB54-46B7-B046-4F9A3B847F2B}"/>
-              </a:ext>
-            </a:extLst>
-          </p:cNvPr>
+            <a:endParaRPr lang="en-US" dirty="0"/>
+          </a:p>
+        </p:txBody>
+      </p:sp>
+      <p:sp>
+        <p:nvSpPr>
+          <p:cNvPr id="3" name="Date Placeholder 2"/>
           <p:cNvSpPr>
             <a:spLocks noGrp="1"/>
           </p:cNvSpPr>
@@ -2192,7 +1958,7 @@
           <a:p>
             <a:fld id="{BCC3470B-979D-4AC3-9CEF-E2615858CE2E}" type="datetimeFigureOut">
               <a:rPr kumimoji="1" lang="ja-JP" altLang="en-US" smtClean="0"/>
-              <a:t>2017/9/11</a:t>
+              <a:t>2023/8/25</a:t>
             </a:fld>
             <a:endParaRPr kumimoji="1" lang="ja-JP" altLang="en-US"/>
           </a:p>
@@ -2200,13 +1966,7 @@
       </p:sp>
       <p:sp>
         <p:nvSpPr>
-          <p:cNvPr id="4" name="フッター プレースホルダー 3">
-            <a:extLst>
-              <a:ext uri="{FF2B5EF4-FFF2-40B4-BE49-F238E27FC236}">
-                <a16:creationId xmlns:a16="http://schemas.microsoft.com/office/drawing/2014/main" id="{5ECED15D-9C74-469C-8E3C-B91843A74D4B}"/>
-              </a:ext>
-            </a:extLst>
-          </p:cNvPr>
+          <p:cNvPr id="4" name="Footer Placeholder 3"/>
           <p:cNvSpPr>
             <a:spLocks noGrp="1"/>
           </p:cNvSpPr>
@@ -2225,13 +1985,7 @@
       </p:sp>
       <p:sp>
         <p:nvSpPr>
-          <p:cNvPr id="5" name="スライド番号プレースホルダー 4">
-            <a:extLst>
-              <a:ext uri="{FF2B5EF4-FFF2-40B4-BE49-F238E27FC236}">
-                <a16:creationId xmlns:a16="http://schemas.microsoft.com/office/drawing/2014/main" id="{AAF8A85A-1042-46F4-93FA-E8F4AB4AB7F6}"/>
-              </a:ext>
-            </a:extLst>
-          </p:cNvPr>
+          <p:cNvPr id="5" name="Slide Number Placeholder 4"/>
           <p:cNvSpPr>
             <a:spLocks noGrp="1"/>
           </p:cNvSpPr>
@@ -2255,7 +2009,7 @@
     </p:spTree>
     <p:extLst>
       <p:ext uri="{BB962C8B-B14F-4D97-AF65-F5344CB8AC3E}">
-        <p14:creationId xmlns:p14="http://schemas.microsoft.com/office/powerpoint/2010/main" val="732835344"/>
+        <p14:creationId xmlns:p14="http://schemas.microsoft.com/office/powerpoint/2010/main" val="3191479758"/>
       </p:ext>
     </p:extLst>
   </p:cSld>
@@ -2284,13 +2038,7 @@
       </p:grpSpPr>
       <p:sp>
         <p:nvSpPr>
-          <p:cNvPr id="2" name="日付プレースホルダー 1">
-            <a:extLst>
-              <a:ext uri="{FF2B5EF4-FFF2-40B4-BE49-F238E27FC236}">
-                <a16:creationId xmlns:a16="http://schemas.microsoft.com/office/drawing/2014/main" id="{FCB3A632-2E6D-47AA-9D41-B542EB614177}"/>
-              </a:ext>
-            </a:extLst>
-          </p:cNvPr>
+          <p:cNvPr id="2" name="Date Placeholder 1"/>
           <p:cNvSpPr>
             <a:spLocks noGrp="1"/>
           </p:cNvSpPr>
@@ -2305,7 +2053,7 @@
           <a:p>
             <a:fld id="{BCC3470B-979D-4AC3-9CEF-E2615858CE2E}" type="datetimeFigureOut">
               <a:rPr kumimoji="1" lang="ja-JP" altLang="en-US" smtClean="0"/>
-              <a:t>2017/9/11</a:t>
+              <a:t>2023/8/25</a:t>
             </a:fld>
             <a:endParaRPr kumimoji="1" lang="ja-JP" altLang="en-US"/>
           </a:p>
@@ -2313,13 +2061,7 @@
       </p:sp>
       <p:sp>
         <p:nvSpPr>
-          <p:cNvPr id="3" name="フッター プレースホルダー 2">
-            <a:extLst>
-              <a:ext uri="{FF2B5EF4-FFF2-40B4-BE49-F238E27FC236}">
-                <a16:creationId xmlns:a16="http://schemas.microsoft.com/office/drawing/2014/main" id="{51DE58E0-D604-44D9-AB0A-579CF23A7F38}"/>
-              </a:ext>
-            </a:extLst>
-          </p:cNvPr>
+          <p:cNvPr id="3" name="Footer Placeholder 2"/>
           <p:cNvSpPr>
             <a:spLocks noGrp="1"/>
           </p:cNvSpPr>
@@ -2338,13 +2080,7 @@
       </p:sp>
       <p:sp>
         <p:nvSpPr>
-          <p:cNvPr id="4" name="スライド番号プレースホルダー 3">
-            <a:extLst>
-              <a:ext uri="{FF2B5EF4-FFF2-40B4-BE49-F238E27FC236}">
-                <a16:creationId xmlns:a16="http://schemas.microsoft.com/office/drawing/2014/main" id="{8E3B1122-36C1-4EF6-B192-4791749ADDC8}"/>
-              </a:ext>
-            </a:extLst>
-          </p:cNvPr>
+          <p:cNvPr id="4" name="Slide Number Placeholder 3"/>
           <p:cNvSpPr>
             <a:spLocks noGrp="1"/>
           </p:cNvSpPr>
@@ -2368,7 +2104,7 @@
     </p:spTree>
     <p:extLst>
       <p:ext uri="{BB962C8B-B14F-4D97-AF65-F5344CB8AC3E}">
-        <p14:creationId xmlns:p14="http://schemas.microsoft.com/office/powerpoint/2010/main" val="2554930808"/>
+        <p14:creationId xmlns:p14="http://schemas.microsoft.com/office/powerpoint/2010/main" val="4073727092"/>
       </p:ext>
     </p:extLst>
   </p:cSld>
@@ -2397,13 +2133,7 @@
       </p:grpSpPr>
       <p:sp>
         <p:nvSpPr>
-          <p:cNvPr id="2" name="タイトル 1">
-            <a:extLst>
-              <a:ext uri="{FF2B5EF4-FFF2-40B4-BE49-F238E27FC236}">
-                <a16:creationId xmlns:a16="http://schemas.microsoft.com/office/drawing/2014/main" id="{32EB93E2-742C-40DA-A8F0-09D81B36FCED}"/>
-              </a:ext>
-            </a:extLst>
-          </p:cNvPr>
+          <p:cNvPr id="2" name="Title 1"/>
           <p:cNvSpPr>
             <a:spLocks noGrp="1"/>
           </p:cNvSpPr>
@@ -2413,8 +2143,8 @@
         </p:nvSpPr>
         <p:spPr>
           <a:xfrm>
-            <a:off x="629841" y="457200"/>
-            <a:ext cx="2949178" cy="1600200"/>
+            <a:off x="839788" y="457200"/>
+            <a:ext cx="3932237" cy="1600200"/>
           </a:xfrm>
         </p:spPr>
         <p:txBody>
@@ -2426,21 +2156,16 @@
           </a:lstStyle>
           <a:p>
             <a:r>
-              <a:rPr kumimoji="1" lang="ja-JP" altLang="en-US"/>
+              <a:rPr lang="ja-JP" altLang="en-US"/>
               <a:t>マスター タイトルの書式設定</a:t>
             </a:r>
-          </a:p>
-        </p:txBody>
-      </p:sp>
-      <p:sp>
-        <p:nvSpPr>
-          <p:cNvPr id="3" name="コンテンツ プレースホルダー 2">
-            <a:extLst>
-              <a:ext uri="{FF2B5EF4-FFF2-40B4-BE49-F238E27FC236}">
-                <a16:creationId xmlns:a16="http://schemas.microsoft.com/office/drawing/2014/main" id="{AC474D4D-1C0D-458D-9FF6-A1A57723BB58}"/>
-              </a:ext>
-            </a:extLst>
-          </p:cNvPr>
+            <a:endParaRPr lang="en-US" dirty="0"/>
+          </a:p>
+        </p:txBody>
+      </p:sp>
+      <p:sp>
+        <p:nvSpPr>
+          <p:cNvPr id="3" name="Content Placeholder 2"/>
           <p:cNvSpPr>
             <a:spLocks noGrp="1"/>
           </p:cNvSpPr>
@@ -2450,8 +2175,8 @@
         </p:nvSpPr>
         <p:spPr>
           <a:xfrm>
-            <a:off x="3887391" y="987426"/>
-            <a:ext cx="4629150" cy="4873625"/>
+            <a:off x="5183188" y="987425"/>
+            <a:ext cx="6172200" cy="4873625"/>
           </a:xfrm>
         </p:spPr>
         <p:txBody>
@@ -2488,81 +2213,76 @@
           <a:p>
             <a:pPr lvl="0"/>
             <a:r>
-              <a:rPr kumimoji="1" lang="ja-JP" altLang="en-US"/>
+              <a:rPr lang="ja-JP" altLang="en-US"/>
               <a:t>マスター テキストの書式設定</a:t>
             </a:r>
           </a:p>
           <a:p>
             <a:pPr lvl="1"/>
             <a:r>
-              <a:rPr kumimoji="1" lang="ja-JP" altLang="en-US"/>
+              <a:rPr lang="ja-JP" altLang="en-US"/>
               <a:t>第 </a:t>
             </a:r>
             <a:r>
-              <a:rPr kumimoji="1" lang="en-US" altLang="ja-JP"/>
+              <a:rPr lang="en-US" altLang="ja-JP"/>
               <a:t>2 </a:t>
             </a:r>
             <a:r>
-              <a:rPr kumimoji="1" lang="ja-JP" altLang="en-US"/>
+              <a:rPr lang="ja-JP" altLang="en-US"/>
               <a:t>レベル</a:t>
             </a:r>
           </a:p>
           <a:p>
             <a:pPr lvl="2"/>
             <a:r>
-              <a:rPr kumimoji="1" lang="ja-JP" altLang="en-US"/>
+              <a:rPr lang="ja-JP" altLang="en-US"/>
               <a:t>第 </a:t>
             </a:r>
             <a:r>
-              <a:rPr kumimoji="1" lang="en-US" altLang="ja-JP"/>
+              <a:rPr lang="en-US" altLang="ja-JP"/>
               <a:t>3 </a:t>
             </a:r>
             <a:r>
-              <a:rPr kumimoji="1" lang="ja-JP" altLang="en-US"/>
+              <a:rPr lang="ja-JP" altLang="en-US"/>
               <a:t>レベル</a:t>
             </a:r>
           </a:p>
           <a:p>
             <a:pPr lvl="3"/>
             <a:r>
-              <a:rPr kumimoji="1" lang="ja-JP" altLang="en-US"/>
+              <a:rPr lang="ja-JP" altLang="en-US"/>
               <a:t>第 </a:t>
             </a:r>
             <a:r>
-              <a:rPr kumimoji="1" lang="en-US" altLang="ja-JP"/>
+              <a:rPr lang="en-US" altLang="ja-JP"/>
               <a:t>4 </a:t>
             </a:r>
             <a:r>
-              <a:rPr kumimoji="1" lang="ja-JP" altLang="en-US"/>
+              <a:rPr lang="ja-JP" altLang="en-US"/>
               <a:t>レベル</a:t>
             </a:r>
           </a:p>
           <a:p>
             <a:pPr lvl="4"/>
             <a:r>
-              <a:rPr kumimoji="1" lang="ja-JP" altLang="en-US"/>
+              <a:rPr lang="ja-JP" altLang="en-US"/>
               <a:t>第 </a:t>
             </a:r>
             <a:r>
-              <a:rPr kumimoji="1" lang="en-US" altLang="ja-JP"/>
+              <a:rPr lang="en-US" altLang="ja-JP"/>
               <a:t>5 </a:t>
             </a:r>
             <a:r>
-              <a:rPr kumimoji="1" lang="ja-JP" altLang="en-US"/>
+              <a:rPr lang="ja-JP" altLang="en-US"/>
               <a:t>レベル</a:t>
             </a:r>
-          </a:p>
-        </p:txBody>
-      </p:sp>
-      <p:sp>
-        <p:nvSpPr>
-          <p:cNvPr id="4" name="テキスト プレースホルダー 3">
-            <a:extLst>
-              <a:ext uri="{FF2B5EF4-FFF2-40B4-BE49-F238E27FC236}">
-                <a16:creationId xmlns:a16="http://schemas.microsoft.com/office/drawing/2014/main" id="{D59A0723-E6D5-4A19-818C-2CC237DCE793}"/>
-              </a:ext>
-            </a:extLst>
-          </p:cNvPr>
+            <a:endParaRPr lang="en-US" dirty="0"/>
+          </a:p>
+        </p:txBody>
+      </p:sp>
+      <p:sp>
+        <p:nvSpPr>
+          <p:cNvPr id="4" name="Text Placeholder 3"/>
           <p:cNvSpPr>
             <a:spLocks noGrp="1"/>
           </p:cNvSpPr>
@@ -2572,8 +2292,8 @@
         </p:nvSpPr>
         <p:spPr>
           <a:xfrm>
-            <a:off x="629841" y="2057400"/>
-            <a:ext cx="2949178" cy="3811588"/>
+            <a:off x="839788" y="2057400"/>
+            <a:ext cx="3932237" cy="3811588"/>
           </a:xfrm>
         </p:spPr>
         <p:txBody>
@@ -2619,7 +2339,7 @@
           <a:p>
             <a:pPr lvl="0"/>
             <a:r>
-              <a:rPr kumimoji="1" lang="ja-JP" altLang="en-US"/>
+              <a:rPr lang="ja-JP" altLang="en-US"/>
               <a:t>マスター テキストの書式設定</a:t>
             </a:r>
           </a:p>
@@ -2627,13 +2347,7 @@
       </p:sp>
       <p:sp>
         <p:nvSpPr>
-          <p:cNvPr id="5" name="日付プレースホルダー 4">
-            <a:extLst>
-              <a:ext uri="{FF2B5EF4-FFF2-40B4-BE49-F238E27FC236}">
-                <a16:creationId xmlns:a16="http://schemas.microsoft.com/office/drawing/2014/main" id="{EC8AFEC2-77A9-4086-B939-E2C58F4BF6C5}"/>
-              </a:ext>
-            </a:extLst>
-          </p:cNvPr>
+          <p:cNvPr id="5" name="Date Placeholder 4"/>
           <p:cNvSpPr>
             <a:spLocks noGrp="1"/>
           </p:cNvSpPr>
@@ -2648,7 +2362,7 @@
           <a:p>
             <a:fld id="{BCC3470B-979D-4AC3-9CEF-E2615858CE2E}" type="datetimeFigureOut">
               <a:rPr kumimoji="1" lang="ja-JP" altLang="en-US" smtClean="0"/>
-              <a:t>2017/9/11</a:t>
+              <a:t>2023/8/25</a:t>
             </a:fld>
             <a:endParaRPr kumimoji="1" lang="ja-JP" altLang="en-US"/>
           </a:p>
@@ -2656,13 +2370,7 @@
       </p:sp>
       <p:sp>
         <p:nvSpPr>
-          <p:cNvPr id="6" name="フッター プレースホルダー 5">
-            <a:extLst>
-              <a:ext uri="{FF2B5EF4-FFF2-40B4-BE49-F238E27FC236}">
-                <a16:creationId xmlns:a16="http://schemas.microsoft.com/office/drawing/2014/main" id="{CCCE669C-F3A1-498F-87BB-AFC7E57A09BB}"/>
-              </a:ext>
-            </a:extLst>
-          </p:cNvPr>
+          <p:cNvPr id="6" name="Footer Placeholder 5"/>
           <p:cNvSpPr>
             <a:spLocks noGrp="1"/>
           </p:cNvSpPr>
@@ -2681,13 +2389,7 @@
       </p:sp>
       <p:sp>
         <p:nvSpPr>
-          <p:cNvPr id="7" name="スライド番号プレースホルダー 6">
-            <a:extLst>
-              <a:ext uri="{FF2B5EF4-FFF2-40B4-BE49-F238E27FC236}">
-                <a16:creationId xmlns:a16="http://schemas.microsoft.com/office/drawing/2014/main" id="{D25A9716-FF4B-4EE9-93B4-F37325C18E42}"/>
-              </a:ext>
-            </a:extLst>
-          </p:cNvPr>
+          <p:cNvPr id="7" name="Slide Number Placeholder 6"/>
           <p:cNvSpPr>
             <a:spLocks noGrp="1"/>
           </p:cNvSpPr>
@@ -2711,7 +2413,7 @@
     </p:spTree>
     <p:extLst>
       <p:ext uri="{BB962C8B-B14F-4D97-AF65-F5344CB8AC3E}">
-        <p14:creationId xmlns:p14="http://schemas.microsoft.com/office/powerpoint/2010/main" val="1651372392"/>
+        <p14:creationId xmlns:p14="http://schemas.microsoft.com/office/powerpoint/2010/main" val="555793726"/>
       </p:ext>
     </p:extLst>
   </p:cSld>
@@ -2740,13 +2442,7 @@
       </p:grpSpPr>
       <p:sp>
         <p:nvSpPr>
-          <p:cNvPr id="2" name="タイトル 1">
-            <a:extLst>
-              <a:ext uri="{FF2B5EF4-FFF2-40B4-BE49-F238E27FC236}">
-                <a16:creationId xmlns:a16="http://schemas.microsoft.com/office/drawing/2014/main" id="{F6BE48DE-0EBA-4D97-9DBF-1EC753EBE759}"/>
-              </a:ext>
-            </a:extLst>
-          </p:cNvPr>
+          <p:cNvPr id="2" name="Title 1"/>
           <p:cNvSpPr>
             <a:spLocks noGrp="1"/>
           </p:cNvSpPr>
@@ -2756,8 +2452,8 @@
         </p:nvSpPr>
         <p:spPr>
           <a:xfrm>
-            <a:off x="629841" y="457200"/>
-            <a:ext cx="2949178" cy="1600200"/>
+            <a:off x="839788" y="457200"/>
+            <a:ext cx="3932237" cy="1600200"/>
           </a:xfrm>
         </p:spPr>
         <p:txBody>
@@ -2769,23 +2465,18 @@
           </a:lstStyle>
           <a:p>
             <a:r>
-              <a:rPr kumimoji="1" lang="ja-JP" altLang="en-US"/>
+              <a:rPr lang="ja-JP" altLang="en-US"/>
               <a:t>マスター タイトルの書式設定</a:t>
             </a:r>
-          </a:p>
-        </p:txBody>
-      </p:sp>
-      <p:sp>
-        <p:nvSpPr>
-          <p:cNvPr id="3" name="図プレースホルダー 2">
-            <a:extLst>
-              <a:ext uri="{FF2B5EF4-FFF2-40B4-BE49-F238E27FC236}">
-                <a16:creationId xmlns:a16="http://schemas.microsoft.com/office/drawing/2014/main" id="{2B35F2B9-EF3E-4AC9-8F35-B559A54EBBA6}"/>
-              </a:ext>
-            </a:extLst>
-          </p:cNvPr>
-          <p:cNvSpPr>
-            <a:spLocks noGrp="1"/>
+            <a:endParaRPr lang="en-US" dirty="0"/>
+          </a:p>
+        </p:txBody>
+      </p:sp>
+      <p:sp>
+        <p:nvSpPr>
+          <p:cNvPr id="3" name="Picture Placeholder 2"/>
+          <p:cNvSpPr>
+            <a:spLocks noGrp="1" noChangeAspect="1"/>
           </p:cNvSpPr>
           <p:nvPr>
             <p:ph type="pic" idx="1"/>
@@ -2793,8 +2484,73 @@
         </p:nvSpPr>
         <p:spPr>
           <a:xfrm>
-            <a:off x="3887391" y="987426"/>
-            <a:ext cx="4629150" cy="4873625"/>
+            <a:off x="5183188" y="987425"/>
+            <a:ext cx="6172200" cy="4873625"/>
+          </a:xfrm>
+        </p:spPr>
+        <p:txBody>
+          <a:bodyPr anchor="t"/>
+          <a:lstStyle>
+            <a:lvl1pPr marL="0" indent="0">
+              <a:buNone/>
+              <a:defRPr sz="3200"/>
+            </a:lvl1pPr>
+            <a:lvl2pPr marL="457200" indent="0">
+              <a:buNone/>
+              <a:defRPr sz="2800"/>
+            </a:lvl2pPr>
+            <a:lvl3pPr marL="914400" indent="0">
+              <a:buNone/>
+              <a:defRPr sz="2400"/>
+            </a:lvl3pPr>
+            <a:lvl4pPr marL="1371600" indent="0">
+              <a:buNone/>
+              <a:defRPr sz="2000"/>
+            </a:lvl4pPr>
+            <a:lvl5pPr marL="1828800" indent="0">
+              <a:buNone/>
+              <a:defRPr sz="2000"/>
+            </a:lvl5pPr>
+            <a:lvl6pPr marL="2286000" indent="0">
+              <a:buNone/>
+              <a:defRPr sz="2000"/>
+            </a:lvl6pPr>
+            <a:lvl7pPr marL="2743200" indent="0">
+              <a:buNone/>
+              <a:defRPr sz="2000"/>
+            </a:lvl7pPr>
+            <a:lvl8pPr marL="3200400" indent="0">
+              <a:buNone/>
+              <a:defRPr sz="2000"/>
+            </a:lvl8pPr>
+            <a:lvl9pPr marL="3657600" indent="0">
+              <a:buNone/>
+              <a:defRPr sz="2000"/>
+            </a:lvl9pPr>
+          </a:lstStyle>
+          <a:p>
+            <a:r>
+              <a:rPr lang="ja-JP" altLang="en-US"/>
+              <a:t>アイコンをクリックして図を追加</a:t>
+            </a:r>
+            <a:endParaRPr lang="en-US" dirty="0"/>
+          </a:p>
+        </p:txBody>
+      </p:sp>
+      <p:sp>
+        <p:nvSpPr>
+          <p:cNvPr id="4" name="Text Placeholder 3"/>
+          <p:cNvSpPr>
+            <a:spLocks noGrp="1"/>
+          </p:cNvSpPr>
+          <p:nvPr>
+            <p:ph type="body" sz="half" idx="2"/>
+          </p:nvPr>
+        </p:nvSpPr>
+        <p:spPr>
+          <a:xfrm>
+            <a:off x="839788" y="2057400"/>
+            <a:ext cx="3932237" cy="3811588"/>
           </a:xfrm>
         </p:spPr>
         <p:txBody>
@@ -2802,73 +2558,6 @@
           <a:lstStyle>
             <a:lvl1pPr marL="0" indent="0">
               <a:buNone/>
-              <a:defRPr sz="3200"/>
-            </a:lvl1pPr>
-            <a:lvl2pPr marL="457200" indent="0">
-              <a:buNone/>
-              <a:defRPr sz="2800"/>
-            </a:lvl2pPr>
-            <a:lvl3pPr marL="914400" indent="0">
-              <a:buNone/>
-              <a:defRPr sz="2400"/>
-            </a:lvl3pPr>
-            <a:lvl4pPr marL="1371600" indent="0">
-              <a:buNone/>
-              <a:defRPr sz="2000"/>
-            </a:lvl4pPr>
-            <a:lvl5pPr marL="1828800" indent="0">
-              <a:buNone/>
-              <a:defRPr sz="2000"/>
-            </a:lvl5pPr>
-            <a:lvl6pPr marL="2286000" indent="0">
-              <a:buNone/>
-              <a:defRPr sz="2000"/>
-            </a:lvl6pPr>
-            <a:lvl7pPr marL="2743200" indent="0">
-              <a:buNone/>
-              <a:defRPr sz="2000"/>
-            </a:lvl7pPr>
-            <a:lvl8pPr marL="3200400" indent="0">
-              <a:buNone/>
-              <a:defRPr sz="2000"/>
-            </a:lvl8pPr>
-            <a:lvl9pPr marL="3657600" indent="0">
-              <a:buNone/>
-              <a:defRPr sz="2000"/>
-            </a:lvl9pPr>
-          </a:lstStyle>
-          <a:p>
-            <a:endParaRPr kumimoji="1" lang="ja-JP" altLang="en-US"/>
-          </a:p>
-        </p:txBody>
-      </p:sp>
-      <p:sp>
-        <p:nvSpPr>
-          <p:cNvPr id="4" name="テキスト プレースホルダー 3">
-            <a:extLst>
-              <a:ext uri="{FF2B5EF4-FFF2-40B4-BE49-F238E27FC236}">
-                <a16:creationId xmlns:a16="http://schemas.microsoft.com/office/drawing/2014/main" id="{C7480445-5168-40B5-ABFE-461FF3C35C05}"/>
-              </a:ext>
-            </a:extLst>
-          </p:cNvPr>
-          <p:cNvSpPr>
-            <a:spLocks noGrp="1"/>
-          </p:cNvSpPr>
-          <p:nvPr>
-            <p:ph type="body" sz="half" idx="2"/>
-          </p:nvPr>
-        </p:nvSpPr>
-        <p:spPr>
-          <a:xfrm>
-            <a:off x="629841" y="2057400"/>
-            <a:ext cx="2949178" cy="3811588"/>
-          </a:xfrm>
-        </p:spPr>
-        <p:txBody>
-          <a:bodyPr/>
-          <a:lstStyle>
-            <a:lvl1pPr marL="0" indent="0">
-              <a:buNone/>
               <a:defRPr sz="1600"/>
             </a:lvl1pPr>
             <a:lvl2pPr marL="457200" indent="0">
@@ -2907,7 +2596,7 @@
           <a:p>
             <a:pPr lvl="0"/>
             <a:r>
-              <a:rPr kumimoji="1" lang="ja-JP" altLang="en-US"/>
+              <a:rPr lang="ja-JP" altLang="en-US"/>
               <a:t>マスター テキストの書式設定</a:t>
             </a:r>
           </a:p>
@@ -2915,13 +2604,7 @@
       </p:sp>
       <p:sp>
         <p:nvSpPr>
-          <p:cNvPr id="5" name="日付プレースホルダー 4">
-            <a:extLst>
-              <a:ext uri="{FF2B5EF4-FFF2-40B4-BE49-F238E27FC236}">
-                <a16:creationId xmlns:a16="http://schemas.microsoft.com/office/drawing/2014/main" id="{521ECF7E-BD91-4A78-BA11-C7AA653C7969}"/>
-              </a:ext>
-            </a:extLst>
-          </p:cNvPr>
+          <p:cNvPr id="5" name="Date Placeholder 4"/>
           <p:cNvSpPr>
             <a:spLocks noGrp="1"/>
           </p:cNvSpPr>
@@ -2936,7 +2619,7 @@
           <a:p>
             <a:fld id="{BCC3470B-979D-4AC3-9CEF-E2615858CE2E}" type="datetimeFigureOut">
               <a:rPr kumimoji="1" lang="ja-JP" altLang="en-US" smtClean="0"/>
-              <a:t>2017/9/11</a:t>
+              <a:t>2023/8/25</a:t>
             </a:fld>
             <a:endParaRPr kumimoji="1" lang="ja-JP" altLang="en-US"/>
           </a:p>
@@ -2944,13 +2627,7 @@
       </p:sp>
       <p:sp>
         <p:nvSpPr>
-          <p:cNvPr id="6" name="フッター プレースホルダー 5">
-            <a:extLst>
-              <a:ext uri="{FF2B5EF4-FFF2-40B4-BE49-F238E27FC236}">
-                <a16:creationId xmlns:a16="http://schemas.microsoft.com/office/drawing/2014/main" id="{837EC663-4A4A-43E3-884F-DFCBF1673EEA}"/>
-              </a:ext>
-            </a:extLst>
-          </p:cNvPr>
+          <p:cNvPr id="6" name="Footer Placeholder 5"/>
           <p:cNvSpPr>
             <a:spLocks noGrp="1"/>
           </p:cNvSpPr>
@@ -2969,13 +2646,7 @@
       </p:sp>
       <p:sp>
         <p:nvSpPr>
-          <p:cNvPr id="7" name="スライド番号プレースホルダー 6">
-            <a:extLst>
-              <a:ext uri="{FF2B5EF4-FFF2-40B4-BE49-F238E27FC236}">
-                <a16:creationId xmlns:a16="http://schemas.microsoft.com/office/drawing/2014/main" id="{C39F6F37-892C-4014-A0C6-77EF3492C846}"/>
-              </a:ext>
-            </a:extLst>
-          </p:cNvPr>
+          <p:cNvPr id="7" name="Slide Number Placeholder 6"/>
           <p:cNvSpPr>
             <a:spLocks noGrp="1"/>
           </p:cNvSpPr>
@@ -2999,7 +2670,7 @@
     </p:spTree>
     <p:extLst>
       <p:ext uri="{BB962C8B-B14F-4D97-AF65-F5344CB8AC3E}">
-        <p14:creationId xmlns:p14="http://schemas.microsoft.com/office/powerpoint/2010/main" val="764307389"/>
+        <p14:creationId xmlns:p14="http://schemas.microsoft.com/office/powerpoint/2010/main" val="2730198541"/>
       </p:ext>
     </p:extLst>
   </p:cSld>
@@ -3033,13 +2704,7 @@
       </p:grpSpPr>
       <p:sp>
         <p:nvSpPr>
-          <p:cNvPr id="2" name="タイトル プレースホルダー 1">
-            <a:extLst>
-              <a:ext uri="{FF2B5EF4-FFF2-40B4-BE49-F238E27FC236}">
-                <a16:creationId xmlns:a16="http://schemas.microsoft.com/office/drawing/2014/main" id="{DB27D74D-F45C-4C91-B82A-E0A4952D99BC}"/>
-              </a:ext>
-            </a:extLst>
-          </p:cNvPr>
+          <p:cNvPr id="2" name="Title Placeholder 1"/>
           <p:cNvSpPr>
             <a:spLocks noGrp="1"/>
           </p:cNvSpPr>
@@ -3049,8 +2714,8 @@
         </p:nvSpPr>
         <p:spPr>
           <a:xfrm>
-            <a:off x="628650" y="365126"/>
-            <a:ext cx="7886700" cy="1325563"/>
+            <a:off x="838200" y="365125"/>
+            <a:ext cx="10515600" cy="1325563"/>
           </a:xfrm>
           <a:prstGeom prst="rect">
             <a:avLst/>
@@ -3063,21 +2728,16 @@
           <a:lstStyle/>
           <a:p>
             <a:r>
-              <a:rPr kumimoji="1" lang="ja-JP" altLang="en-US"/>
+              <a:rPr lang="ja-JP" altLang="en-US"/>
               <a:t>マスター タイトルの書式設定</a:t>
             </a:r>
-          </a:p>
-        </p:txBody>
-      </p:sp>
-      <p:sp>
-        <p:nvSpPr>
-          <p:cNvPr id="3" name="テキスト プレースホルダー 2">
-            <a:extLst>
-              <a:ext uri="{FF2B5EF4-FFF2-40B4-BE49-F238E27FC236}">
-                <a16:creationId xmlns:a16="http://schemas.microsoft.com/office/drawing/2014/main" id="{C0B8D245-CCE6-404F-82D7-72BA357D8D7E}"/>
-              </a:ext>
-            </a:extLst>
-          </p:cNvPr>
+            <a:endParaRPr lang="en-US" dirty="0"/>
+          </a:p>
+        </p:txBody>
+      </p:sp>
+      <p:sp>
+        <p:nvSpPr>
+          <p:cNvPr id="3" name="Text Placeholder 2"/>
           <p:cNvSpPr>
             <a:spLocks noGrp="1"/>
           </p:cNvSpPr>
@@ -3087,8 +2747,8 @@
         </p:nvSpPr>
         <p:spPr>
           <a:xfrm>
-            <a:off x="628650" y="1825625"/>
-            <a:ext cx="7886700" cy="4351338"/>
+            <a:off x="838200" y="1825625"/>
+            <a:ext cx="10515600" cy="4351338"/>
           </a:xfrm>
           <a:prstGeom prst="rect">
             <a:avLst/>
@@ -3102,81 +2762,76 @@
           <a:p>
             <a:pPr lvl="0"/>
             <a:r>
-              <a:rPr kumimoji="1" lang="ja-JP" altLang="en-US"/>
+              <a:rPr lang="ja-JP" altLang="en-US"/>
               <a:t>マスター テキストの書式設定</a:t>
             </a:r>
           </a:p>
           <a:p>
             <a:pPr lvl="1"/>
             <a:r>
-              <a:rPr kumimoji="1" lang="ja-JP" altLang="en-US"/>
+              <a:rPr lang="ja-JP" altLang="en-US"/>
               <a:t>第 </a:t>
             </a:r>
             <a:r>
-              <a:rPr kumimoji="1" lang="en-US" altLang="ja-JP"/>
+              <a:rPr lang="en-US" altLang="ja-JP"/>
               <a:t>2 </a:t>
             </a:r>
             <a:r>
-              <a:rPr kumimoji="1" lang="ja-JP" altLang="en-US"/>
+              <a:rPr lang="ja-JP" altLang="en-US"/>
               <a:t>レベル</a:t>
             </a:r>
           </a:p>
           <a:p>
             <a:pPr lvl="2"/>
             <a:r>
-              <a:rPr kumimoji="1" lang="ja-JP" altLang="en-US"/>
+              <a:rPr lang="ja-JP" altLang="en-US"/>
               <a:t>第 </a:t>
             </a:r>
             <a:r>
-              <a:rPr kumimoji="1" lang="en-US" altLang="ja-JP"/>
+              <a:rPr lang="en-US" altLang="ja-JP"/>
               <a:t>3 </a:t>
             </a:r>
             <a:r>
-              <a:rPr kumimoji="1" lang="ja-JP" altLang="en-US"/>
+              <a:rPr lang="ja-JP" altLang="en-US"/>
               <a:t>レベル</a:t>
             </a:r>
           </a:p>
           <a:p>
             <a:pPr lvl="3"/>
             <a:r>
-              <a:rPr kumimoji="1" lang="ja-JP" altLang="en-US"/>
+              <a:rPr lang="ja-JP" altLang="en-US"/>
               <a:t>第 </a:t>
             </a:r>
             <a:r>
-              <a:rPr kumimoji="1" lang="en-US" altLang="ja-JP"/>
+              <a:rPr lang="en-US" altLang="ja-JP"/>
               <a:t>4 </a:t>
             </a:r>
             <a:r>
-              <a:rPr kumimoji="1" lang="ja-JP" altLang="en-US"/>
+              <a:rPr lang="ja-JP" altLang="en-US"/>
               <a:t>レベル</a:t>
             </a:r>
           </a:p>
           <a:p>
             <a:pPr lvl="4"/>
             <a:r>
-              <a:rPr kumimoji="1" lang="ja-JP" altLang="en-US"/>
+              <a:rPr lang="ja-JP" altLang="en-US"/>
               <a:t>第 </a:t>
             </a:r>
             <a:r>
-              <a:rPr kumimoji="1" lang="en-US" altLang="ja-JP"/>
+              <a:rPr lang="en-US" altLang="ja-JP"/>
               <a:t>5 </a:t>
             </a:r>
             <a:r>
-              <a:rPr kumimoji="1" lang="ja-JP" altLang="en-US"/>
+              <a:rPr lang="ja-JP" altLang="en-US"/>
               <a:t>レベル</a:t>
             </a:r>
-          </a:p>
-        </p:txBody>
-      </p:sp>
-      <p:sp>
-        <p:nvSpPr>
-          <p:cNvPr id="4" name="日付プレースホルダー 3">
-            <a:extLst>
-              <a:ext uri="{FF2B5EF4-FFF2-40B4-BE49-F238E27FC236}">
-                <a16:creationId xmlns:a16="http://schemas.microsoft.com/office/drawing/2014/main" id="{70295F89-3A91-48EB-9192-772ADF1B5864}"/>
-              </a:ext>
-            </a:extLst>
-          </p:cNvPr>
+            <a:endParaRPr lang="en-US" dirty="0"/>
+          </a:p>
+        </p:txBody>
+      </p:sp>
+      <p:sp>
+        <p:nvSpPr>
+          <p:cNvPr id="4" name="Date Placeholder 3"/>
           <p:cNvSpPr>
             <a:spLocks noGrp="1"/>
           </p:cNvSpPr>
@@ -3186,8 +2841,8 @@
         </p:nvSpPr>
         <p:spPr>
           <a:xfrm>
-            <a:off x="628650" y="6356351"/>
-            <a:ext cx="2057400" cy="365125"/>
+            <a:off x="838200" y="6356350"/>
+            <a:ext cx="2743200" cy="365125"/>
           </a:xfrm>
           <a:prstGeom prst="rect">
             <a:avLst/>
@@ -3209,7 +2864,7 @@
           <a:p>
             <a:fld id="{BCC3470B-979D-4AC3-9CEF-E2615858CE2E}" type="datetimeFigureOut">
               <a:rPr kumimoji="1" lang="ja-JP" altLang="en-US" smtClean="0"/>
-              <a:t>2017/9/11</a:t>
+              <a:t>2023/8/25</a:t>
             </a:fld>
             <a:endParaRPr kumimoji="1" lang="ja-JP" altLang="en-US"/>
           </a:p>
@@ -3217,13 +2872,7 @@
       </p:sp>
       <p:sp>
         <p:nvSpPr>
-          <p:cNvPr id="5" name="フッター プレースホルダー 4">
-            <a:extLst>
-              <a:ext uri="{FF2B5EF4-FFF2-40B4-BE49-F238E27FC236}">
-                <a16:creationId xmlns:a16="http://schemas.microsoft.com/office/drawing/2014/main" id="{E47E0B0A-84E7-454B-8F60-7C126E1EDC76}"/>
-              </a:ext>
-            </a:extLst>
-          </p:cNvPr>
+          <p:cNvPr id="5" name="Footer Placeholder 4"/>
           <p:cNvSpPr>
             <a:spLocks noGrp="1"/>
           </p:cNvSpPr>
@@ -3233,8 +2882,8 @@
         </p:nvSpPr>
         <p:spPr>
           <a:xfrm>
-            <a:off x="3028950" y="6356351"/>
-            <a:ext cx="3086100" cy="365125"/>
+            <a:off x="4038600" y="6356350"/>
+            <a:ext cx="4114800" cy="365125"/>
           </a:xfrm>
           <a:prstGeom prst="rect">
             <a:avLst/>
@@ -3260,13 +2909,7 @@
       </p:sp>
       <p:sp>
         <p:nvSpPr>
-          <p:cNvPr id="6" name="スライド番号プレースホルダー 5">
-            <a:extLst>
-              <a:ext uri="{FF2B5EF4-FFF2-40B4-BE49-F238E27FC236}">
-                <a16:creationId xmlns:a16="http://schemas.microsoft.com/office/drawing/2014/main" id="{84A3534F-9767-433C-9943-7509C1C58129}"/>
-              </a:ext>
-            </a:extLst>
-          </p:cNvPr>
+          <p:cNvPr id="6" name="Slide Number Placeholder 5"/>
           <p:cNvSpPr>
             <a:spLocks noGrp="1"/>
           </p:cNvSpPr>
@@ -3276,8 +2919,8 @@
         </p:nvSpPr>
         <p:spPr>
           <a:xfrm>
-            <a:off x="6457950" y="6356351"/>
-            <a:ext cx="2057400" cy="365125"/>
+            <a:off x="8610600" y="6356350"/>
+            <a:ext cx="2743200" cy="365125"/>
           </a:xfrm>
           <a:prstGeom prst="rect">
             <a:avLst/>
@@ -3308,23 +2951,23 @@
     </p:spTree>
     <p:extLst>
       <p:ext uri="{BB962C8B-B14F-4D97-AF65-F5344CB8AC3E}">
-        <p14:creationId xmlns:p14="http://schemas.microsoft.com/office/powerpoint/2010/main" val="554696255"/>
+        <p14:creationId xmlns:p14="http://schemas.microsoft.com/office/powerpoint/2010/main" val="435770927"/>
       </p:ext>
     </p:extLst>
   </p:cSld>
   <p:clrMap bg1="lt1" tx1="dk1" bg2="lt2" tx2="dk2" accent1="accent1" accent2="accent2" accent3="accent3" accent4="accent4" accent5="accent5" accent6="accent6" hlink="hlink" folHlink="folHlink"/>
   <p:sldLayoutIdLst>
-    <p:sldLayoutId id="2147483649" r:id="rId1"/>
-    <p:sldLayoutId id="2147483650" r:id="rId2"/>
-    <p:sldLayoutId id="2147483651" r:id="rId3"/>
-    <p:sldLayoutId id="2147483652" r:id="rId4"/>
-    <p:sldLayoutId id="2147483653" r:id="rId5"/>
-    <p:sldLayoutId id="2147483654" r:id="rId6"/>
-    <p:sldLayoutId id="2147483655" r:id="rId7"/>
-    <p:sldLayoutId id="2147483656" r:id="rId8"/>
-    <p:sldLayoutId id="2147483657" r:id="rId9"/>
-    <p:sldLayoutId id="2147483658" r:id="rId10"/>
-    <p:sldLayoutId id="2147483659" r:id="rId11"/>
+    <p:sldLayoutId id="2147483661" r:id="rId1"/>
+    <p:sldLayoutId id="2147483662" r:id="rId2"/>
+    <p:sldLayoutId id="2147483663" r:id="rId3"/>
+    <p:sldLayoutId id="2147483664" r:id="rId4"/>
+    <p:sldLayoutId id="2147483665" r:id="rId5"/>
+    <p:sldLayoutId id="2147483666" r:id="rId6"/>
+    <p:sldLayoutId id="2147483667" r:id="rId7"/>
+    <p:sldLayoutId id="2147483668" r:id="rId8"/>
+    <p:sldLayoutId id="2147483669" r:id="rId9"/>
+    <p:sldLayoutId id="2147483670" r:id="rId10"/>
+    <p:sldLayoutId id="2147483671" r:id="rId11"/>
   </p:sldLayoutIdLst>
   <p:txStyles>
     <p:titleStyle>
@@ -3336,7 +2979,7 @@
           <a:spcPct val="0"/>
         </a:spcBef>
         <a:buNone/>
-        <a:defRPr kumimoji="1" sz="4400" kern="1200">
+        <a:defRPr sz="4400" kern="1200">
           <a:solidFill>
             <a:schemeClr val="tx1"/>
           </a:solidFill>
@@ -3356,7 +2999,7 @@
         </a:spcBef>
         <a:buFont typeface="Arial" panose="020B0604020202020204" pitchFamily="34" charset="0"/>
         <a:buChar char="•"/>
-        <a:defRPr kumimoji="1" sz="2800" kern="1200">
+        <a:defRPr sz="2800" kern="1200">
           <a:solidFill>
             <a:schemeClr val="tx1"/>
           </a:solidFill>
@@ -3374,7 +3017,7 @@
         </a:spcBef>
         <a:buFont typeface="Arial" panose="020B0604020202020204" pitchFamily="34" charset="0"/>
         <a:buChar char="•"/>
-        <a:defRPr kumimoji="1" sz="2400" kern="1200">
+        <a:defRPr sz="2400" kern="1200">
           <a:solidFill>
             <a:schemeClr val="tx1"/>
           </a:solidFill>
@@ -3392,7 +3035,7 @@
         </a:spcBef>
         <a:buFont typeface="Arial" panose="020B0604020202020204" pitchFamily="34" charset="0"/>
         <a:buChar char="•"/>
-        <a:defRPr kumimoji="1" sz="2000" kern="1200">
+        <a:defRPr sz="2000" kern="1200">
           <a:solidFill>
             <a:schemeClr val="tx1"/>
           </a:solidFill>
@@ -3410,7 +3053,7 @@
         </a:spcBef>
         <a:buFont typeface="Arial" panose="020B0604020202020204" pitchFamily="34" charset="0"/>
         <a:buChar char="•"/>
-        <a:defRPr kumimoji="1" sz="1800" kern="1200">
+        <a:defRPr sz="1800" kern="1200">
           <a:solidFill>
             <a:schemeClr val="tx1"/>
           </a:solidFill>
@@ -3428,7 +3071,7 @@
         </a:spcBef>
         <a:buFont typeface="Arial" panose="020B0604020202020204" pitchFamily="34" charset="0"/>
         <a:buChar char="•"/>
-        <a:defRPr kumimoji="1" sz="1800" kern="1200">
+        <a:defRPr sz="1800" kern="1200">
           <a:solidFill>
             <a:schemeClr val="tx1"/>
           </a:solidFill>
@@ -3446,7 +3089,7 @@
         </a:spcBef>
         <a:buFont typeface="Arial" panose="020B0604020202020204" pitchFamily="34" charset="0"/>
         <a:buChar char="•"/>
-        <a:defRPr kumimoji="1" sz="1800" kern="1200">
+        <a:defRPr sz="1800" kern="1200">
           <a:solidFill>
             <a:schemeClr val="tx1"/>
           </a:solidFill>
@@ -3464,7 +3107,7 @@
         </a:spcBef>
         <a:buFont typeface="Arial" panose="020B0604020202020204" pitchFamily="34" charset="0"/>
         <a:buChar char="•"/>
-        <a:defRPr kumimoji="1" sz="1800" kern="1200">
+        <a:defRPr sz="1800" kern="1200">
           <a:solidFill>
             <a:schemeClr val="tx1"/>
           </a:solidFill>
@@ -3482,7 +3125,7 @@
         </a:spcBef>
         <a:buFont typeface="Arial" panose="020B0604020202020204" pitchFamily="34" charset="0"/>
         <a:buChar char="•"/>
-        <a:defRPr kumimoji="1" sz="1800" kern="1200">
+        <a:defRPr sz="1800" kern="1200">
           <a:solidFill>
             <a:schemeClr val="tx1"/>
           </a:solidFill>
@@ -3500,7 +3143,7 @@
         </a:spcBef>
         <a:buFont typeface="Arial" panose="020B0604020202020204" pitchFamily="34" charset="0"/>
         <a:buChar char="•"/>
-        <a:defRPr kumimoji="1" sz="1800" kern="1200">
+        <a:defRPr sz="1800" kern="1200">
           <a:solidFill>
             <a:schemeClr val="tx1"/>
           </a:solidFill>
@@ -3512,10 +3155,10 @@
     </p:bodyStyle>
     <p:otherStyle>
       <a:defPPr>
-        <a:defRPr lang="ja-JP"/>
+        <a:defRPr lang="en-US"/>
       </a:defPPr>
       <a:lvl1pPr marL="0" algn="l" defTabSz="914400" rtl="0" eaLnBrk="1" latinLnBrk="0" hangingPunct="1">
-        <a:defRPr kumimoji="1" sz="1800" kern="1200">
+        <a:defRPr sz="1800" kern="1200">
           <a:solidFill>
             <a:schemeClr val="tx1"/>
           </a:solidFill>
@@ -3525,7 +3168,7 @@
         </a:defRPr>
       </a:lvl1pPr>
       <a:lvl2pPr marL="457200" algn="l" defTabSz="914400" rtl="0" eaLnBrk="1" latinLnBrk="0" hangingPunct="1">
-        <a:defRPr kumimoji="1" sz="1800" kern="1200">
+        <a:defRPr sz="1800" kern="1200">
           <a:solidFill>
             <a:schemeClr val="tx1"/>
           </a:solidFill>
@@ -3535,7 +3178,7 @@
         </a:defRPr>
       </a:lvl2pPr>
       <a:lvl3pPr marL="914400" algn="l" defTabSz="914400" rtl="0" eaLnBrk="1" latinLnBrk="0" hangingPunct="1">
-        <a:defRPr kumimoji="1" sz="1800" kern="1200">
+        <a:defRPr sz="1800" kern="1200">
           <a:solidFill>
             <a:schemeClr val="tx1"/>
           </a:solidFill>
@@ -3545,7 +3188,7 @@
         </a:defRPr>
       </a:lvl3pPr>
       <a:lvl4pPr marL="1371600" algn="l" defTabSz="914400" rtl="0" eaLnBrk="1" latinLnBrk="0" hangingPunct="1">
-        <a:defRPr kumimoji="1" sz="1800" kern="1200">
+        <a:defRPr sz="1800" kern="1200">
           <a:solidFill>
             <a:schemeClr val="tx1"/>
           </a:solidFill>
@@ -3555,7 +3198,7 @@
         </a:defRPr>
       </a:lvl4pPr>
       <a:lvl5pPr marL="1828800" algn="l" defTabSz="914400" rtl="0" eaLnBrk="1" latinLnBrk="0" hangingPunct="1">
-        <a:defRPr kumimoji="1" sz="1800" kern="1200">
+        <a:defRPr sz="1800" kern="1200">
           <a:solidFill>
             <a:schemeClr val="tx1"/>
           </a:solidFill>
@@ -3565,7 +3208,7 @@
         </a:defRPr>
       </a:lvl5pPr>
       <a:lvl6pPr marL="2286000" algn="l" defTabSz="914400" rtl="0" eaLnBrk="1" latinLnBrk="0" hangingPunct="1">
-        <a:defRPr kumimoji="1" sz="1800" kern="1200">
+        <a:defRPr sz="1800" kern="1200">
           <a:solidFill>
             <a:schemeClr val="tx1"/>
           </a:solidFill>
@@ -3575,7 +3218,7 @@
         </a:defRPr>
       </a:lvl6pPr>
       <a:lvl7pPr marL="2743200" algn="l" defTabSz="914400" rtl="0" eaLnBrk="1" latinLnBrk="0" hangingPunct="1">
-        <a:defRPr kumimoji="1" sz="1800" kern="1200">
+        <a:defRPr sz="1800" kern="1200">
           <a:solidFill>
             <a:schemeClr val="tx1"/>
           </a:solidFill>
@@ -3585,7 +3228,7 @@
         </a:defRPr>
       </a:lvl7pPr>
       <a:lvl8pPr marL="3200400" algn="l" defTabSz="914400" rtl="0" eaLnBrk="1" latinLnBrk="0" hangingPunct="1">
-        <a:defRPr kumimoji="1" sz="1800" kern="1200">
+        <a:defRPr sz="1800" kern="1200">
           <a:solidFill>
             <a:schemeClr val="tx1"/>
           </a:solidFill>
@@ -3595,7 +3238,7 @@
         </a:defRPr>
       </a:lvl8pPr>
       <a:lvl9pPr marL="3657600" algn="l" defTabSz="914400" rtl="0" eaLnBrk="1" latinLnBrk="0" hangingPunct="1">
-        <a:defRPr kumimoji="1" sz="1800" kern="1200">
+        <a:defRPr sz="1800" kern="1200">
           <a:solidFill>
             <a:schemeClr val="tx1"/>
           </a:solidFill>
@@ -3631,7 +3274,7 @@
           <p:cNvPr id="2" name="タイトル 1">
             <a:extLst>
               <a:ext uri="{FF2B5EF4-FFF2-40B4-BE49-F238E27FC236}">
-                <a16:creationId xmlns:a16="http://schemas.microsoft.com/office/drawing/2014/main" id="{80A77451-14A8-4F41-9697-306C8DB6EE6C}"/>
+                <a16:creationId xmlns:a16="http://schemas.microsoft.com/office/drawing/2014/main" id="{F9A1451B-504E-4EAC-B7E4-07A4B7A2A9F5}"/>
               </a:ext>
             </a:extLst>
           </p:cNvPr>
@@ -3642,7 +3285,12 @@
             <p:ph type="title"/>
           </p:nvPr>
         </p:nvSpPr>
-        <p:spPr/>
+        <p:spPr>
+          <a:xfrm>
+            <a:off x="384657" y="347011"/>
+            <a:ext cx="10515600" cy="829494"/>
+          </a:xfrm>
+        </p:spPr>
         <p:txBody>
           <a:bodyPr>
             <a:normAutofit/>
@@ -3650,7 +3298,7 @@
           <a:lstStyle/>
           <a:p>
             <a:r>
-              <a:rPr lang="en-US" altLang="ja-JP">
+              <a:rPr lang="en-US" altLang="ja-JP" sz="4000" dirty="0">
                 <a:solidFill>
                   <a:schemeClr val="accent1"/>
                 </a:solidFill>
@@ -3660,7 +3308,7 @@
               <a:t>8. </a:t>
             </a:r>
             <a:r>
-              <a:rPr lang="ja-JP" altLang="en-US">
+              <a:rPr lang="ja-JP" altLang="en-US" sz="4000" dirty="0">
                 <a:solidFill>
                   <a:schemeClr val="accent1"/>
                 </a:solidFill>
@@ -3669,115 +3317,285 @@
               </a:rPr>
               <a:t>音声の認識：言語モデル</a:t>
             </a:r>
-            <a:endParaRPr kumimoji="1" lang="ja-JP" altLang="en-US">
-              <a:solidFill>
-                <a:schemeClr val="accent1"/>
-              </a:solidFill>
+          </a:p>
+        </p:txBody>
+      </p:sp>
+      <p:sp>
+        <p:nvSpPr>
+          <p:cNvPr id="5" name="テキスト ボックス 4">
+            <a:extLst>
+              <a:ext uri="{FF2B5EF4-FFF2-40B4-BE49-F238E27FC236}">
+                <a16:creationId xmlns:a16="http://schemas.microsoft.com/office/drawing/2014/main" id="{E979BD5E-4176-A88C-DBED-0029D8B05292}"/>
+              </a:ext>
+            </a:extLst>
+          </p:cNvPr>
+          <p:cNvSpPr txBox="1"/>
+          <p:nvPr/>
+        </p:nvSpPr>
+        <p:spPr>
+          <a:xfrm>
+            <a:off x="7453506" y="5211575"/>
+            <a:ext cx="4559053" cy="1077218"/>
+          </a:xfrm>
+          <a:prstGeom prst="rect">
+            <a:avLst/>
+          </a:prstGeom>
+          <a:noFill/>
+        </p:spPr>
+        <p:txBody>
+          <a:bodyPr wrap="square" rtlCol="0">
+            <a:spAutoFit/>
+          </a:bodyPr>
+          <a:lstStyle/>
+          <a:p>
+            <a:pPr marL="285750" indent="-285750">
+              <a:spcBef>
+                <a:spcPts val="600"/>
+              </a:spcBef>
+              <a:buFont typeface="Arial" panose="020B0604020202020204" pitchFamily="34" charset="0"/>
+              <a:buChar char="•"/>
+            </a:pPr>
+            <a:r>
+              <a:rPr lang="ja-JP" altLang="en-US" dirty="0"/>
+              <a:t>荒木雅弘</a:t>
+            </a:r>
+            <a:r>
+              <a:rPr lang="en-US" altLang="ja-JP" dirty="0"/>
+              <a:t> :『</a:t>
+            </a:r>
+            <a:r>
+              <a:rPr lang="ja-JP" altLang="en-US" dirty="0"/>
+              <a:t>イラストで学ぶ音声認識</a:t>
+            </a:r>
+            <a:r>
+              <a:rPr lang="en-US" altLang="ja-JP" dirty="0"/>
+              <a:t>』</a:t>
+            </a:r>
+          </a:p>
+          <a:p>
+            <a:pPr>
+              <a:spcBef>
+                <a:spcPts val="600"/>
+              </a:spcBef>
+            </a:pPr>
+            <a:r>
+              <a:rPr lang="ja-JP" altLang="en-US" dirty="0"/>
+              <a:t>　（講談社</a:t>
+            </a:r>
+            <a:r>
+              <a:rPr lang="en-US" altLang="ja-JP" dirty="0"/>
+              <a:t>,</a:t>
+            </a:r>
+            <a:r>
+              <a:rPr lang="ja-JP" altLang="en-US" dirty="0"/>
+              <a:t> </a:t>
+            </a:r>
+            <a:r>
+              <a:rPr lang="en-US" altLang="ja-JP" dirty="0"/>
+              <a:t>2015</a:t>
+            </a:r>
+            <a:r>
+              <a:rPr lang="ja-JP" altLang="en-US" dirty="0"/>
+              <a:t>年）</a:t>
+            </a:r>
+            <a:endParaRPr lang="en-US" altLang="ja-JP" dirty="0"/>
+          </a:p>
+          <a:p>
+            <a:pPr marL="285750" indent="-285750">
+              <a:spcBef>
+                <a:spcPts val="600"/>
+              </a:spcBef>
+              <a:buFont typeface="Arial" panose="020B0604020202020204" pitchFamily="34" charset="0"/>
+              <a:buChar char="•"/>
+            </a:pPr>
+            <a:r>
+              <a:rPr lang="ja-JP" altLang="en-US" dirty="0">
+                <a:hlinkClick r:id="rId2"/>
+              </a:rPr>
+              <a:t>サポートページ</a:t>
+            </a:r>
+            <a:endParaRPr lang="en-US" dirty="0"/>
+          </a:p>
+        </p:txBody>
+      </p:sp>
+      <p:pic>
+        <p:nvPicPr>
+          <p:cNvPr id="3" name="図 2">
+            <a:extLst>
+              <a:ext uri="{FF2B5EF4-FFF2-40B4-BE49-F238E27FC236}">
+                <a16:creationId xmlns:a16="http://schemas.microsoft.com/office/drawing/2014/main" id="{F7698FEA-6294-08A1-296D-5D1B60E2FCC4}"/>
+              </a:ext>
+            </a:extLst>
+          </p:cNvPr>
+          <p:cNvPicPr>
+            <a:picLocks noChangeAspect="1"/>
+          </p:cNvPicPr>
+          <p:nvPr/>
+        </p:nvPicPr>
+        <p:blipFill>
+          <a:blip r:embed="rId3">
+            <a:extLst>
+              <a:ext uri="{28A0092B-C50C-407E-A947-70E740481C1C}">
+                <a14:useLocalDpi xmlns:a14="http://schemas.microsoft.com/office/drawing/2010/main" val="0"/>
+              </a:ext>
+            </a:extLst>
+          </a:blip>
+          <a:stretch>
+            <a:fillRect/>
+          </a:stretch>
+        </p:blipFill>
+        <p:spPr>
+          <a:xfrm>
+            <a:off x="8366615" y="1053081"/>
+            <a:ext cx="2725188" cy="3867171"/>
+          </a:xfrm>
+          <a:prstGeom prst="rect">
+            <a:avLst/>
+          </a:prstGeom>
+        </p:spPr>
+      </p:pic>
+      <p:sp>
+        <p:nvSpPr>
+          <p:cNvPr id="7" name="コンテンツ プレースホルダー 2">
+            <a:extLst>
+              <a:ext uri="{FF2B5EF4-FFF2-40B4-BE49-F238E27FC236}">
+                <a16:creationId xmlns:a16="http://schemas.microsoft.com/office/drawing/2014/main" id="{1BBBF547-AFA4-E491-EC8F-36D566715F6A}"/>
+              </a:ext>
+            </a:extLst>
+          </p:cNvPr>
+          <p:cNvSpPr>
+            <a:spLocks noGrp="1"/>
+          </p:cNvSpPr>
+          <p:nvPr>
+            <p:ph idx="1"/>
+          </p:nvPr>
+        </p:nvSpPr>
+        <p:spPr>
+          <a:xfrm>
+            <a:off x="626971" y="4528109"/>
+            <a:ext cx="6692113" cy="1858061"/>
+          </a:xfrm>
+        </p:spPr>
+        <p:txBody>
+          <a:bodyPr>
+            <a:normAutofit/>
+          </a:bodyPr>
+          <a:lstStyle/>
+          <a:p>
+            <a:r>
+              <a:rPr kumimoji="1" lang="en-US" altLang="ja-JP" sz="2400" dirty="0">
+                <a:latin typeface="メイリオ" panose="020B0604030504040204" pitchFamily="50" charset="-128"/>
+                <a:ea typeface="メイリオ" panose="020B0604030504040204" pitchFamily="50" charset="-128"/>
+              </a:rPr>
+              <a:t>8.1 </a:t>
+            </a:r>
+            <a:r>
+              <a:rPr kumimoji="1" lang="ja-JP" altLang="en-US" sz="2400" dirty="0">
+                <a:latin typeface="メイリオ" panose="020B0604030504040204" pitchFamily="50" charset="-128"/>
+                <a:ea typeface="メイリオ" panose="020B0604030504040204" pitchFamily="50" charset="-128"/>
+              </a:rPr>
+              <a:t>文法記述による言語モデル</a:t>
+            </a:r>
+            <a:endParaRPr kumimoji="1" lang="en-US" altLang="ja-JP" sz="2400" dirty="0">
               <a:latin typeface="メイリオ" panose="020B0604030504040204" pitchFamily="50" charset="-128"/>
               <a:ea typeface="メイリオ" panose="020B0604030504040204" pitchFamily="50" charset="-128"/>
             </a:endParaRPr>
           </a:p>
-        </p:txBody>
-      </p:sp>
-      <p:sp>
-        <p:nvSpPr>
-          <p:cNvPr id="3" name="コンテンツ プレースホルダー 2">
+          <a:p>
+            <a:r>
+              <a:rPr kumimoji="1" lang="en-US" altLang="ja-JP" sz="2400" dirty="0">
+                <a:latin typeface="メイリオ" panose="020B0604030504040204" pitchFamily="50" charset="-128"/>
+                <a:ea typeface="メイリオ" panose="020B0604030504040204" pitchFamily="50" charset="-128"/>
+              </a:rPr>
+              <a:t>8.2 </a:t>
+            </a:r>
+            <a:r>
+              <a:rPr kumimoji="1" lang="ja-JP" altLang="en-US" sz="2400" dirty="0">
+                <a:latin typeface="メイリオ" panose="020B0604030504040204" pitchFamily="50" charset="-128"/>
+                <a:ea typeface="メイリオ" panose="020B0604030504040204" pitchFamily="50" charset="-128"/>
+              </a:rPr>
+              <a:t>統計的言語モデルの考え方</a:t>
+            </a:r>
+            <a:endParaRPr kumimoji="1" lang="en-US" altLang="ja-JP" sz="2400" dirty="0">
+              <a:latin typeface="メイリオ" panose="020B0604030504040204" pitchFamily="50" charset="-128"/>
+              <a:ea typeface="メイリオ" panose="020B0604030504040204" pitchFamily="50" charset="-128"/>
+            </a:endParaRPr>
+          </a:p>
+          <a:p>
+            <a:r>
+              <a:rPr kumimoji="1" lang="en-US" altLang="ja-JP" sz="2400" dirty="0">
+                <a:latin typeface="メイリオ" panose="020B0604030504040204" pitchFamily="50" charset="-128"/>
+                <a:ea typeface="メイリオ" panose="020B0604030504040204" pitchFamily="50" charset="-128"/>
+              </a:rPr>
+              <a:t>8.3 </a:t>
+            </a:r>
+            <a:r>
+              <a:rPr kumimoji="1" lang="ja-JP" altLang="en-US" sz="2400" dirty="0">
+                <a:latin typeface="メイリオ" panose="020B0604030504040204" pitchFamily="50" charset="-128"/>
+                <a:ea typeface="メイリオ" panose="020B0604030504040204" pitchFamily="50" charset="-128"/>
+              </a:rPr>
+              <a:t>統計的言語モデルの作り方</a:t>
+            </a:r>
+            <a:endParaRPr kumimoji="1" lang="en-US" altLang="ja-JP" sz="2400" dirty="0">
+              <a:latin typeface="メイリオ" panose="020B0604030504040204" pitchFamily="50" charset="-128"/>
+              <a:ea typeface="メイリオ" panose="020B0604030504040204" pitchFamily="50" charset="-128"/>
+            </a:endParaRPr>
+          </a:p>
+          <a:p>
+            <a:r>
+              <a:rPr lang="ja-JP" altLang="en-US" sz="2400" dirty="0">
+                <a:latin typeface="メイリオ" panose="020B0604030504040204" pitchFamily="50" charset="-128"/>
+                <a:ea typeface="メイリオ" panose="020B0604030504040204" pitchFamily="50" charset="-128"/>
+              </a:rPr>
+              <a:t>ニューラルネットワーク言語モデル</a:t>
+            </a:r>
+            <a:endParaRPr kumimoji="1" lang="ja-JP" altLang="en-US" sz="2400" dirty="0">
+              <a:latin typeface="メイリオ" panose="020B0604030504040204" pitchFamily="50" charset="-128"/>
+              <a:ea typeface="メイリオ" panose="020B0604030504040204" pitchFamily="50" charset="-128"/>
+            </a:endParaRPr>
+          </a:p>
+        </p:txBody>
+      </p:sp>
+      <p:pic>
+        <p:nvPicPr>
+          <p:cNvPr id="4" name="図 3">
             <a:extLst>
               <a:ext uri="{FF2B5EF4-FFF2-40B4-BE49-F238E27FC236}">
-                <a16:creationId xmlns:a16="http://schemas.microsoft.com/office/drawing/2014/main" id="{E3CA3C0B-0D3E-4AC6-8868-CB82F4D5C1BA}"/>
+                <a16:creationId xmlns:a16="http://schemas.microsoft.com/office/drawing/2014/main" id="{72117030-8CF1-7EBD-7C3C-7F14578E18E5}"/>
               </a:ext>
             </a:extLst>
           </p:cNvPr>
-          <p:cNvSpPr>
-            <a:spLocks noGrp="1"/>
-          </p:cNvSpPr>
-          <p:nvPr>
-            <p:ph idx="1"/>
-          </p:nvPr>
-        </p:nvSpPr>
-        <p:spPr/>
-        <p:txBody>
-          <a:bodyPr/>
-          <a:lstStyle/>
-          <a:p>
-            <a:r>
-              <a:rPr kumimoji="1" lang="en-US" altLang="ja-JP">
-                <a:latin typeface="メイリオ" panose="020B0604030504040204" pitchFamily="50" charset="-128"/>
-                <a:ea typeface="メイリオ" panose="020B0604030504040204" pitchFamily="50" charset="-128"/>
-              </a:rPr>
-              <a:t>8.1 </a:t>
-            </a:r>
-            <a:r>
-              <a:rPr kumimoji="1" lang="ja-JP" altLang="en-US">
-                <a:latin typeface="メイリオ" panose="020B0604030504040204" pitchFamily="50" charset="-128"/>
-                <a:ea typeface="メイリオ" panose="020B0604030504040204" pitchFamily="50" charset="-128"/>
-              </a:rPr>
-              <a:t>文法記述による言語モデル</a:t>
-            </a:r>
-            <a:endParaRPr kumimoji="1" lang="en-US" altLang="ja-JP">
-              <a:latin typeface="メイリオ" panose="020B0604030504040204" pitchFamily="50" charset="-128"/>
-              <a:ea typeface="メイリオ" panose="020B0604030504040204" pitchFamily="50" charset="-128"/>
-            </a:endParaRPr>
-          </a:p>
-          <a:p>
-            <a:r>
-              <a:rPr kumimoji="1" lang="en-US" altLang="ja-JP">
-                <a:latin typeface="メイリオ" panose="020B0604030504040204" pitchFamily="50" charset="-128"/>
-                <a:ea typeface="メイリオ" panose="020B0604030504040204" pitchFamily="50" charset="-128"/>
-              </a:rPr>
-              <a:t>8.2 </a:t>
-            </a:r>
-            <a:r>
-              <a:rPr kumimoji="1" lang="ja-JP" altLang="en-US">
-                <a:latin typeface="メイリオ" panose="020B0604030504040204" pitchFamily="50" charset="-128"/>
-                <a:ea typeface="メイリオ" panose="020B0604030504040204" pitchFamily="50" charset="-128"/>
-              </a:rPr>
-              <a:t>統計的言語モデルの考え方</a:t>
-            </a:r>
-            <a:endParaRPr kumimoji="1" lang="en-US" altLang="ja-JP">
-              <a:latin typeface="メイリオ" panose="020B0604030504040204" pitchFamily="50" charset="-128"/>
-              <a:ea typeface="メイリオ" panose="020B0604030504040204" pitchFamily="50" charset="-128"/>
-            </a:endParaRPr>
-          </a:p>
-          <a:p>
-            <a:r>
-              <a:rPr kumimoji="1" lang="en-US" altLang="ja-JP">
-                <a:latin typeface="メイリオ" panose="020B0604030504040204" pitchFamily="50" charset="-128"/>
-                <a:ea typeface="メイリオ" panose="020B0604030504040204" pitchFamily="50" charset="-128"/>
-              </a:rPr>
-              <a:t>8.3 </a:t>
-            </a:r>
-            <a:r>
-              <a:rPr kumimoji="1" lang="ja-JP" altLang="en-US">
-                <a:latin typeface="メイリオ" panose="020B0604030504040204" pitchFamily="50" charset="-128"/>
-                <a:ea typeface="メイリオ" panose="020B0604030504040204" pitchFamily="50" charset="-128"/>
-              </a:rPr>
-              <a:t>統計的言語モデルの作り方</a:t>
-            </a:r>
-            <a:endParaRPr kumimoji="1" lang="en-US" altLang="ja-JP">
-              <a:latin typeface="メイリオ" panose="020B0604030504040204" pitchFamily="50" charset="-128"/>
-              <a:ea typeface="メイリオ" panose="020B0604030504040204" pitchFamily="50" charset="-128"/>
-            </a:endParaRPr>
-          </a:p>
-          <a:p>
-            <a:r>
-              <a:rPr lang="ja-JP" altLang="en-US">
-                <a:latin typeface="メイリオ" panose="020B0604030504040204" pitchFamily="50" charset="-128"/>
-                <a:ea typeface="メイリオ" panose="020B0604030504040204" pitchFamily="50" charset="-128"/>
-              </a:rPr>
-              <a:t>ニューラルネットワーク言語モデル</a:t>
-            </a:r>
-            <a:endParaRPr kumimoji="1" lang="ja-JP" altLang="en-US">
-              <a:latin typeface="メイリオ" panose="020B0604030504040204" pitchFamily="50" charset="-128"/>
-              <a:ea typeface="メイリオ" panose="020B0604030504040204" pitchFamily="50" charset="-128"/>
-            </a:endParaRPr>
-          </a:p>
-        </p:txBody>
-      </p:sp>
+          <p:cNvPicPr>
+            <a:picLocks noChangeAspect="1"/>
+          </p:cNvPicPr>
+          <p:nvPr/>
+        </p:nvPicPr>
+        <p:blipFill>
+          <a:blip r:embed="rId4">
+            <a:extLst>
+              <a:ext uri="{28A0092B-C50C-407E-A947-70E740481C1C}">
+                <a14:useLocalDpi xmlns:a14="http://schemas.microsoft.com/office/drawing/2010/main" val="0"/>
+              </a:ext>
+            </a:extLst>
+          </a:blip>
+          <a:stretch>
+            <a:fillRect/>
+          </a:stretch>
+        </p:blipFill>
+        <p:spPr>
+          <a:xfrm>
+            <a:off x="1514246" y="1053081"/>
+            <a:ext cx="5162412" cy="3297003"/>
+          </a:xfrm>
+          <a:prstGeom prst="rect">
+            <a:avLst/>
+          </a:prstGeom>
+        </p:spPr>
+      </p:pic>
     </p:spTree>
     <p:extLst>
       <p:ext uri="{BB962C8B-B14F-4D97-AF65-F5344CB8AC3E}">
-        <p14:creationId xmlns:p14="http://schemas.microsoft.com/office/powerpoint/2010/main" val="2648069065"/>
+        <p14:creationId xmlns:p14="http://schemas.microsoft.com/office/powerpoint/2010/main" val="144594472"/>
       </p:ext>
     </p:extLst>
   </p:cSld>
@@ -3832,7 +3650,7 @@
         </p:blipFill>
         <p:spPr>
           <a:xfrm>
-            <a:off x="1191397" y="2847193"/>
+            <a:off x="2825126" y="2569216"/>
             <a:ext cx="6841439" cy="3785953"/>
           </a:xfrm>
           <a:prstGeom prst="rect">
@@ -3858,8 +3676,8 @@
         </p:nvSpPr>
         <p:spPr>
           <a:xfrm>
-            <a:off x="628649" y="365126"/>
-            <a:ext cx="8118111" cy="1325563"/>
+            <a:off x="667664" y="335868"/>
+            <a:ext cx="8118111" cy="885772"/>
           </a:xfrm>
         </p:spPr>
         <p:txBody>
@@ -3869,7 +3687,7 @@
           <a:lstStyle/>
           <a:p>
             <a:r>
-              <a:rPr lang="en-US" altLang="ja-JP">
+              <a:rPr lang="en-US" altLang="ja-JP" dirty="0">
                 <a:solidFill>
                   <a:schemeClr val="accent1"/>
                 </a:solidFill>
@@ -3879,7 +3697,7 @@
               <a:t>8.1 </a:t>
             </a:r>
             <a:r>
-              <a:rPr lang="ja-JP" altLang="en-US">
+              <a:rPr lang="ja-JP" altLang="en-US" dirty="0">
                 <a:solidFill>
                   <a:schemeClr val="accent1"/>
                 </a:solidFill>
@@ -3888,7 +3706,7 @@
               </a:rPr>
               <a:t>文法記述による言語モデル</a:t>
             </a:r>
-            <a:endParaRPr kumimoji="1" lang="ja-JP" altLang="en-US">
+            <a:endParaRPr kumimoji="1" lang="ja-JP" altLang="en-US" dirty="0">
               <a:solidFill>
                 <a:schemeClr val="accent1"/>
               </a:solidFill>
@@ -3916,8 +3734,8 @@
         </p:nvSpPr>
         <p:spPr>
           <a:xfrm>
-            <a:off x="628650" y="1566472"/>
-            <a:ext cx="7886700" cy="4610491"/>
+            <a:off x="790041" y="1221640"/>
+            <a:ext cx="10797236" cy="4610491"/>
           </a:xfrm>
         </p:spPr>
         <p:txBody>
@@ -3930,13 +3748,13 @@
               </a:lnSpc>
             </a:pPr>
             <a:r>
-              <a:rPr kumimoji="1" lang="ja-JP" altLang="en-US">
+              <a:rPr kumimoji="1" lang="ja-JP" altLang="en-US" dirty="0">
                 <a:latin typeface="メイリオ" panose="020B0604030504040204" pitchFamily="50" charset="-128"/>
                 <a:ea typeface="メイリオ" panose="020B0604030504040204" pitchFamily="50" charset="-128"/>
               </a:rPr>
               <a:t>文法記述を言語モデルとみなす</a:t>
             </a:r>
-            <a:endParaRPr kumimoji="1" lang="en-US" altLang="ja-JP">
+            <a:endParaRPr kumimoji="1" lang="en-US" altLang="ja-JP" dirty="0">
               <a:latin typeface="メイリオ" panose="020B0604030504040204" pitchFamily="50" charset="-128"/>
               <a:ea typeface="メイリオ" panose="020B0604030504040204" pitchFamily="50" charset="-128"/>
             </a:endParaRPr>
@@ -3948,83 +3766,83 @@
               </a:lnSpc>
             </a:pPr>
             <a:r>
-              <a:rPr kumimoji="1" lang="ja-JP" altLang="en-US">
+              <a:rPr kumimoji="1" lang="ja-JP" altLang="en-US" dirty="0">
                 <a:latin typeface="メイリオ" panose="020B0604030504040204" pitchFamily="50" charset="-128"/>
                 <a:ea typeface="メイリオ" panose="020B0604030504040204" pitchFamily="50" charset="-128"/>
               </a:rPr>
               <a:t>規則に従う単語列であれば </a:t>
             </a:r>
             <a:r>
-              <a:rPr kumimoji="1" lang="en-US" altLang="ja-JP" i="1">
+              <a:rPr kumimoji="1" lang="en-US" altLang="ja-JP" i="1" dirty="0">
                 <a:latin typeface="Century Schoolbook" panose="02040604050505020304" pitchFamily="18" charset="0"/>
                 <a:ea typeface="メイリオ" panose="020B0604030504040204" pitchFamily="50" charset="-128"/>
               </a:rPr>
               <a:t>P</a:t>
             </a:r>
             <a:r>
-              <a:rPr kumimoji="1" lang="en-US" altLang="ja-JP">
+              <a:rPr kumimoji="1" lang="en-US" altLang="ja-JP" dirty="0">
                 <a:latin typeface="Century Schoolbook" panose="02040604050505020304" pitchFamily="18" charset="0"/>
                 <a:ea typeface="メイリオ" panose="020B0604030504040204" pitchFamily="50" charset="-128"/>
               </a:rPr>
               <a:t>(</a:t>
             </a:r>
             <a:r>
-              <a:rPr kumimoji="1" lang="en-US" altLang="ja-JP" i="1">
+              <a:rPr kumimoji="1" lang="en-US" altLang="ja-JP" i="1" dirty="0">
                 <a:latin typeface="Century Schoolbook" panose="02040604050505020304" pitchFamily="18" charset="0"/>
                 <a:ea typeface="メイリオ" panose="020B0604030504040204" pitchFamily="50" charset="-128"/>
               </a:rPr>
               <a:t>W</a:t>
             </a:r>
             <a:r>
-              <a:rPr kumimoji="1" lang="en-US" altLang="ja-JP">
+              <a:rPr kumimoji="1" lang="en-US" altLang="ja-JP" dirty="0">
                 <a:latin typeface="Century Schoolbook" panose="02040604050505020304" pitchFamily="18" charset="0"/>
                 <a:ea typeface="メイリオ" panose="020B0604030504040204" pitchFamily="50" charset="-128"/>
               </a:rPr>
               <a:t>) &gt; 0 </a:t>
             </a:r>
             <a:r>
-              <a:rPr kumimoji="1" lang="ja-JP" altLang="en-US">
+              <a:rPr kumimoji="1" lang="ja-JP" altLang="en-US" dirty="0">
                 <a:latin typeface="メイリオ" panose="020B0604030504040204" pitchFamily="50" charset="-128"/>
                 <a:ea typeface="メイリオ" panose="020B0604030504040204" pitchFamily="50" charset="-128"/>
               </a:rPr>
               <a:t>、そうでなければ </a:t>
             </a:r>
             <a:r>
-              <a:rPr lang="en-US" altLang="ja-JP" i="1">
+              <a:rPr lang="en-US" altLang="ja-JP" i="1" dirty="0">
                 <a:latin typeface="Century Schoolbook" panose="02040604050505020304" pitchFamily="18" charset="0"/>
                 <a:ea typeface="メイリオ" panose="020B0604030504040204" pitchFamily="50" charset="-128"/>
               </a:rPr>
               <a:t>P</a:t>
             </a:r>
             <a:r>
-              <a:rPr lang="en-US" altLang="ja-JP">
+              <a:rPr lang="en-US" altLang="ja-JP" dirty="0">
                 <a:latin typeface="Century Schoolbook" panose="02040604050505020304" pitchFamily="18" charset="0"/>
                 <a:ea typeface="メイリオ" panose="020B0604030504040204" pitchFamily="50" charset="-128"/>
               </a:rPr>
               <a:t>(</a:t>
             </a:r>
             <a:r>
-              <a:rPr lang="en-US" altLang="ja-JP" i="1">
+              <a:rPr lang="en-US" altLang="ja-JP" i="1" dirty="0">
                 <a:latin typeface="Century Schoolbook" panose="02040604050505020304" pitchFamily="18" charset="0"/>
                 <a:ea typeface="メイリオ" panose="020B0604030504040204" pitchFamily="50" charset="-128"/>
               </a:rPr>
               <a:t>W</a:t>
             </a:r>
             <a:r>
-              <a:rPr lang="en-US" altLang="ja-JP">
+              <a:rPr lang="en-US" altLang="ja-JP" dirty="0">
                 <a:latin typeface="Century Schoolbook" panose="02040604050505020304" pitchFamily="18" charset="0"/>
                 <a:ea typeface="メイリオ" panose="020B0604030504040204" pitchFamily="50" charset="-128"/>
               </a:rPr>
               <a:t>) = 0 </a:t>
             </a:r>
             <a:r>
-              <a:rPr kumimoji="1" lang="ja-JP" altLang="en-US">
+              <a:rPr kumimoji="1" lang="ja-JP" altLang="en-US" dirty="0">
                 <a:latin typeface="メイリオ" panose="020B0604030504040204" pitchFamily="50" charset="-128"/>
                 <a:ea typeface="メイリオ" panose="020B0604030504040204" pitchFamily="50" charset="-128"/>
               </a:rPr>
               <a:t>として、認識対象の単語列を限定</a:t>
             </a:r>
-            <a:endParaRPr kumimoji="1" lang="en-US" altLang="ja-JP">
+            <a:endParaRPr kumimoji="1" lang="en-US" altLang="ja-JP" dirty="0">
               <a:latin typeface="メイリオ" panose="020B0604030504040204" pitchFamily="50" charset="-128"/>
               <a:ea typeface="メイリオ" panose="020B0604030504040204" pitchFamily="50" charset="-128"/>
             </a:endParaRPr>
@@ -4036,7 +3854,7 @@
               </a:lnSpc>
             </a:pPr>
             <a:r>
-              <a:rPr kumimoji="1" lang="ja-JP" altLang="en-US">
+              <a:rPr kumimoji="1" lang="ja-JP" altLang="en-US" dirty="0">
                 <a:latin typeface="メイリオ" panose="020B0604030504040204" pitchFamily="50" charset="-128"/>
                 <a:ea typeface="メイリオ" panose="020B0604030504040204" pitchFamily="50" charset="-128"/>
               </a:rPr>
@@ -4093,8 +3911,8 @@
         </p:nvSpPr>
         <p:spPr>
           <a:xfrm>
-            <a:off x="628649" y="365126"/>
-            <a:ext cx="8118111" cy="1325563"/>
+            <a:off x="601827" y="343181"/>
+            <a:ext cx="8118111" cy="754099"/>
           </a:xfrm>
         </p:spPr>
         <p:txBody>
@@ -4104,7 +3922,7 @@
           <a:lstStyle/>
           <a:p>
             <a:r>
-              <a:rPr lang="en-US" altLang="ja-JP">
+              <a:rPr lang="en-US" altLang="ja-JP" dirty="0">
                 <a:solidFill>
                   <a:schemeClr val="accent1"/>
                 </a:solidFill>
@@ -4114,7 +3932,7 @@
               <a:t>8.1 </a:t>
             </a:r>
             <a:r>
-              <a:rPr lang="ja-JP" altLang="en-US">
+              <a:rPr lang="ja-JP" altLang="en-US" dirty="0">
                 <a:solidFill>
                   <a:schemeClr val="accent1"/>
                 </a:solidFill>
@@ -4123,7 +3941,7 @@
               </a:rPr>
               <a:t>文法記述による言語モデル</a:t>
             </a:r>
-            <a:endParaRPr kumimoji="1" lang="ja-JP" altLang="en-US">
+            <a:endParaRPr kumimoji="1" lang="ja-JP" altLang="en-US" dirty="0">
               <a:solidFill>
                 <a:schemeClr val="accent1"/>
               </a:solidFill>
@@ -4151,8 +3969,8 @@
         </p:nvSpPr>
         <p:spPr>
           <a:xfrm>
-            <a:off x="553699" y="1326629"/>
-            <a:ext cx="7886700" cy="5111646"/>
+            <a:off x="785165" y="1224216"/>
+            <a:ext cx="10621670" cy="5111646"/>
           </a:xfrm>
         </p:spPr>
         <p:txBody>
@@ -4163,15 +3981,21 @@
               <a:lnSpc>
                 <a:spcPct val="100000"/>
               </a:lnSpc>
+              <a:spcBef>
+                <a:spcPts val="600"/>
+              </a:spcBef>
+              <a:spcAft>
+                <a:spcPts val="600"/>
+              </a:spcAft>
             </a:pPr>
             <a:r>
-              <a:rPr kumimoji="1" lang="ja-JP" altLang="en-US">
+              <a:rPr kumimoji="1" lang="ja-JP" altLang="en-US" dirty="0">
                 <a:latin typeface="メイリオ" panose="020B0604030504040204" pitchFamily="50" charset="-128"/>
                 <a:ea typeface="メイリオ" panose="020B0604030504040204" pitchFamily="50" charset="-128"/>
               </a:rPr>
               <a:t>文法の種類</a:t>
             </a:r>
-            <a:endParaRPr kumimoji="1" lang="en-US" altLang="ja-JP">
+            <a:endParaRPr kumimoji="1" lang="en-US" altLang="ja-JP" dirty="0">
               <a:latin typeface="メイリオ" panose="020B0604030504040204" pitchFamily="50" charset="-128"/>
               <a:ea typeface="メイリオ" panose="020B0604030504040204" pitchFamily="50" charset="-128"/>
             </a:endParaRPr>
@@ -4181,15 +4005,21 @@
               <a:lnSpc>
                 <a:spcPct val="100000"/>
               </a:lnSpc>
+              <a:spcBef>
+                <a:spcPts val="600"/>
+              </a:spcBef>
+              <a:spcAft>
+                <a:spcPts val="600"/>
+              </a:spcAft>
             </a:pPr>
             <a:r>
-              <a:rPr kumimoji="1" lang="ja-JP" altLang="en-US">
+              <a:rPr kumimoji="1" lang="ja-JP" altLang="en-US" dirty="0">
                 <a:latin typeface="メイリオ" panose="020B0604030504040204" pitchFamily="50" charset="-128"/>
                 <a:ea typeface="メイリオ" panose="020B0604030504040204" pitchFamily="50" charset="-128"/>
               </a:rPr>
               <a:t>文脈自由文法</a:t>
             </a:r>
-            <a:endParaRPr kumimoji="1" lang="en-US" altLang="ja-JP">
+            <a:endParaRPr kumimoji="1" lang="en-US" altLang="ja-JP" dirty="0">
               <a:latin typeface="メイリオ" panose="020B0604030504040204" pitchFamily="50" charset="-128"/>
               <a:ea typeface="メイリオ" panose="020B0604030504040204" pitchFamily="50" charset="-128"/>
             </a:endParaRPr>
@@ -4199,15 +4029,21 @@
               <a:lnSpc>
                 <a:spcPct val="100000"/>
               </a:lnSpc>
+              <a:spcBef>
+                <a:spcPts val="600"/>
+              </a:spcBef>
+              <a:spcAft>
+                <a:spcPts val="600"/>
+              </a:spcAft>
             </a:pPr>
             <a:r>
-              <a:rPr lang="ja-JP" altLang="en-US">
+              <a:rPr lang="ja-JP" altLang="en-US" dirty="0">
                 <a:latin typeface="メイリオ" panose="020B0604030504040204" pitchFamily="50" charset="-128"/>
                 <a:ea typeface="メイリオ" panose="020B0604030504040204" pitchFamily="50" charset="-128"/>
               </a:rPr>
               <a:t>文法規則の左辺は非終端記号一つ</a:t>
             </a:r>
-            <a:endParaRPr lang="en-US" altLang="ja-JP">
+            <a:endParaRPr lang="en-US" altLang="ja-JP" dirty="0">
               <a:latin typeface="メイリオ" panose="020B0604030504040204" pitchFamily="50" charset="-128"/>
               <a:ea typeface="メイリオ" panose="020B0604030504040204" pitchFamily="50" charset="-128"/>
             </a:endParaRPr>
@@ -4217,15 +4053,21 @@
               <a:lnSpc>
                 <a:spcPct val="100000"/>
               </a:lnSpc>
+              <a:spcBef>
+                <a:spcPts val="600"/>
+              </a:spcBef>
+              <a:spcAft>
+                <a:spcPts val="600"/>
+              </a:spcAft>
             </a:pPr>
             <a:r>
-              <a:rPr lang="ja-JP" altLang="en-US">
+              <a:rPr lang="ja-JP" altLang="en-US" dirty="0">
                 <a:latin typeface="メイリオ" panose="020B0604030504040204" pitchFamily="50" charset="-128"/>
                 <a:ea typeface="メイリオ" panose="020B0604030504040204" pitchFamily="50" charset="-128"/>
               </a:rPr>
               <a:t>右辺は「終端記号または非終端記号」の列</a:t>
             </a:r>
-            <a:endParaRPr lang="en-US" altLang="ja-JP">
+            <a:endParaRPr lang="en-US" altLang="ja-JP" dirty="0">
               <a:latin typeface="メイリオ" panose="020B0604030504040204" pitchFamily="50" charset="-128"/>
               <a:ea typeface="メイリオ" panose="020B0604030504040204" pitchFamily="50" charset="-128"/>
             </a:endParaRPr>
@@ -4235,15 +4077,21 @@
               <a:lnSpc>
                 <a:spcPct val="100000"/>
               </a:lnSpc>
+              <a:spcBef>
+                <a:spcPts val="600"/>
+              </a:spcBef>
+              <a:spcAft>
+                <a:spcPts val="600"/>
+              </a:spcAft>
             </a:pPr>
             <a:r>
-              <a:rPr kumimoji="1" lang="ja-JP" altLang="en-US">
+              <a:rPr kumimoji="1" lang="ja-JP" altLang="en-US" dirty="0">
                 <a:latin typeface="メイリオ" panose="020B0604030504040204" pitchFamily="50" charset="-128"/>
                 <a:ea typeface="メイリオ" panose="020B0604030504040204" pitchFamily="50" charset="-128"/>
               </a:rPr>
               <a:t>おおよそ自然言語の文法が記述可能</a:t>
             </a:r>
-            <a:endParaRPr kumimoji="1" lang="en-US" altLang="ja-JP">
+            <a:endParaRPr kumimoji="1" lang="en-US" altLang="ja-JP" dirty="0">
               <a:latin typeface="メイリオ" panose="020B0604030504040204" pitchFamily="50" charset="-128"/>
               <a:ea typeface="メイリオ" panose="020B0604030504040204" pitchFamily="50" charset="-128"/>
             </a:endParaRPr>
@@ -4253,15 +4101,21 @@
               <a:lnSpc>
                 <a:spcPct val="100000"/>
               </a:lnSpc>
+              <a:spcBef>
+                <a:spcPts val="600"/>
+              </a:spcBef>
+              <a:spcAft>
+                <a:spcPts val="600"/>
+              </a:spcAft>
             </a:pPr>
             <a:r>
-              <a:rPr kumimoji="1" lang="ja-JP" altLang="en-US">
+              <a:rPr kumimoji="1" lang="ja-JP" altLang="en-US" dirty="0">
                 <a:latin typeface="メイリオ" panose="020B0604030504040204" pitchFamily="50" charset="-128"/>
                 <a:ea typeface="メイリオ" panose="020B0604030504040204" pitchFamily="50" charset="-128"/>
               </a:rPr>
               <a:t>正規文法</a:t>
             </a:r>
-            <a:endParaRPr kumimoji="1" lang="en-US" altLang="ja-JP">
+            <a:endParaRPr kumimoji="1" lang="en-US" altLang="ja-JP" dirty="0">
               <a:latin typeface="メイリオ" panose="020B0604030504040204" pitchFamily="50" charset="-128"/>
               <a:ea typeface="メイリオ" panose="020B0604030504040204" pitchFamily="50" charset="-128"/>
             </a:endParaRPr>
@@ -4271,15 +4125,21 @@
               <a:lnSpc>
                 <a:spcPct val="100000"/>
               </a:lnSpc>
+              <a:spcBef>
+                <a:spcPts val="600"/>
+              </a:spcBef>
+              <a:spcAft>
+                <a:spcPts val="600"/>
+              </a:spcAft>
             </a:pPr>
             <a:r>
-              <a:rPr kumimoji="1" lang="ja-JP" altLang="en-US">
+              <a:rPr kumimoji="1" lang="ja-JP" altLang="en-US" dirty="0">
                 <a:latin typeface="メイリオ" panose="020B0604030504040204" pitchFamily="50" charset="-128"/>
                 <a:ea typeface="メイリオ" panose="020B0604030504040204" pitchFamily="50" charset="-128"/>
               </a:rPr>
               <a:t>文法規則の左辺は非終端記号一つ</a:t>
             </a:r>
-            <a:endParaRPr kumimoji="1" lang="en-US" altLang="ja-JP">
+            <a:endParaRPr kumimoji="1" lang="en-US" altLang="ja-JP" dirty="0">
               <a:latin typeface="メイリオ" panose="020B0604030504040204" pitchFamily="50" charset="-128"/>
               <a:ea typeface="メイリオ" panose="020B0604030504040204" pitchFamily="50" charset="-128"/>
             </a:endParaRPr>
@@ -4289,15 +4149,21 @@
               <a:lnSpc>
                 <a:spcPct val="100000"/>
               </a:lnSpc>
+              <a:spcBef>
+                <a:spcPts val="600"/>
+              </a:spcBef>
+              <a:spcAft>
+                <a:spcPts val="600"/>
+              </a:spcAft>
             </a:pPr>
             <a:r>
-              <a:rPr kumimoji="1" lang="ja-JP" altLang="en-US">
+              <a:rPr kumimoji="1" lang="ja-JP" altLang="en-US" dirty="0">
                 <a:latin typeface="メイリオ" panose="020B0604030504040204" pitchFamily="50" charset="-128"/>
                 <a:ea typeface="メイリオ" panose="020B0604030504040204" pitchFamily="50" charset="-128"/>
               </a:rPr>
               <a:t>右辺は「終端記号」、「終端記号＋非終端記号」、「空文字列」のいずれか</a:t>
             </a:r>
-            <a:endParaRPr kumimoji="1" lang="en-US" altLang="ja-JP">
+            <a:endParaRPr kumimoji="1" lang="en-US" altLang="ja-JP" dirty="0">
               <a:latin typeface="メイリオ" panose="020B0604030504040204" pitchFamily="50" charset="-128"/>
               <a:ea typeface="メイリオ" panose="020B0604030504040204" pitchFamily="50" charset="-128"/>
             </a:endParaRPr>
@@ -4307,15 +4173,21 @@
               <a:lnSpc>
                 <a:spcPct val="100000"/>
               </a:lnSpc>
+              <a:spcBef>
+                <a:spcPts val="600"/>
+              </a:spcBef>
+              <a:spcAft>
+                <a:spcPts val="600"/>
+              </a:spcAft>
             </a:pPr>
             <a:r>
-              <a:rPr kumimoji="1" lang="ja-JP" altLang="en-US">
+              <a:rPr kumimoji="1" lang="ja-JP" altLang="en-US" dirty="0">
                 <a:latin typeface="メイリオ" panose="020B0604030504040204" pitchFamily="50" charset="-128"/>
                 <a:ea typeface="メイリオ" panose="020B0604030504040204" pitchFamily="50" charset="-128"/>
               </a:rPr>
               <a:t>おおよそ文節レベルの文法が記述可能</a:t>
             </a:r>
-            <a:endParaRPr kumimoji="1" lang="en-US" altLang="ja-JP">
+            <a:endParaRPr kumimoji="1" lang="en-US" altLang="ja-JP" dirty="0">
               <a:latin typeface="メイリオ" panose="020B0604030504040204" pitchFamily="50" charset="-128"/>
               <a:ea typeface="メイリオ" panose="020B0604030504040204" pitchFamily="50" charset="-128"/>
             </a:endParaRPr>
@@ -4325,15 +4197,21 @@
               <a:lnSpc>
                 <a:spcPct val="100000"/>
               </a:lnSpc>
+              <a:spcBef>
+                <a:spcPts val="600"/>
+              </a:spcBef>
+              <a:spcAft>
+                <a:spcPts val="600"/>
+              </a:spcAft>
             </a:pPr>
             <a:r>
-              <a:rPr kumimoji="1" lang="ja-JP" altLang="en-US">
+              <a:rPr kumimoji="1" lang="ja-JP" altLang="en-US" dirty="0">
                 <a:latin typeface="メイリオ" panose="020B0604030504040204" pitchFamily="50" charset="-128"/>
                 <a:ea typeface="メイリオ" panose="020B0604030504040204" pitchFamily="50" charset="-128"/>
               </a:rPr>
               <a:t>典型的な音声対話システムの文法は、正規文法の範囲内で記述可能</a:t>
             </a:r>
-            <a:endParaRPr kumimoji="1" lang="en-US" altLang="ja-JP">
+            <a:endParaRPr kumimoji="1" lang="en-US" altLang="ja-JP" dirty="0">
               <a:latin typeface="メイリオ" panose="020B0604030504040204" pitchFamily="50" charset="-128"/>
               <a:ea typeface="メイリオ" panose="020B0604030504040204" pitchFamily="50" charset="-128"/>
             </a:endParaRPr>
@@ -4388,8 +4266,8 @@
         </p:nvSpPr>
         <p:spPr>
           <a:xfrm>
-            <a:off x="628649" y="365126"/>
-            <a:ext cx="8020675" cy="1325563"/>
+            <a:off x="645718" y="377890"/>
+            <a:ext cx="8020675" cy="883905"/>
           </a:xfrm>
         </p:spPr>
         <p:txBody>
@@ -4399,7 +4277,7 @@
           <a:lstStyle/>
           <a:p>
             <a:r>
-              <a:rPr lang="en-US" altLang="ja-JP">
+              <a:rPr lang="en-US" altLang="ja-JP" dirty="0">
                 <a:solidFill>
                   <a:schemeClr val="accent1"/>
                 </a:solidFill>
@@ -4409,7 +4287,7 @@
               <a:t>8.2 </a:t>
             </a:r>
             <a:r>
-              <a:rPr lang="ja-JP" altLang="en-US">
+              <a:rPr lang="ja-JP" altLang="en-US" dirty="0">
                 <a:solidFill>
                   <a:schemeClr val="accent1"/>
                 </a:solidFill>
@@ -4418,7 +4296,7 @@
               </a:rPr>
               <a:t>統計的言語モデルの考え方</a:t>
             </a:r>
-            <a:endParaRPr kumimoji="1" lang="ja-JP" altLang="en-US">
+            <a:endParaRPr kumimoji="1" lang="ja-JP" altLang="en-US" dirty="0">
               <a:solidFill>
                 <a:schemeClr val="accent1"/>
               </a:solidFill>
@@ -4446,8 +4324,8 @@
         </p:nvSpPr>
         <p:spPr>
           <a:xfrm>
-            <a:off x="336342" y="1548307"/>
-            <a:ext cx="7886700" cy="4351338"/>
+            <a:off x="645718" y="1253331"/>
+            <a:ext cx="10049104" cy="4351338"/>
           </a:xfrm>
         </p:spPr>
         <p:txBody>
@@ -4458,15 +4336,21 @@
               <a:lnSpc>
                 <a:spcPct val="100000"/>
               </a:lnSpc>
+              <a:spcBef>
+                <a:spcPts val="600"/>
+              </a:spcBef>
+              <a:spcAft>
+                <a:spcPts val="600"/>
+              </a:spcAft>
             </a:pPr>
             <a:r>
-              <a:rPr kumimoji="1" lang="ja-JP" altLang="en-US">
+              <a:rPr kumimoji="1" lang="ja-JP" altLang="en-US" dirty="0">
                 <a:latin typeface="メイリオ" panose="020B0604030504040204" pitchFamily="50" charset="-128"/>
                 <a:ea typeface="メイリオ" panose="020B0604030504040204" pitchFamily="50" charset="-128"/>
               </a:rPr>
               <a:t>統計的言語モデル</a:t>
             </a:r>
-            <a:endParaRPr kumimoji="1" lang="en-US" altLang="ja-JP">
+            <a:endParaRPr kumimoji="1" lang="en-US" altLang="ja-JP" dirty="0">
               <a:latin typeface="メイリオ" panose="020B0604030504040204" pitchFamily="50" charset="-128"/>
               <a:ea typeface="メイリオ" panose="020B0604030504040204" pitchFamily="50" charset="-128"/>
             </a:endParaRPr>
@@ -4476,99 +4360,105 @@
               <a:lnSpc>
                 <a:spcPct val="100000"/>
               </a:lnSpc>
+              <a:spcBef>
+                <a:spcPts val="600"/>
+              </a:spcBef>
+              <a:spcAft>
+                <a:spcPts val="600"/>
+              </a:spcAft>
             </a:pPr>
             <a:r>
-              <a:rPr lang="en-US" altLang="ja-JP" i="1">
+              <a:rPr lang="en-US" altLang="ja-JP" i="1" dirty="0">
                 <a:latin typeface="Century Schoolbook" panose="02040604050505020304" pitchFamily="18" charset="0"/>
                 <a:ea typeface="メイリオ" panose="020B0604030504040204" pitchFamily="50" charset="-128"/>
               </a:rPr>
               <a:t>P</a:t>
             </a:r>
             <a:r>
-              <a:rPr lang="en-US" altLang="ja-JP">
+              <a:rPr lang="en-US" altLang="ja-JP" dirty="0">
                 <a:latin typeface="Century Schoolbook" panose="02040604050505020304" pitchFamily="18" charset="0"/>
                 <a:ea typeface="メイリオ" panose="020B0604030504040204" pitchFamily="50" charset="-128"/>
               </a:rPr>
               <a:t>(</a:t>
             </a:r>
             <a:r>
-              <a:rPr lang="en-US" altLang="ja-JP" i="1">
+              <a:rPr lang="en-US" altLang="ja-JP" i="1" dirty="0">
                 <a:latin typeface="Century Schoolbook" panose="02040604050505020304" pitchFamily="18" charset="0"/>
                 <a:ea typeface="メイリオ" panose="020B0604030504040204" pitchFamily="50" charset="-128"/>
               </a:rPr>
               <a:t>W</a:t>
             </a:r>
             <a:r>
-              <a:rPr lang="en-US" altLang="ja-JP">
+              <a:rPr lang="en-US" altLang="ja-JP" dirty="0">
                 <a:latin typeface="Century Schoolbook" panose="02040604050505020304" pitchFamily="18" charset="0"/>
                 <a:ea typeface="メイリオ" panose="020B0604030504040204" pitchFamily="50" charset="-128"/>
               </a:rPr>
               <a:t>) = </a:t>
             </a:r>
             <a:r>
-              <a:rPr lang="en-US" altLang="ja-JP" i="1">
+              <a:rPr lang="en-US" altLang="ja-JP" i="1" dirty="0">
                 <a:latin typeface="Century Schoolbook" panose="02040604050505020304" pitchFamily="18" charset="0"/>
                 <a:ea typeface="メイリオ" panose="020B0604030504040204" pitchFamily="50" charset="-128"/>
               </a:rPr>
               <a:t>P</a:t>
             </a:r>
             <a:r>
-              <a:rPr lang="en-US" altLang="ja-JP">
+              <a:rPr lang="en-US" altLang="ja-JP" dirty="0">
                 <a:latin typeface="Century Schoolbook" panose="02040604050505020304" pitchFamily="18" charset="0"/>
                 <a:ea typeface="メイリオ" panose="020B0604030504040204" pitchFamily="50" charset="-128"/>
               </a:rPr>
               <a:t>(</a:t>
             </a:r>
             <a:r>
-              <a:rPr lang="en-US" altLang="ja-JP" i="1">
+              <a:rPr lang="en-US" altLang="ja-JP" i="1" dirty="0">
                 <a:latin typeface="Century Schoolbook" panose="02040604050505020304" pitchFamily="18" charset="0"/>
                 <a:ea typeface="メイリオ" panose="020B0604030504040204" pitchFamily="50" charset="-128"/>
               </a:rPr>
               <a:t>w</a:t>
             </a:r>
             <a:r>
-              <a:rPr lang="en-US" altLang="ja-JP" i="1" baseline="-25000">
+              <a:rPr lang="en-US" altLang="ja-JP" i="1" baseline="-25000" dirty="0">
                 <a:latin typeface="Century Schoolbook" panose="02040604050505020304" pitchFamily="18" charset="0"/>
                 <a:ea typeface="メイリオ" panose="020B0604030504040204" pitchFamily="50" charset="-128"/>
               </a:rPr>
               <a:t>1</a:t>
             </a:r>
             <a:r>
-              <a:rPr lang="en-US" altLang="ja-JP">
+              <a:rPr lang="en-US" altLang="ja-JP" dirty="0">
                 <a:latin typeface="Century Schoolbook" panose="02040604050505020304" pitchFamily="18" charset="0"/>
                 <a:ea typeface="メイリオ" panose="020B0604030504040204" pitchFamily="50" charset="-128"/>
               </a:rPr>
               <a:t>,...,</a:t>
             </a:r>
             <a:r>
-              <a:rPr lang="en-US" altLang="ja-JP" i="1">
+              <a:rPr lang="en-US" altLang="ja-JP" i="1" dirty="0" err="1">
                 <a:latin typeface="Century Schoolbook" panose="02040604050505020304" pitchFamily="18" charset="0"/>
                 <a:ea typeface="メイリオ" panose="020B0604030504040204" pitchFamily="50" charset="-128"/>
               </a:rPr>
               <a:t>w</a:t>
             </a:r>
             <a:r>
-              <a:rPr lang="en-US" altLang="ja-JP" i="1" baseline="-25000">
+              <a:rPr lang="en-US" altLang="ja-JP" i="1" baseline="-25000" dirty="0" err="1">
                 <a:latin typeface="Century Schoolbook" panose="02040604050505020304" pitchFamily="18" charset="0"/>
                 <a:ea typeface="メイリオ" panose="020B0604030504040204" pitchFamily="50" charset="-128"/>
               </a:rPr>
               <a:t>n</a:t>
             </a:r>
             <a:r>
-              <a:rPr lang="en-US" altLang="ja-JP">
+              <a:rPr lang="en-US" altLang="ja-JP" dirty="0">
                 <a:latin typeface="Century Schoolbook" panose="02040604050505020304" pitchFamily="18" charset="0"/>
                 <a:ea typeface="メイリオ" panose="020B0604030504040204" pitchFamily="50" charset="-128"/>
               </a:rPr>
               <a:t>) </a:t>
             </a:r>
             <a:r>
-              <a:rPr lang="ja-JP" altLang="en-US">
+              <a:rPr lang="ja-JP" altLang="en-US" dirty="0">
                 <a:latin typeface="Century Schoolbook" panose="02040604050505020304" pitchFamily="18" charset="0"/>
                 <a:ea typeface="メイリオ" panose="020B0604030504040204" pitchFamily="50" charset="-128"/>
               </a:rPr>
               <a:t>の値を言語統計から求める</a:t>
             </a:r>
-            <a:endParaRPr lang="en-US" altLang="ja-JP">
+            <a:endParaRPr lang="en-US" altLang="ja-JP" dirty="0">
               <a:latin typeface="Century Schoolbook" panose="02040604050505020304" pitchFamily="18" charset="0"/>
               <a:ea typeface="メイリオ" panose="020B0604030504040204" pitchFamily="50" charset="-128"/>
             </a:endParaRPr>
@@ -4578,15 +4468,70 @@
               <a:lnSpc>
                 <a:spcPct val="100000"/>
               </a:lnSpc>
+              <a:spcBef>
+                <a:spcPts val="600"/>
+              </a:spcBef>
+              <a:spcAft>
+                <a:spcPts val="600"/>
+              </a:spcAft>
             </a:pPr>
             <a:r>
-              <a:rPr kumimoji="1" lang="ja-JP" altLang="en-US">
+              <a:rPr kumimoji="1" lang="ja-JP" altLang="en-US" dirty="0">
                 <a:latin typeface="メイリオ" panose="020B0604030504040204" pitchFamily="50" charset="-128"/>
                 <a:ea typeface="メイリオ" panose="020B0604030504040204" pitchFamily="50" charset="-128"/>
               </a:rPr>
               <a:t>条件付き確率への展開</a:t>
             </a:r>
-            <a:endParaRPr kumimoji="1" lang="en-US" altLang="ja-JP">
+            <a:endParaRPr kumimoji="1" lang="en-US" altLang="ja-JP" dirty="0">
+              <a:latin typeface="メイリオ" panose="020B0604030504040204" pitchFamily="50" charset="-128"/>
+              <a:ea typeface="メイリオ" panose="020B0604030504040204" pitchFamily="50" charset="-128"/>
+            </a:endParaRPr>
+          </a:p>
+          <a:p>
+            <a:pPr marL="457200" lvl="1" indent="0">
+              <a:lnSpc>
+                <a:spcPct val="100000"/>
+              </a:lnSpc>
+              <a:spcBef>
+                <a:spcPts val="600"/>
+              </a:spcBef>
+              <a:spcAft>
+                <a:spcPts val="600"/>
+              </a:spcAft>
+              <a:buNone/>
+            </a:pPr>
+            <a:endParaRPr kumimoji="1" lang="en-US" altLang="ja-JP" dirty="0">
+              <a:latin typeface="メイリオ" panose="020B0604030504040204" pitchFamily="50" charset="-128"/>
+              <a:ea typeface="メイリオ" panose="020B0604030504040204" pitchFamily="50" charset="-128"/>
+            </a:endParaRPr>
+          </a:p>
+          <a:p>
+            <a:pPr>
+              <a:lnSpc>
+                <a:spcPct val="100000"/>
+              </a:lnSpc>
+              <a:spcBef>
+                <a:spcPts val="600"/>
+              </a:spcBef>
+              <a:spcAft>
+                <a:spcPts val="600"/>
+              </a:spcAft>
+            </a:pPr>
+            <a:r>
+              <a:rPr kumimoji="1" lang="en-US" altLang="ja-JP" dirty="0">
+                <a:latin typeface="メイリオ" panose="020B0604030504040204" pitchFamily="50" charset="-128"/>
+                <a:ea typeface="メイリオ" panose="020B0604030504040204" pitchFamily="50" charset="-128"/>
+              </a:rPr>
+              <a:t>N-</a:t>
+            </a:r>
+            <a:r>
+              <a:rPr kumimoji="1" lang="ja-JP" altLang="en-US" dirty="0">
+                <a:latin typeface="メイリオ" panose="020B0604030504040204" pitchFamily="50" charset="-128"/>
+                <a:ea typeface="メイリオ" panose="020B0604030504040204" pitchFamily="50" charset="-128"/>
+              </a:rPr>
+              <a:t>グラム言語モデル</a:t>
+            </a:r>
+            <a:endParaRPr kumimoji="1" lang="en-US" altLang="ja-JP" dirty="0">
               <a:latin typeface="メイリオ" panose="020B0604030504040204" pitchFamily="50" charset="-128"/>
               <a:ea typeface="メイリオ" panose="020B0604030504040204" pitchFamily="50" charset="-128"/>
             </a:endParaRPr>
@@ -4596,8 +4541,21 @@
               <a:lnSpc>
                 <a:spcPct val="100000"/>
               </a:lnSpc>
+              <a:spcBef>
+                <a:spcPts val="600"/>
+              </a:spcBef>
+              <a:spcAft>
+                <a:spcPts val="600"/>
+              </a:spcAft>
             </a:pPr>
-            <a:endParaRPr lang="en-US" altLang="ja-JP">
+            <a:r>
+              <a:rPr kumimoji="1" lang="ja-JP" altLang="en-US" dirty="0">
+                <a:latin typeface="メイリオ" panose="020B0604030504040204" pitchFamily="50" charset="-128"/>
+                <a:ea typeface="メイリオ" panose="020B0604030504040204" pitchFamily="50" charset="-128"/>
+              </a:rPr>
+              <a:t>長い履歴を持つ条件付き確率の値の推定は難しい</a:t>
+            </a:r>
+            <a:endParaRPr kumimoji="1" lang="en-US" altLang="ja-JP" dirty="0">
               <a:latin typeface="メイリオ" panose="020B0604030504040204" pitchFamily="50" charset="-128"/>
               <a:ea typeface="メイリオ" panose="020B0604030504040204" pitchFamily="50" charset="-128"/>
             </a:endParaRPr>
@@ -4607,33 +4565,35 @@
               <a:lnSpc>
                 <a:spcPct val="100000"/>
               </a:lnSpc>
+              <a:spcBef>
+                <a:spcPts val="600"/>
+              </a:spcBef>
+              <a:spcAft>
+                <a:spcPts val="600"/>
+              </a:spcAft>
             </a:pPr>
-            <a:endParaRPr kumimoji="1" lang="en-US" altLang="ja-JP">
-              <a:latin typeface="メイリオ" panose="020B0604030504040204" pitchFamily="50" charset="-128"/>
-              <a:ea typeface="メイリオ" panose="020B0604030504040204" pitchFamily="50" charset="-128"/>
-            </a:endParaRPr>
-          </a:p>
-          <a:p>
-            <a:pPr>
-              <a:lnSpc>
-                <a:spcPct val="100000"/>
-              </a:lnSpc>
-            </a:pPr>
-            <a:r>
-              <a:rPr kumimoji="1" lang="en-US" altLang="ja-JP">
-                <a:latin typeface="メイリオ" panose="020B0604030504040204" pitchFamily="50" charset="-128"/>
-                <a:ea typeface="メイリオ" panose="020B0604030504040204" pitchFamily="50" charset="-128"/>
-              </a:rPr>
-              <a:t>N-</a:t>
-            </a:r>
-            <a:r>
-              <a:rPr kumimoji="1" lang="ja-JP" altLang="en-US">
-                <a:latin typeface="メイリオ" panose="020B0604030504040204" pitchFamily="50" charset="-128"/>
-                <a:ea typeface="メイリオ" panose="020B0604030504040204" pitchFamily="50" charset="-128"/>
-              </a:rPr>
-              <a:t>グラム言語モデル</a:t>
-            </a:r>
-            <a:endParaRPr kumimoji="1" lang="en-US" altLang="ja-JP">
+            <a:r>
+              <a:rPr kumimoji="1" lang="ja-JP" altLang="en-US" dirty="0">
+                <a:latin typeface="メイリオ" panose="020B0604030504040204" pitchFamily="50" charset="-128"/>
+                <a:ea typeface="メイリオ" panose="020B0604030504040204" pitchFamily="50" charset="-128"/>
+              </a:rPr>
+              <a:t>履歴を過去</a:t>
+            </a:r>
+            <a:r>
+              <a:rPr kumimoji="1" lang="en-US" altLang="ja-JP" dirty="0">
+                <a:latin typeface="メイリオ" panose="020B0604030504040204" pitchFamily="50" charset="-128"/>
+                <a:ea typeface="メイリオ" panose="020B0604030504040204" pitchFamily="50" charset="-128"/>
+              </a:rPr>
+              <a:t>N-1</a:t>
+            </a:r>
+            <a:r>
+              <a:rPr kumimoji="1" lang="ja-JP" altLang="en-US" dirty="0">
+                <a:latin typeface="メイリオ" panose="020B0604030504040204" pitchFamily="50" charset="-128"/>
+                <a:ea typeface="メイリオ" panose="020B0604030504040204" pitchFamily="50" charset="-128"/>
+              </a:rPr>
+              <a:t>単語で近似</a:t>
+            </a:r>
+            <a:endParaRPr kumimoji="1" lang="en-US" altLang="ja-JP" dirty="0">
               <a:latin typeface="メイリオ" panose="020B0604030504040204" pitchFamily="50" charset="-128"/>
               <a:ea typeface="メイリオ" panose="020B0604030504040204" pitchFamily="50" charset="-128"/>
             </a:endParaRPr>
@@ -4643,58 +4603,14 @@
               <a:lnSpc>
                 <a:spcPct val="100000"/>
               </a:lnSpc>
+              <a:spcBef>
+                <a:spcPts val="600"/>
+              </a:spcBef>
+              <a:spcAft>
+                <a:spcPts val="600"/>
+              </a:spcAft>
             </a:pPr>
-            <a:r>
-              <a:rPr kumimoji="1" lang="ja-JP" altLang="en-US">
-                <a:latin typeface="メイリオ" panose="020B0604030504040204" pitchFamily="50" charset="-128"/>
-                <a:ea typeface="メイリオ" panose="020B0604030504040204" pitchFamily="50" charset="-128"/>
-              </a:rPr>
-              <a:t>長い履歴を持つ条件付き確率の値の推定は難しい</a:t>
-            </a:r>
-            <a:endParaRPr kumimoji="1" lang="en-US" altLang="ja-JP">
-              <a:latin typeface="メイリオ" panose="020B0604030504040204" pitchFamily="50" charset="-128"/>
-              <a:ea typeface="メイリオ" panose="020B0604030504040204" pitchFamily="50" charset="-128"/>
-            </a:endParaRPr>
-          </a:p>
-          <a:p>
-            <a:pPr lvl="1">
-              <a:lnSpc>
-                <a:spcPct val="100000"/>
-              </a:lnSpc>
-            </a:pPr>
-            <a:r>
-              <a:rPr kumimoji="1" lang="ja-JP" altLang="en-US">
-                <a:latin typeface="メイリオ" panose="020B0604030504040204" pitchFamily="50" charset="-128"/>
-                <a:ea typeface="メイリオ" panose="020B0604030504040204" pitchFamily="50" charset="-128"/>
-              </a:rPr>
-              <a:t>履歴を、過去</a:t>
-            </a:r>
-            <a:r>
-              <a:rPr kumimoji="1" lang="en-US" altLang="ja-JP">
-                <a:latin typeface="メイリオ" panose="020B0604030504040204" pitchFamily="50" charset="-128"/>
-                <a:ea typeface="メイリオ" panose="020B0604030504040204" pitchFamily="50" charset="-128"/>
-              </a:rPr>
-              <a:t>N-1</a:t>
-            </a:r>
-            <a:r>
-              <a:rPr kumimoji="1" lang="ja-JP" altLang="en-US">
-                <a:latin typeface="メイリオ" panose="020B0604030504040204" pitchFamily="50" charset="-128"/>
-                <a:ea typeface="メイリオ" panose="020B0604030504040204" pitchFamily="50" charset="-128"/>
-              </a:rPr>
-              <a:t>単語で近似</a:t>
-            </a:r>
-            <a:endParaRPr kumimoji="1" lang="en-US" altLang="ja-JP">
-              <a:latin typeface="メイリオ" panose="020B0604030504040204" pitchFamily="50" charset="-128"/>
-              <a:ea typeface="メイリオ" panose="020B0604030504040204" pitchFamily="50" charset="-128"/>
-            </a:endParaRPr>
-          </a:p>
-          <a:p>
-            <a:pPr lvl="1">
-              <a:lnSpc>
-                <a:spcPct val="100000"/>
-              </a:lnSpc>
-            </a:pPr>
-            <a:endParaRPr kumimoji="1" lang="ja-JP" altLang="en-US">
+            <a:endParaRPr kumimoji="1" lang="ja-JP" altLang="en-US" dirty="0">
               <a:latin typeface="メイリオ" panose="020B0604030504040204" pitchFamily="50" charset="-128"/>
               <a:ea typeface="メイリオ" panose="020B0604030504040204" pitchFamily="50" charset="-128"/>
             </a:endParaRPr>
@@ -4723,7 +4639,7 @@
         </p:blipFill>
         <p:spPr>
           <a:xfrm>
-            <a:off x="1018098" y="3129896"/>
+            <a:off x="2095450" y="2910440"/>
             <a:ext cx="7752381" cy="253432"/>
           </a:xfrm>
           <a:prstGeom prst="rect">
@@ -4753,7 +4669,7 @@
         </p:blipFill>
         <p:spPr>
           <a:xfrm>
-            <a:off x="1155849" y="5425952"/>
+            <a:off x="2219809" y="5218185"/>
             <a:ext cx="6727369" cy="772967"/>
           </a:xfrm>
           <a:prstGeom prst="rect">
@@ -4809,8 +4725,8 @@
         </p:nvSpPr>
         <p:spPr>
           <a:xfrm>
-            <a:off x="628649" y="365126"/>
-            <a:ext cx="8020675" cy="1325563"/>
+            <a:off x="579882" y="444094"/>
+            <a:ext cx="8020675" cy="944294"/>
           </a:xfrm>
         </p:spPr>
         <p:txBody>
@@ -4820,7 +4736,7 @@
           <a:lstStyle/>
           <a:p>
             <a:r>
-              <a:rPr lang="en-US" altLang="ja-JP">
+              <a:rPr lang="en-US" altLang="ja-JP" dirty="0">
                 <a:solidFill>
                   <a:schemeClr val="accent1"/>
                 </a:solidFill>
@@ -4830,7 +4746,7 @@
               <a:t>8.2 </a:t>
             </a:r>
             <a:r>
-              <a:rPr lang="ja-JP" altLang="en-US">
+              <a:rPr lang="ja-JP" altLang="en-US" dirty="0">
                 <a:solidFill>
                   <a:schemeClr val="accent1"/>
                 </a:solidFill>
@@ -4839,7 +4755,7 @@
               </a:rPr>
               <a:t>統計的言語モデルの考え方</a:t>
             </a:r>
-            <a:endParaRPr kumimoji="1" lang="ja-JP" altLang="en-US">
+            <a:endParaRPr kumimoji="1" lang="ja-JP" altLang="en-US" dirty="0">
               <a:solidFill>
                 <a:schemeClr val="accent1"/>
               </a:solidFill>
@@ -4877,7 +4793,7 @@
         </p:blipFill>
         <p:spPr>
           <a:xfrm>
-            <a:off x="824414" y="1388388"/>
+            <a:off x="2183545" y="1264030"/>
             <a:ext cx="7824910" cy="4997422"/>
           </a:xfrm>
           <a:prstGeom prst="rect">
@@ -4933,8 +4849,8 @@
         </p:nvSpPr>
         <p:spPr>
           <a:xfrm>
-            <a:off x="628649" y="365126"/>
-            <a:ext cx="8020675" cy="1325563"/>
+            <a:off x="433578" y="489486"/>
+            <a:ext cx="8020675" cy="878457"/>
           </a:xfrm>
         </p:spPr>
         <p:txBody>
@@ -4944,7 +4860,7 @@
           <a:lstStyle/>
           <a:p>
             <a:r>
-              <a:rPr lang="en-US" altLang="ja-JP">
+              <a:rPr lang="en-US" altLang="ja-JP" dirty="0">
                 <a:solidFill>
                   <a:schemeClr val="accent1"/>
                 </a:solidFill>
@@ -4954,7 +4870,7 @@
               <a:t>8.3 </a:t>
             </a:r>
             <a:r>
-              <a:rPr lang="ja-JP" altLang="en-US">
+              <a:rPr lang="ja-JP" altLang="en-US" dirty="0">
                 <a:solidFill>
                   <a:schemeClr val="accent1"/>
                 </a:solidFill>
@@ -4963,7 +4879,7 @@
               </a:rPr>
               <a:t>統計的言語モデルの作り方</a:t>
             </a:r>
-            <a:endParaRPr kumimoji="1" lang="ja-JP" altLang="en-US">
+            <a:endParaRPr kumimoji="1" lang="ja-JP" altLang="en-US" dirty="0">
               <a:solidFill>
                 <a:schemeClr val="accent1"/>
               </a:solidFill>
@@ -4989,7 +4905,12 @@
             <p:ph idx="1"/>
           </p:nvPr>
         </p:nvSpPr>
-        <p:spPr/>
+        <p:spPr>
+          <a:xfrm>
+            <a:off x="669951" y="1426464"/>
+            <a:ext cx="10515600" cy="4728553"/>
+          </a:xfrm>
+        </p:spPr>
         <p:txBody>
           <a:bodyPr>
             <a:normAutofit/>
@@ -5000,17 +4921,23 @@
               <a:lnSpc>
                 <a:spcPct val="100000"/>
               </a:lnSpc>
+              <a:spcBef>
+                <a:spcPts val="600"/>
+              </a:spcBef>
+              <a:spcAft>
+                <a:spcPts val="600"/>
+              </a:spcAft>
               <a:buFont typeface="+mj-lt"/>
               <a:buAutoNum type="arabicPeriod"/>
             </a:pPr>
             <a:r>
-              <a:rPr lang="ja-JP" altLang="en-US">
+              <a:rPr lang="ja-JP" altLang="en-US" dirty="0">
                 <a:latin typeface="メイリオ" panose="020B0604030504040204" pitchFamily="50" charset="-128"/>
                 <a:ea typeface="メイリオ" panose="020B0604030504040204" pitchFamily="50" charset="-128"/>
               </a:rPr>
               <a:t>コーパスを準備する</a:t>
             </a:r>
-            <a:endParaRPr lang="en-US" altLang="ja-JP">
+            <a:endParaRPr lang="en-US" altLang="ja-JP" dirty="0">
               <a:latin typeface="メイリオ" panose="020B0604030504040204" pitchFamily="50" charset="-128"/>
               <a:ea typeface="メイリオ" panose="020B0604030504040204" pitchFamily="50" charset="-128"/>
             </a:endParaRPr>
@@ -5020,24 +4947,30 @@
               <a:lnSpc>
                 <a:spcPct val="100000"/>
               </a:lnSpc>
+              <a:spcBef>
+                <a:spcPts val="600"/>
+              </a:spcBef>
+              <a:spcAft>
+                <a:spcPts val="600"/>
+              </a:spcAft>
               <a:buNone/>
             </a:pPr>
             <a:r>
-              <a:rPr lang="ja-JP" altLang="en-US">
+              <a:rPr lang="ja-JP" altLang="en-US" dirty="0">
                 <a:latin typeface="メイリオ" panose="020B0604030504040204" pitchFamily="50" charset="-128"/>
                 <a:ea typeface="メイリオ" panose="020B0604030504040204" pitchFamily="50" charset="-128"/>
               </a:rPr>
               <a:t>大量の電子化された文章（新聞記事、</a:t>
             </a:r>
             <a:r>
-              <a:rPr lang="en-US" altLang="ja-JP">
+              <a:rPr lang="en-US" altLang="ja-JP" dirty="0">
                 <a:latin typeface="メイリオ" panose="020B0604030504040204" pitchFamily="50" charset="-128"/>
                 <a:ea typeface="メイリオ" panose="020B0604030504040204" pitchFamily="50" charset="-128"/>
               </a:rPr>
               <a:t>web</a:t>
             </a:r>
             <a:r>
-              <a:rPr lang="ja-JP" altLang="en-US">
+              <a:rPr lang="ja-JP" altLang="en-US" dirty="0">
                 <a:latin typeface="メイリオ" panose="020B0604030504040204" pitchFamily="50" charset="-128"/>
                 <a:ea typeface="メイリオ" panose="020B0604030504040204" pitchFamily="50" charset="-128"/>
               </a:rPr>
@@ -5049,17 +4982,23 @@
               <a:lnSpc>
                 <a:spcPct val="100000"/>
               </a:lnSpc>
+              <a:spcBef>
+                <a:spcPts val="600"/>
+              </a:spcBef>
+              <a:spcAft>
+                <a:spcPts val="600"/>
+              </a:spcAft>
               <a:buFont typeface="+mj-lt"/>
               <a:buAutoNum type="arabicPeriod"/>
             </a:pPr>
             <a:r>
-              <a:rPr lang="ja-JP" altLang="en-US">
+              <a:rPr lang="ja-JP" altLang="en-US" dirty="0">
                 <a:latin typeface="メイリオ" panose="020B0604030504040204" pitchFamily="50" charset="-128"/>
                 <a:ea typeface="メイリオ" panose="020B0604030504040204" pitchFamily="50" charset="-128"/>
               </a:rPr>
               <a:t>コーパスを単語に区切る</a:t>
             </a:r>
-            <a:endParaRPr lang="en-US" altLang="ja-JP">
+            <a:endParaRPr lang="en-US" altLang="ja-JP" dirty="0">
               <a:latin typeface="メイリオ" panose="020B0604030504040204" pitchFamily="50" charset="-128"/>
               <a:ea typeface="メイリオ" panose="020B0604030504040204" pitchFamily="50" charset="-128"/>
             </a:endParaRPr>
@@ -5069,10 +5008,16 @@
               <a:lnSpc>
                 <a:spcPct val="100000"/>
               </a:lnSpc>
+              <a:spcBef>
+                <a:spcPts val="600"/>
+              </a:spcBef>
+              <a:spcAft>
+                <a:spcPts val="600"/>
+              </a:spcAft>
               <a:buNone/>
             </a:pPr>
             <a:r>
-              <a:rPr lang="ja-JP" altLang="en-US">
+              <a:rPr lang="ja-JP" altLang="en-US" dirty="0">
                 <a:latin typeface="メイリオ" panose="020B0604030504040204" pitchFamily="50" charset="-128"/>
                 <a:ea typeface="メイリオ" panose="020B0604030504040204" pitchFamily="50" charset="-128"/>
               </a:rPr>
@@ -5084,17 +5029,23 @@
               <a:lnSpc>
                 <a:spcPct val="100000"/>
               </a:lnSpc>
+              <a:spcBef>
+                <a:spcPts val="600"/>
+              </a:spcBef>
+              <a:spcAft>
+                <a:spcPts val="600"/>
+              </a:spcAft>
               <a:buFont typeface="+mj-lt"/>
               <a:buAutoNum type="arabicPeriod"/>
             </a:pPr>
             <a:r>
-              <a:rPr lang="ja-JP" altLang="en-US">
+              <a:rPr lang="ja-JP" altLang="en-US" dirty="0">
                 <a:latin typeface="メイリオ" panose="020B0604030504040204" pitchFamily="50" charset="-128"/>
                 <a:ea typeface="メイリオ" panose="020B0604030504040204" pitchFamily="50" charset="-128"/>
               </a:rPr>
               <a:t>条件付き確率を求める</a:t>
             </a:r>
-            <a:endParaRPr lang="en-US" altLang="ja-JP">
+            <a:endParaRPr lang="en-US" altLang="ja-JP" dirty="0">
               <a:latin typeface="メイリオ" panose="020B0604030504040204" pitchFamily="50" charset="-128"/>
               <a:ea typeface="メイリオ" panose="020B0604030504040204" pitchFamily="50" charset="-128"/>
             </a:endParaRPr>
@@ -5104,120 +5055,120 @@
               <a:lnSpc>
                 <a:spcPct val="100000"/>
               </a:lnSpc>
+              <a:spcBef>
+                <a:spcPts val="600"/>
+              </a:spcBef>
+              <a:spcAft>
+                <a:spcPts val="600"/>
+              </a:spcAft>
               <a:buNone/>
             </a:pPr>
             <a:r>
-              <a:rPr lang="ja-JP" altLang="en-US">
+              <a:rPr lang="ja-JP" altLang="en-US" dirty="0">
                 <a:latin typeface="メイリオ" panose="020B0604030504040204" pitchFamily="50" charset="-128"/>
                 <a:ea typeface="メイリオ" panose="020B0604030504040204" pitchFamily="50" charset="-128"/>
               </a:rPr>
               <a:t>確率の推定値が</a:t>
             </a:r>
             <a:r>
-              <a:rPr lang="en-US" altLang="ja-JP">
+              <a:rPr lang="en-US" altLang="ja-JP" dirty="0">
                 <a:latin typeface="メイリオ" panose="020B0604030504040204" pitchFamily="50" charset="-128"/>
                 <a:ea typeface="メイリオ" panose="020B0604030504040204" pitchFamily="50" charset="-128"/>
               </a:rPr>
               <a:t>0</a:t>
             </a:r>
             <a:r>
-              <a:rPr lang="ja-JP" altLang="en-US">
-                <a:latin typeface="メイリオ" panose="020B0604030504040204" pitchFamily="50" charset="-128"/>
-                <a:ea typeface="メイリオ" panose="020B0604030504040204" pitchFamily="50" charset="-128"/>
-              </a:rPr>
-              <a:t>にならないよう工夫したうえで</a:t>
-            </a:r>
-            <a:br>
-              <a:rPr lang="en-US" altLang="ja-JP">
-                <a:latin typeface="メイリオ" panose="020B0604030504040204" pitchFamily="50" charset="-128"/>
-                <a:ea typeface="メイリオ" panose="020B0604030504040204" pitchFamily="50" charset="-128"/>
-              </a:rPr>
-            </a:br>
-            <a:r>
-              <a:rPr lang="en-US" altLang="ja-JP" i="1">
+              <a:rPr lang="ja-JP" altLang="en-US" dirty="0">
+                <a:latin typeface="メイリオ" panose="020B0604030504040204" pitchFamily="50" charset="-128"/>
+                <a:ea typeface="メイリオ" panose="020B0604030504040204" pitchFamily="50" charset="-128"/>
+              </a:rPr>
+              <a:t>にならないよう工夫したうえで </a:t>
+            </a:r>
+            <a:r>
+              <a:rPr lang="en-US" altLang="ja-JP" i="1" dirty="0">
                 <a:latin typeface="Century Schoolbook" panose="02040604050505020304" pitchFamily="18" charset="0"/>
                 <a:ea typeface="メイリオ" panose="020B0604030504040204" pitchFamily="50" charset="-128"/>
               </a:rPr>
               <a:t>P</a:t>
             </a:r>
             <a:r>
-              <a:rPr lang="en-US" altLang="ja-JP">
+              <a:rPr lang="en-US" altLang="ja-JP" dirty="0">
                 <a:latin typeface="Century Schoolbook" panose="02040604050505020304" pitchFamily="18" charset="0"/>
                 <a:ea typeface="メイリオ" panose="020B0604030504040204" pitchFamily="50" charset="-128"/>
               </a:rPr>
               <a:t>(</a:t>
             </a:r>
             <a:r>
-              <a:rPr lang="en-US" altLang="ja-JP" i="1">
+              <a:rPr lang="en-US" altLang="ja-JP" i="1" dirty="0" err="1">
                 <a:latin typeface="Century Schoolbook" panose="02040604050505020304" pitchFamily="18" charset="0"/>
                 <a:ea typeface="メイリオ" panose="020B0604030504040204" pitchFamily="50" charset="-128"/>
               </a:rPr>
               <a:t>w</a:t>
             </a:r>
             <a:r>
-              <a:rPr lang="en-US" altLang="ja-JP" i="1" baseline="-25000">
+              <a:rPr lang="en-US" altLang="ja-JP" i="1" baseline="-25000" dirty="0" err="1">
                 <a:latin typeface="Century Schoolbook" panose="02040604050505020304" pitchFamily="18" charset="0"/>
                 <a:ea typeface="メイリオ" panose="020B0604030504040204" pitchFamily="50" charset="-128"/>
               </a:rPr>
               <a:t>k</a:t>
             </a:r>
             <a:r>
-              <a:rPr lang="en-US" altLang="ja-JP">
+              <a:rPr lang="en-US" altLang="ja-JP" dirty="0">
                 <a:latin typeface="Century Schoolbook" panose="02040604050505020304" pitchFamily="18" charset="0"/>
                 <a:ea typeface="メイリオ" panose="020B0604030504040204" pitchFamily="50" charset="-128"/>
               </a:rPr>
               <a:t> | </a:t>
             </a:r>
             <a:r>
-              <a:rPr lang="en-US" altLang="ja-JP" i="1">
+              <a:rPr lang="en-US" altLang="ja-JP" i="1" dirty="0">
                 <a:latin typeface="Century Schoolbook" panose="02040604050505020304" pitchFamily="18" charset="0"/>
                 <a:ea typeface="メイリオ" panose="020B0604030504040204" pitchFamily="50" charset="-128"/>
               </a:rPr>
               <a:t>w</a:t>
             </a:r>
             <a:r>
-              <a:rPr lang="en-US" altLang="ja-JP" i="1" baseline="-25000">
+              <a:rPr lang="en-US" altLang="ja-JP" i="1" baseline="-25000" dirty="0">
                 <a:latin typeface="Century Schoolbook" panose="02040604050505020304" pitchFamily="18" charset="0"/>
                 <a:ea typeface="メイリオ" panose="020B0604030504040204" pitchFamily="50" charset="-128"/>
               </a:rPr>
               <a:t>k-N+1</a:t>
             </a:r>
             <a:r>
-              <a:rPr lang="en-US" altLang="ja-JP">
+              <a:rPr lang="en-US" altLang="ja-JP" dirty="0">
                 <a:latin typeface="Century Schoolbook" panose="02040604050505020304" pitchFamily="18" charset="0"/>
                 <a:ea typeface="メイリオ" panose="020B0604030504040204" pitchFamily="50" charset="-128"/>
               </a:rPr>
               <a:t>,...,</a:t>
             </a:r>
             <a:r>
-              <a:rPr lang="en-US" altLang="ja-JP" i="1">
+              <a:rPr lang="en-US" altLang="ja-JP" i="1" dirty="0">
                 <a:latin typeface="Century Schoolbook" panose="02040604050505020304" pitchFamily="18" charset="0"/>
                 <a:ea typeface="メイリオ" panose="020B0604030504040204" pitchFamily="50" charset="-128"/>
               </a:rPr>
               <a:t>w</a:t>
             </a:r>
             <a:r>
-              <a:rPr lang="en-US" altLang="ja-JP" i="1" baseline="-25000">
+              <a:rPr lang="en-US" altLang="ja-JP" i="1" baseline="-25000" dirty="0">
                 <a:latin typeface="Century Schoolbook" panose="02040604050505020304" pitchFamily="18" charset="0"/>
                 <a:ea typeface="メイリオ" panose="020B0604030504040204" pitchFamily="50" charset="-128"/>
               </a:rPr>
               <a:t>k-1</a:t>
             </a:r>
             <a:r>
-              <a:rPr lang="en-US" altLang="ja-JP">
+              <a:rPr lang="en-US" altLang="ja-JP" dirty="0">
                 <a:latin typeface="Century Schoolbook" panose="02040604050505020304" pitchFamily="18" charset="0"/>
                 <a:ea typeface="メイリオ" panose="020B0604030504040204" pitchFamily="50" charset="-128"/>
               </a:rPr>
               <a:t>) </a:t>
             </a:r>
             <a:r>
-              <a:rPr lang="ja-JP" altLang="en-US">
+              <a:rPr lang="ja-JP" altLang="en-US" dirty="0">
                 <a:latin typeface="メイリオ" panose="020B0604030504040204" pitchFamily="50" charset="-128"/>
                 <a:ea typeface="メイリオ" panose="020B0604030504040204" pitchFamily="50" charset="-128"/>
               </a:rPr>
               <a:t>を求める</a:t>
             </a:r>
-            <a:endParaRPr kumimoji="1" lang="ja-JP" altLang="en-US">
+            <a:endParaRPr kumimoji="1" lang="ja-JP" altLang="en-US" dirty="0">
               <a:latin typeface="メイリオ" panose="020B0604030504040204" pitchFamily="50" charset="-128"/>
               <a:ea typeface="メイリオ" panose="020B0604030504040204" pitchFamily="50" charset="-128"/>
             </a:endParaRPr>
@@ -5272,8 +5223,8 @@
         </p:nvSpPr>
         <p:spPr>
           <a:xfrm>
-            <a:off x="628649" y="365126"/>
-            <a:ext cx="8020675" cy="1325563"/>
+            <a:off x="653034" y="372443"/>
+            <a:ext cx="8020675" cy="849196"/>
           </a:xfrm>
         </p:spPr>
         <p:txBody>
@@ -5283,7 +5234,7 @@
           <a:lstStyle/>
           <a:p>
             <a:r>
-              <a:rPr lang="en-US" altLang="ja-JP">
+              <a:rPr lang="en-US" altLang="ja-JP" dirty="0">
                 <a:solidFill>
                   <a:schemeClr val="accent1"/>
                 </a:solidFill>
@@ -5293,7 +5244,7 @@
               <a:t>8.3 </a:t>
             </a:r>
             <a:r>
-              <a:rPr lang="ja-JP" altLang="en-US">
+              <a:rPr lang="ja-JP" altLang="en-US" dirty="0">
                 <a:solidFill>
                   <a:schemeClr val="accent1"/>
                 </a:solidFill>
@@ -5302,7 +5253,7 @@
               </a:rPr>
               <a:t>統計的言語モデルの作り方</a:t>
             </a:r>
-            <a:endParaRPr kumimoji="1" lang="ja-JP" altLang="en-US">
+            <a:endParaRPr kumimoji="1" lang="ja-JP" altLang="en-US" dirty="0">
               <a:solidFill>
                 <a:schemeClr val="accent1"/>
               </a:solidFill>
@@ -5330,8 +5281,8 @@
         </p:nvSpPr>
         <p:spPr>
           <a:xfrm>
-            <a:off x="531214" y="1521502"/>
-            <a:ext cx="8185565" cy="4655461"/>
+            <a:off x="653034" y="1221639"/>
+            <a:ext cx="10665562" cy="4655461"/>
           </a:xfrm>
         </p:spPr>
         <p:txBody>
@@ -5342,22 +5293,28 @@
               <a:lnSpc>
                 <a:spcPct val="100000"/>
               </a:lnSpc>
+              <a:spcBef>
+                <a:spcPts val="600"/>
+              </a:spcBef>
+              <a:spcAft>
+                <a:spcPts val="600"/>
+              </a:spcAft>
             </a:pPr>
             <a:r>
-              <a:rPr kumimoji="1" lang="en-US" altLang="ja-JP">
+              <a:rPr kumimoji="1" lang="en-US" altLang="ja-JP" dirty="0">
                 <a:latin typeface="メイリオ" panose="020B0604030504040204" pitchFamily="50" charset="-128"/>
                 <a:ea typeface="メイリオ" panose="020B0604030504040204" pitchFamily="50" charset="-128"/>
               </a:rPr>
               <a:t>N-</a:t>
             </a:r>
             <a:r>
-              <a:rPr kumimoji="1" lang="ja-JP" altLang="en-US">
+              <a:rPr kumimoji="1" lang="ja-JP" altLang="en-US" dirty="0">
                 <a:latin typeface="メイリオ" panose="020B0604030504040204" pitchFamily="50" charset="-128"/>
                 <a:ea typeface="メイリオ" panose="020B0604030504040204" pitchFamily="50" charset="-128"/>
               </a:rPr>
               <a:t>グラムを最尤推定するときの問題点</a:t>
             </a:r>
-            <a:endParaRPr kumimoji="1" lang="en-US" altLang="ja-JP">
+            <a:endParaRPr kumimoji="1" lang="en-US" altLang="ja-JP" dirty="0">
               <a:latin typeface="メイリオ" panose="020B0604030504040204" pitchFamily="50" charset="-128"/>
               <a:ea typeface="メイリオ" panose="020B0604030504040204" pitchFamily="50" charset="-128"/>
             </a:endParaRPr>
@@ -5367,29 +5324,35 @@
               <a:lnSpc>
                 <a:spcPct val="100000"/>
               </a:lnSpc>
+              <a:spcBef>
+                <a:spcPts val="600"/>
+              </a:spcBef>
+              <a:spcAft>
+                <a:spcPts val="600"/>
+              </a:spcAft>
             </a:pPr>
             <a:r>
-              <a:rPr kumimoji="1" lang="ja-JP" altLang="en-US">
+              <a:rPr kumimoji="1" lang="ja-JP" altLang="en-US" dirty="0">
                 <a:latin typeface="メイリオ" panose="020B0604030504040204" pitchFamily="50" charset="-128"/>
                 <a:ea typeface="メイリオ" panose="020B0604030504040204" pitchFamily="50" charset="-128"/>
               </a:rPr>
               <a:t>例）</a:t>
             </a:r>
             <a:r>
-              <a:rPr kumimoji="1" lang="en-US" altLang="ja-JP">
+              <a:rPr kumimoji="1" lang="en-US" altLang="ja-JP" dirty="0">
                 <a:latin typeface="メイリオ" panose="020B0604030504040204" pitchFamily="50" charset="-128"/>
                 <a:ea typeface="メイリオ" panose="020B0604030504040204" pitchFamily="50" charset="-128"/>
               </a:rPr>
               <a:t>2-</a:t>
             </a:r>
             <a:r>
-              <a:rPr kumimoji="1" lang="ja-JP" altLang="en-US">
+              <a:rPr kumimoji="1" lang="ja-JP" altLang="en-US" dirty="0">
                 <a:latin typeface="メイリオ" panose="020B0604030504040204" pitchFamily="50" charset="-128"/>
                 <a:ea typeface="メイリオ" panose="020B0604030504040204" pitchFamily="50" charset="-128"/>
               </a:rPr>
               <a:t>グラムの単純な最尤推定</a:t>
             </a:r>
-            <a:endParaRPr kumimoji="1" lang="en-US" altLang="ja-JP">
+            <a:endParaRPr kumimoji="1" lang="en-US" altLang="ja-JP" dirty="0">
               <a:latin typeface="メイリオ" panose="020B0604030504040204" pitchFamily="50" charset="-128"/>
               <a:ea typeface="メイリオ" panose="020B0604030504040204" pitchFamily="50" charset="-128"/>
             </a:endParaRPr>
@@ -5399,8 +5362,14 @@
               <a:lnSpc>
                 <a:spcPct val="100000"/>
               </a:lnSpc>
+              <a:spcBef>
+                <a:spcPts val="600"/>
+              </a:spcBef>
+              <a:spcAft>
+                <a:spcPts val="600"/>
+              </a:spcAft>
             </a:pPr>
-            <a:endParaRPr lang="en-US" altLang="ja-JP">
+            <a:endParaRPr lang="en-US" altLang="ja-JP" dirty="0">
               <a:latin typeface="メイリオ" panose="020B0604030504040204" pitchFamily="50" charset="-128"/>
               <a:ea typeface="メイリオ" panose="020B0604030504040204" pitchFamily="50" charset="-128"/>
             </a:endParaRPr>
@@ -5410,8 +5379,14 @@
               <a:lnSpc>
                 <a:spcPct val="100000"/>
               </a:lnSpc>
+              <a:spcBef>
+                <a:spcPts val="600"/>
+              </a:spcBef>
+              <a:spcAft>
+                <a:spcPts val="600"/>
+              </a:spcAft>
             </a:pPr>
-            <a:endParaRPr kumimoji="1" lang="en-US" altLang="ja-JP">
+            <a:endParaRPr kumimoji="1" lang="en-US" altLang="ja-JP" dirty="0">
               <a:latin typeface="メイリオ" panose="020B0604030504040204" pitchFamily="50" charset="-128"/>
               <a:ea typeface="メイリオ" panose="020B0604030504040204" pitchFamily="50" charset="-128"/>
             </a:endParaRPr>
@@ -5421,8 +5396,14 @@
               <a:lnSpc>
                 <a:spcPct val="100000"/>
               </a:lnSpc>
+              <a:spcBef>
+                <a:spcPts val="600"/>
+              </a:spcBef>
+              <a:spcAft>
+                <a:spcPts val="600"/>
+              </a:spcAft>
             </a:pPr>
-            <a:endParaRPr lang="en-US" altLang="ja-JP">
+            <a:endParaRPr lang="en-US" altLang="ja-JP" dirty="0">
               <a:latin typeface="メイリオ" panose="020B0604030504040204" pitchFamily="50" charset="-128"/>
               <a:ea typeface="メイリオ" panose="020B0604030504040204" pitchFamily="50" charset="-128"/>
             </a:endParaRPr>
@@ -5432,65 +5413,78 @@
               <a:lnSpc>
                 <a:spcPct val="100000"/>
               </a:lnSpc>
+              <a:spcBef>
+                <a:spcPts val="600"/>
+              </a:spcBef>
+              <a:spcAft>
+                <a:spcPts val="600"/>
+              </a:spcAft>
             </a:pPr>
             <a:r>
-              <a:rPr kumimoji="1" lang="ja-JP" altLang="en-US">
+              <a:rPr kumimoji="1" lang="ja-JP" altLang="en-US" dirty="0">
                 <a:latin typeface="メイリオ" panose="020B0604030504040204" pitchFamily="50" charset="-128"/>
                 <a:ea typeface="メイリオ" panose="020B0604030504040204" pitchFamily="50" charset="-128"/>
               </a:rPr>
               <a:t>コーパス中に </a:t>
             </a:r>
             <a:r>
-              <a:rPr lang="en-US" altLang="ja-JP" i="1">
+              <a:rPr lang="en-US" altLang="ja-JP" i="1" dirty="0">
                 <a:latin typeface="Century Schoolbook" panose="02040604050505020304" pitchFamily="18" charset="0"/>
                 <a:ea typeface="メイリオ" panose="020B0604030504040204" pitchFamily="50" charset="-128"/>
               </a:rPr>
               <a:t>w</a:t>
             </a:r>
             <a:r>
-              <a:rPr lang="en-US" altLang="ja-JP" i="1" baseline="-25000">
+              <a:rPr lang="en-US" altLang="ja-JP" i="1" baseline="-25000" dirty="0">
                 <a:latin typeface="Century Schoolbook" panose="02040604050505020304" pitchFamily="18" charset="0"/>
                 <a:ea typeface="メイリオ" panose="020B0604030504040204" pitchFamily="50" charset="-128"/>
               </a:rPr>
               <a:t>i-1</a:t>
             </a:r>
             <a:r>
-              <a:rPr lang="en-US" altLang="ja-JP" i="1">
+              <a:rPr lang="en-US" altLang="ja-JP" i="1" dirty="0">
                 <a:latin typeface="Century Schoolbook" panose="02040604050505020304" pitchFamily="18" charset="0"/>
                 <a:ea typeface="メイリオ" panose="020B0604030504040204" pitchFamily="50" charset="-128"/>
               </a:rPr>
-              <a:t> w</a:t>
-            </a:r>
-            <a:r>
-              <a:rPr lang="en-US" altLang="ja-JP" i="1" baseline="-25000">
+              <a:t> </a:t>
+            </a:r>
+            <a:r>
+              <a:rPr lang="en-US" altLang="ja-JP" i="1" dirty="0" err="1">
                 <a:latin typeface="Century Schoolbook" panose="02040604050505020304" pitchFamily="18" charset="0"/>
                 <a:ea typeface="メイリオ" panose="020B0604030504040204" pitchFamily="50" charset="-128"/>
               </a:rPr>
+              <a:t>w</a:t>
+            </a:r>
+            <a:r>
+              <a:rPr lang="en-US" altLang="ja-JP" i="1" baseline="-25000" dirty="0" err="1">
+                <a:latin typeface="Century Schoolbook" panose="02040604050505020304" pitchFamily="18" charset="0"/>
+                <a:ea typeface="メイリオ" panose="020B0604030504040204" pitchFamily="50" charset="-128"/>
+              </a:rPr>
               <a:t>i</a:t>
             </a:r>
             <a:r>
-              <a:rPr kumimoji="1" lang="ja-JP" altLang="en-US">
+              <a:rPr kumimoji="1" lang="ja-JP" altLang="en-US" dirty="0">
                 <a:latin typeface="メイリオ" panose="020B0604030504040204" pitchFamily="50" charset="-128"/>
                 <a:ea typeface="メイリオ" panose="020B0604030504040204" pitchFamily="50" charset="-128"/>
               </a:rPr>
               <a:t> が</a:t>
             </a:r>
             <a:r>
-              <a:rPr kumimoji="1" lang="en-US" altLang="ja-JP">
+              <a:rPr kumimoji="1" lang="en-US" altLang="ja-JP" dirty="0">
                 <a:latin typeface="メイリオ" panose="020B0604030504040204" pitchFamily="50" charset="-128"/>
                 <a:ea typeface="メイリオ" panose="020B0604030504040204" pitchFamily="50" charset="-128"/>
               </a:rPr>
               <a:t>1</a:t>
             </a:r>
             <a:r>
-              <a:rPr kumimoji="1" lang="ja-JP" altLang="en-US">
+              <a:rPr kumimoji="1" lang="ja-JP" altLang="en-US" dirty="0">
                 <a:latin typeface="メイリオ" panose="020B0604030504040204" pitchFamily="50" charset="-128"/>
                 <a:ea typeface="メイリオ" panose="020B0604030504040204" pitchFamily="50" charset="-128"/>
               </a:rPr>
               <a:t>度も出現しなければ、この値は</a:t>
             </a:r>
             <a:r>
-              <a:rPr kumimoji="1" lang="en-US" altLang="ja-JP">
+              <a:rPr kumimoji="1" lang="en-US" altLang="ja-JP" dirty="0">
                 <a:latin typeface="メイリオ" panose="020B0604030504040204" pitchFamily="50" charset="-128"/>
                 <a:ea typeface="メイリオ" panose="020B0604030504040204" pitchFamily="50" charset="-128"/>
               </a:rPr>
@@ -5502,58 +5496,64 @@
               <a:lnSpc>
                 <a:spcPct val="100000"/>
               </a:lnSpc>
+              <a:spcBef>
+                <a:spcPts val="600"/>
+              </a:spcBef>
+              <a:spcAft>
+                <a:spcPts val="600"/>
+              </a:spcAft>
             </a:pPr>
             <a:r>
-              <a:rPr kumimoji="1" lang="ja-JP" altLang="en-US">
+              <a:rPr kumimoji="1" lang="ja-JP" altLang="en-US" dirty="0">
                 <a:latin typeface="メイリオ" panose="020B0604030504040204" pitchFamily="50" charset="-128"/>
                 <a:ea typeface="メイリオ" panose="020B0604030504040204" pitchFamily="50" charset="-128"/>
               </a:rPr>
               <a:t>単語列中に値</a:t>
             </a:r>
             <a:r>
-              <a:rPr kumimoji="1" lang="en-US" altLang="ja-JP">
+              <a:rPr kumimoji="1" lang="en-US" altLang="ja-JP" dirty="0">
                 <a:latin typeface="メイリオ" panose="020B0604030504040204" pitchFamily="50" charset="-128"/>
                 <a:ea typeface="メイリオ" panose="020B0604030504040204" pitchFamily="50" charset="-128"/>
               </a:rPr>
               <a:t>0</a:t>
             </a:r>
             <a:r>
-              <a:rPr kumimoji="1" lang="ja-JP" altLang="en-US">
+              <a:rPr kumimoji="1" lang="ja-JP" altLang="en-US" dirty="0">
                 <a:latin typeface="メイリオ" panose="020B0604030504040204" pitchFamily="50" charset="-128"/>
                 <a:ea typeface="メイリオ" panose="020B0604030504040204" pitchFamily="50" charset="-128"/>
               </a:rPr>
               <a:t>の</a:t>
             </a:r>
             <a:r>
-              <a:rPr kumimoji="1" lang="en-US" altLang="ja-JP">
+              <a:rPr kumimoji="1" lang="en-US" altLang="ja-JP" dirty="0">
                 <a:latin typeface="メイリオ" panose="020B0604030504040204" pitchFamily="50" charset="-128"/>
                 <a:ea typeface="メイリオ" panose="020B0604030504040204" pitchFamily="50" charset="-128"/>
               </a:rPr>
               <a:t>2-</a:t>
             </a:r>
             <a:r>
-              <a:rPr kumimoji="1" lang="ja-JP" altLang="en-US">
+              <a:rPr kumimoji="1" lang="ja-JP" altLang="en-US" dirty="0">
                 <a:latin typeface="メイリオ" panose="020B0604030504040204" pitchFamily="50" charset="-128"/>
                 <a:ea typeface="メイリオ" panose="020B0604030504040204" pitchFamily="50" charset="-128"/>
               </a:rPr>
               <a:t>グラムが</a:t>
             </a:r>
             <a:r>
-              <a:rPr kumimoji="1" lang="en-US" altLang="ja-JP">
+              <a:rPr kumimoji="1" lang="en-US" altLang="ja-JP" dirty="0">
                 <a:latin typeface="メイリオ" panose="020B0604030504040204" pitchFamily="50" charset="-128"/>
                 <a:ea typeface="メイリオ" panose="020B0604030504040204" pitchFamily="50" charset="-128"/>
               </a:rPr>
               <a:t>1</a:t>
             </a:r>
             <a:r>
-              <a:rPr kumimoji="1" lang="ja-JP" altLang="en-US">
+              <a:rPr kumimoji="1" lang="ja-JP" altLang="en-US" dirty="0">
                 <a:latin typeface="メイリオ" panose="020B0604030504040204" pitchFamily="50" charset="-128"/>
                 <a:ea typeface="メイリオ" panose="020B0604030504040204" pitchFamily="50" charset="-128"/>
               </a:rPr>
               <a:t>つでもあれば、全体の確率が</a:t>
             </a:r>
             <a:r>
-              <a:rPr kumimoji="1" lang="en-US" altLang="ja-JP">
+              <a:rPr kumimoji="1" lang="en-US" altLang="ja-JP" dirty="0">
                 <a:latin typeface="メイリオ" panose="020B0604030504040204" pitchFamily="50" charset="-128"/>
                 <a:ea typeface="メイリオ" panose="020B0604030504040204" pitchFamily="50" charset="-128"/>
               </a:rPr>
@@ -5565,15 +5565,21 @@
               <a:lnSpc>
                 <a:spcPct val="100000"/>
               </a:lnSpc>
+              <a:spcBef>
+                <a:spcPts val="600"/>
+              </a:spcBef>
+              <a:spcAft>
+                <a:spcPts val="600"/>
+              </a:spcAft>
             </a:pPr>
             <a:r>
-              <a:rPr kumimoji="1" lang="ja-JP" altLang="en-US">
+              <a:rPr kumimoji="1" lang="ja-JP" altLang="en-US" dirty="0">
                 <a:latin typeface="メイリオ" panose="020B0604030504040204" pitchFamily="50" charset="-128"/>
                 <a:ea typeface="メイリオ" panose="020B0604030504040204" pitchFamily="50" charset="-128"/>
               </a:rPr>
               <a:t>バックオフスムージング</a:t>
             </a:r>
-            <a:endParaRPr kumimoji="1" lang="en-US" altLang="ja-JP">
+            <a:endParaRPr kumimoji="1" lang="en-US" altLang="ja-JP" dirty="0">
               <a:latin typeface="メイリオ" panose="020B0604030504040204" pitchFamily="50" charset="-128"/>
               <a:ea typeface="メイリオ" panose="020B0604030504040204" pitchFamily="50" charset="-128"/>
             </a:endParaRPr>
@@ -5583,51 +5589,57 @@
               <a:lnSpc>
                 <a:spcPct val="100000"/>
               </a:lnSpc>
+              <a:spcBef>
+                <a:spcPts val="600"/>
+              </a:spcBef>
+              <a:spcAft>
+                <a:spcPts val="600"/>
+              </a:spcAft>
             </a:pPr>
             <a:r>
-              <a:rPr kumimoji="1" lang="ja-JP" altLang="en-US">
+              <a:rPr kumimoji="1" lang="ja-JP" altLang="en-US" dirty="0">
                 <a:latin typeface="メイリオ" panose="020B0604030504040204" pitchFamily="50" charset="-128"/>
                 <a:ea typeface="メイリオ" panose="020B0604030504040204" pitchFamily="50" charset="-128"/>
               </a:rPr>
               <a:t>最尤推定した</a:t>
             </a:r>
             <a:r>
-              <a:rPr kumimoji="1" lang="en-US" altLang="ja-JP">
+              <a:rPr kumimoji="1" lang="en-US" altLang="ja-JP" dirty="0">
                 <a:latin typeface="メイリオ" panose="020B0604030504040204" pitchFamily="50" charset="-128"/>
                 <a:ea typeface="メイリオ" panose="020B0604030504040204" pitchFamily="50" charset="-128"/>
               </a:rPr>
               <a:t>N-</a:t>
             </a:r>
             <a:r>
-              <a:rPr kumimoji="1" lang="ja-JP" altLang="en-US">
+              <a:rPr kumimoji="1" lang="ja-JP" altLang="en-US" dirty="0">
                 <a:latin typeface="メイリオ" panose="020B0604030504040204" pitchFamily="50" charset="-128"/>
                 <a:ea typeface="メイリオ" panose="020B0604030504040204" pitchFamily="50" charset="-128"/>
               </a:rPr>
               <a:t>グラムのうち、確率</a:t>
             </a:r>
             <a:r>
-              <a:rPr kumimoji="1" lang="en-US" altLang="ja-JP">
+              <a:rPr kumimoji="1" lang="en-US" altLang="ja-JP" dirty="0">
                 <a:latin typeface="メイリオ" panose="020B0604030504040204" pitchFamily="50" charset="-128"/>
                 <a:ea typeface="メイリオ" panose="020B0604030504040204" pitchFamily="50" charset="-128"/>
               </a:rPr>
               <a:t>0</a:t>
             </a:r>
             <a:r>
-              <a:rPr kumimoji="1" lang="ja-JP" altLang="en-US">
+              <a:rPr kumimoji="1" lang="ja-JP" altLang="en-US" dirty="0">
                 <a:latin typeface="メイリオ" panose="020B0604030504040204" pitchFamily="50" charset="-128"/>
                 <a:ea typeface="メイリオ" panose="020B0604030504040204" pitchFamily="50" charset="-128"/>
               </a:rPr>
               <a:t>でないものから少しずつ値を削り、確率</a:t>
             </a:r>
             <a:r>
-              <a:rPr kumimoji="1" lang="en-US" altLang="ja-JP">
+              <a:rPr kumimoji="1" lang="en-US" altLang="ja-JP" dirty="0">
                 <a:latin typeface="メイリオ" panose="020B0604030504040204" pitchFamily="50" charset="-128"/>
                 <a:ea typeface="メイリオ" panose="020B0604030504040204" pitchFamily="50" charset="-128"/>
               </a:rPr>
               <a:t>0</a:t>
             </a:r>
             <a:r>
-              <a:rPr kumimoji="1" lang="ja-JP" altLang="en-US">
+              <a:rPr kumimoji="1" lang="ja-JP" altLang="en-US" dirty="0">
                 <a:latin typeface="メイリオ" panose="020B0604030504040204" pitchFamily="50" charset="-128"/>
                 <a:ea typeface="メイリオ" panose="020B0604030504040204" pitchFamily="50" charset="-128"/>
               </a:rPr>
@@ -5658,7 +5670,7 @@
         </p:blipFill>
         <p:spPr>
           <a:xfrm>
-            <a:off x="1670705" y="2590449"/>
+            <a:off x="3194705" y="2590449"/>
             <a:ext cx="4549974" cy="837652"/>
           </a:xfrm>
           <a:prstGeom prst="rect">
@@ -5680,7 +5692,7 @@
         </p:nvSpPr>
         <p:spPr>
           <a:xfrm>
-            <a:off x="6573187" y="2824609"/>
+            <a:off x="8097187" y="2824609"/>
             <a:ext cx="2214068" cy="369332"/>
           </a:xfrm>
           <a:prstGeom prst="rect">
@@ -5695,37 +5707,37 @@
           <a:lstStyle/>
           <a:p>
             <a:r>
-              <a:rPr kumimoji="1" lang="en-US" altLang="ja-JP" i="1">
+              <a:rPr lang="en-US" altLang="ja-JP" i="1" dirty="0">
                 <a:latin typeface="Century Schoolbook" panose="02040604050505020304" pitchFamily="18" charset="0"/>
               </a:rPr>
               <a:t>C</a:t>
             </a:r>
             <a:r>
-              <a:rPr kumimoji="1" lang="en-US" altLang="ja-JP">
+              <a:rPr lang="en-US" altLang="ja-JP" dirty="0">
                 <a:latin typeface="Century Schoolbook" panose="02040604050505020304" pitchFamily="18" charset="0"/>
               </a:rPr>
               <a:t>(</a:t>
             </a:r>
             <a:r>
-              <a:rPr kumimoji="1" lang="en-US" altLang="ja-JP" i="1">
+              <a:rPr lang="en-US" altLang="ja-JP" i="1" dirty="0">
                 <a:latin typeface="Century Schoolbook" panose="02040604050505020304" pitchFamily="18" charset="0"/>
               </a:rPr>
               <a:t>W</a:t>
             </a:r>
             <a:r>
-              <a:rPr kumimoji="1" lang="en-US" altLang="ja-JP">
+              <a:rPr lang="en-US" altLang="ja-JP" dirty="0">
                 <a:latin typeface="Century Schoolbook" panose="02040604050505020304" pitchFamily="18" charset="0"/>
               </a:rPr>
               <a:t>): </a:t>
             </a:r>
             <a:r>
-              <a:rPr lang="en-US" altLang="ja-JP" i="1">
+              <a:rPr lang="en-US" altLang="ja-JP" i="1" dirty="0">
                 <a:latin typeface="Century Schoolbook" panose="02040604050505020304" pitchFamily="18" charset="0"/>
               </a:rPr>
               <a:t>W</a:t>
             </a:r>
             <a:r>
-              <a:rPr kumimoji="1" lang="ja-JP" altLang="en-US"/>
+              <a:rPr lang="ja-JP" altLang="en-US" dirty="0"/>
               <a:t>の出現回数</a:t>
             </a:r>
           </a:p>
@@ -5779,7 +5791,7 @@
         </p:nvSpPr>
         <p:spPr>
           <a:xfrm>
-            <a:off x="628649" y="365126"/>
+            <a:off x="696924" y="322238"/>
             <a:ext cx="8020676" cy="706671"/>
           </a:xfrm>
         </p:spPr>
@@ -5790,7 +5802,7 @@
           <a:lstStyle/>
           <a:p>
             <a:r>
-              <a:rPr lang="ja-JP" altLang="en-US" sz="3600">
+              <a:rPr lang="ja-JP" altLang="en-US" sz="3600" dirty="0">
                 <a:solidFill>
                   <a:schemeClr val="accent1"/>
                 </a:solidFill>
@@ -5799,13 +5811,6 @@
               </a:rPr>
               <a:t>ニューラルネットワーク言語モデル</a:t>
             </a:r>
-            <a:endParaRPr kumimoji="1" lang="ja-JP" altLang="en-US" sz="3600">
-              <a:solidFill>
-                <a:schemeClr val="accent1"/>
-              </a:solidFill>
-              <a:latin typeface="メイリオ" panose="020B0604030504040204" pitchFamily="50" charset="-128"/>
-              <a:ea typeface="メイリオ" panose="020B0604030504040204" pitchFamily="50" charset="-128"/>
-            </a:endParaRPr>
           </a:p>
         </p:txBody>
       </p:sp>
@@ -5827,7 +5832,7 @@
         </p:nvSpPr>
         <p:spPr>
           <a:xfrm>
-            <a:off x="283408" y="1071797"/>
+            <a:off x="696924" y="1101269"/>
             <a:ext cx="8185565" cy="4655461"/>
           </a:xfrm>
         </p:spPr>
@@ -5841,7 +5846,7 @@
               </a:lnSpc>
             </a:pPr>
             <a:r>
-              <a:rPr lang="ja-JP" altLang="en-US">
+              <a:rPr lang="ja-JP" altLang="en-US" dirty="0">
                 <a:latin typeface="メイリオ" panose="020B0604030504040204" pitchFamily="50" charset="-128"/>
                 <a:ea typeface="メイリオ" panose="020B0604030504040204" pitchFamily="50" charset="-128"/>
               </a:rPr>
@@ -5855,27 +5860,27 @@
               </a:lnSpc>
             </a:pPr>
             <a:r>
-              <a:rPr lang="ja-JP" altLang="en-US">
+              <a:rPr lang="ja-JP" altLang="en-US" dirty="0">
                 <a:latin typeface="メイリオ" panose="020B0604030504040204" pitchFamily="50" charset="-128"/>
                 <a:ea typeface="メイリオ" panose="020B0604030504040204" pitchFamily="50" charset="-128"/>
               </a:rPr>
               <a:t>過去</a:t>
             </a:r>
             <a:r>
-              <a:rPr lang="en-US" altLang="ja-JP">
+              <a:rPr lang="en-US" altLang="ja-JP" dirty="0">
                 <a:latin typeface="メイリオ" panose="020B0604030504040204" pitchFamily="50" charset="-128"/>
                 <a:ea typeface="メイリオ" panose="020B0604030504040204" pitchFamily="50" charset="-128"/>
               </a:rPr>
               <a:t>N</a:t>
             </a:r>
             <a:r>
-              <a:rPr lang="ja-JP" altLang="en-US">
+              <a:rPr lang="ja-JP" altLang="en-US" dirty="0">
                 <a:latin typeface="メイリオ" panose="020B0604030504040204" pitchFamily="50" charset="-128"/>
                 <a:ea typeface="メイリオ" panose="020B0604030504040204" pitchFamily="50" charset="-128"/>
               </a:rPr>
               <a:t>単語から次単語の確率分布を求める</a:t>
             </a:r>
-            <a:endParaRPr kumimoji="1" lang="en-US" altLang="ja-JP">
+            <a:endParaRPr kumimoji="1" lang="en-US" altLang="ja-JP" dirty="0">
               <a:latin typeface="メイリオ" panose="020B0604030504040204" pitchFamily="50" charset="-128"/>
               <a:ea typeface="メイリオ" panose="020B0604030504040204" pitchFamily="50" charset="-128"/>
             </a:endParaRPr>
@@ -5904,7 +5909,7 @@
         </p:blipFill>
         <p:spPr>
           <a:xfrm>
-            <a:off x="373816" y="2131219"/>
+            <a:off x="1897817" y="2131220"/>
             <a:ext cx="8297641" cy="3992263"/>
           </a:xfrm>
           <a:prstGeom prst="rect">
@@ -5960,7 +5965,7 @@
         </p:nvSpPr>
         <p:spPr>
           <a:xfrm>
-            <a:off x="628649" y="365126"/>
+            <a:off x="653033" y="365127"/>
             <a:ext cx="8020676" cy="706671"/>
           </a:xfrm>
         </p:spPr>
@@ -5971,7 +5976,7 @@
           <a:lstStyle/>
           <a:p>
             <a:r>
-              <a:rPr lang="ja-JP" altLang="en-US" sz="3600">
+              <a:rPr lang="ja-JP" altLang="en-US" sz="3600" dirty="0">
                 <a:solidFill>
                   <a:schemeClr val="accent1"/>
                 </a:solidFill>
@@ -5980,13 +5985,6 @@
               </a:rPr>
               <a:t>ニューラルネットワーク言語モデル</a:t>
             </a:r>
-            <a:endParaRPr kumimoji="1" lang="ja-JP" altLang="en-US" sz="3600">
-              <a:solidFill>
-                <a:schemeClr val="accent1"/>
-              </a:solidFill>
-              <a:latin typeface="メイリオ" panose="020B0604030504040204" pitchFamily="50" charset="-128"/>
-              <a:ea typeface="メイリオ" panose="020B0604030504040204" pitchFamily="50" charset="-128"/>
-            </a:endParaRPr>
           </a:p>
         </p:txBody>
       </p:sp>
@@ -6008,8 +6006,8 @@
         </p:nvSpPr>
         <p:spPr>
           <a:xfrm>
-            <a:off x="283408" y="1071797"/>
-            <a:ext cx="8185565" cy="4655461"/>
+            <a:off x="653033" y="1071798"/>
+            <a:ext cx="9339941" cy="4655461"/>
           </a:xfrm>
         </p:spPr>
         <p:txBody>
@@ -6022,7 +6020,7 @@
               </a:lnSpc>
             </a:pPr>
             <a:r>
-              <a:rPr lang="ja-JP" altLang="en-US">
+              <a:rPr lang="ja-JP" altLang="en-US" dirty="0">
                 <a:latin typeface="メイリオ" panose="020B0604030504040204" pitchFamily="50" charset="-128"/>
                 <a:ea typeface="メイリオ" panose="020B0604030504040204" pitchFamily="50" charset="-128"/>
               </a:rPr>
@@ -6036,13 +6034,13 @@
               </a:lnSpc>
             </a:pPr>
             <a:r>
-              <a:rPr lang="ja-JP" altLang="en-US">
+              <a:rPr lang="ja-JP" altLang="en-US" dirty="0">
                 <a:latin typeface="メイリオ" panose="020B0604030504040204" pitchFamily="50" charset="-128"/>
                 <a:ea typeface="メイリオ" panose="020B0604030504040204" pitchFamily="50" charset="-128"/>
               </a:rPr>
               <a:t>フィードバックで仮想的にすべての履歴を表現</a:t>
             </a:r>
-            <a:endParaRPr kumimoji="1" lang="en-US" altLang="ja-JP">
+            <a:endParaRPr kumimoji="1" lang="en-US" altLang="ja-JP" dirty="0">
               <a:latin typeface="メイリオ" panose="020B0604030504040204" pitchFamily="50" charset="-128"/>
               <a:ea typeface="メイリオ" panose="020B0604030504040204" pitchFamily="50" charset="-128"/>
             </a:endParaRPr>
@@ -6071,7 +6069,7 @@
         </p:blipFill>
         <p:spPr>
           <a:xfrm>
-            <a:off x="926233" y="2106931"/>
+            <a:off x="2450233" y="2106931"/>
             <a:ext cx="6661948" cy="4218106"/>
           </a:xfrm>
           <a:prstGeom prst="rect">
@@ -6095,7 +6093,7 @@
 <file path=ppt/theme/theme1.xml><?xml version="1.0" encoding="utf-8"?>
 <a:theme xmlns:a="http://schemas.openxmlformats.org/drawingml/2006/main" name="Office テーマ">
   <a:themeElements>
-    <a:clrScheme name="Office">
+    <a:clrScheme name="Office テーマ">
       <a:dk1>
         <a:sysClr val="windowText" lastClr="000000"/>
       </a:dk1>
@@ -6133,9 +6131,9 @@
         <a:srgbClr val="954F72"/>
       </a:folHlink>
     </a:clrScheme>
-    <a:fontScheme name="Office">
+    <a:fontScheme name="Office テーマ">
       <a:majorFont>
-        <a:latin typeface="游ゴシック Light" panose="020F0302020204030204"/>
+        <a:latin typeface="Calibri Light" panose="020F0302020204030204"/>
         <a:ea typeface=""/>
         <a:cs typeface=""/>
         <a:font script="Jpan" typeface="游ゴシック Light"/>
@@ -6168,26 +6166,9 @@
         <a:font script="Viet" typeface="Times New Roman"/>
         <a:font script="Uigh" typeface="Microsoft Uighur"/>
         <a:font script="Geor" typeface="Sylfaen"/>
-        <a:font script="Armn" typeface="Arial"/>
-        <a:font script="Bugi" typeface="Leelawadee UI"/>
-        <a:font script="Bopo" typeface="Microsoft JhengHei"/>
-        <a:font script="Java" typeface="Javanese Text"/>
-        <a:font script="Lisu" typeface="Segoe UI"/>
-        <a:font script="Mymr" typeface="Myanmar Text"/>
-        <a:font script="Nkoo" typeface="Ebrima"/>
-        <a:font script="Olck" typeface="Nirmala UI"/>
-        <a:font script="Osma" typeface="Ebrima"/>
-        <a:font script="Phag" typeface="Phagspa"/>
-        <a:font script="Syrn" typeface="Estrangelo Edessa"/>
-        <a:font script="Syrj" typeface="Estrangelo Edessa"/>
-        <a:font script="Syre" typeface="Estrangelo Edessa"/>
-        <a:font script="Sora" typeface="Nirmala UI"/>
-        <a:font script="Tale" typeface="Microsoft Tai Le"/>
-        <a:font script="Talu" typeface="Microsoft New Tai Lue"/>
-        <a:font script="Tfng" typeface="Ebrima"/>
       </a:majorFont>
       <a:minorFont>
-        <a:latin typeface="游ゴシック" panose="020F0502020204030204"/>
+        <a:latin typeface="Calibri" panose="020F0502020204030204"/>
         <a:ea typeface=""/>
         <a:cs typeface=""/>
         <a:font script="Jpan" typeface="游ゴシック"/>
@@ -6220,26 +6201,9 @@
         <a:font script="Viet" typeface="Arial"/>
         <a:font script="Uigh" typeface="Microsoft Uighur"/>
         <a:font script="Geor" typeface="Sylfaen"/>
-        <a:font script="Armn" typeface="Arial"/>
-        <a:font script="Bugi" typeface="Leelawadee UI"/>
-        <a:font script="Bopo" typeface="Microsoft JhengHei"/>
-        <a:font script="Java" typeface="Javanese Text"/>
-        <a:font script="Lisu" typeface="Segoe UI"/>
-        <a:font script="Mymr" typeface="Myanmar Text"/>
-        <a:font script="Nkoo" typeface="Ebrima"/>
-        <a:font script="Olck" typeface="Nirmala UI"/>
-        <a:font script="Osma" typeface="Ebrima"/>
-        <a:font script="Phag" typeface="Phagspa"/>
-        <a:font script="Syrn" typeface="Estrangelo Edessa"/>
-        <a:font script="Syrj" typeface="Estrangelo Edessa"/>
-        <a:font script="Syre" typeface="Estrangelo Edessa"/>
-        <a:font script="Sora" typeface="Nirmala UI"/>
-        <a:font script="Tale" typeface="Microsoft Tai Le"/>
-        <a:font script="Talu" typeface="Microsoft New Tai Lue"/>
-        <a:font script="Tfng" typeface="Ebrima"/>
       </a:minorFont>
     </a:fontScheme>
-    <a:fmtScheme name="Office">
+    <a:fmtScheme name="Office テーマ">
       <a:fillStyleLst>
         <a:solidFill>
           <a:schemeClr val="phClr"/>
@@ -6381,7 +6345,7 @@
   <a:extraClrSchemeLst/>
   <a:extLst>
     <a:ext uri="{05A4C25C-085E-4340-85A3-A5531E510DB2}">
-      <thm15:themeFamily xmlns:thm15="http://schemas.microsoft.com/office/thememl/2012/main" name="Office Theme" id="{62F939B6-93AF-4DB8-9C6B-D6C7DFDC589F}" vid="{4A3C46E8-61CC-4603-A589-7422A47A8E4A}"/>
+      <thm15:themeFamily xmlns:thm15="http://schemas.microsoft.com/office/thememl/2012/main" name="Office Theme 2013 - 2022" id="{62F939B6-93AF-4DB8-9C6B-D6C7DFDC589F}" vid="{4A3C46E8-61CC-4603-A589-7422A47A8E4A}"/>
     </a:ext>
   </a:extLst>
 </a:theme>
